--- a/Give And Take presentation.pptx
+++ b/Give And Take presentation.pptx
@@ -4809,7 +4809,7 @@
             <a:fld id="{AE0C963C-C1DB-4AFD-9DDC-0691666BF49B}" type="datetime2">
               <a:rPr lang="en-US" smtClean="0"/>
               <a:pPr/>
-              <a:t>Monday, January 16, 2023</a:t>
+              <a:t>Tuesday, January 17, 2023</a:t>
             </a:fld>
             <a:endParaRPr lang="en-US" cap="all" dirty="0"/>
           </a:p>
@@ -5901,7 +5901,7 @@
             <a:fld id="{AE0C963C-C1DB-4AFD-9DDC-0691666BF49B}" type="datetime2">
               <a:rPr lang="en-US" smtClean="0"/>
               <a:pPr/>
-              <a:t>Monday, January 16, 2023</a:t>
+              <a:t>Tuesday, January 17, 2023</a:t>
             </a:fld>
             <a:endParaRPr lang="en-US" cap="all" dirty="0"/>
           </a:p>
@@ -6885,7 +6885,7 @@
             <a:fld id="{AE0C963C-C1DB-4AFD-9DDC-0691666BF49B}" type="datetime2">
               <a:rPr lang="en-US" smtClean="0"/>
               <a:pPr/>
-              <a:t>Monday, January 16, 2023</a:t>
+              <a:t>Tuesday, January 17, 2023</a:t>
             </a:fld>
             <a:endParaRPr lang="en-US" cap="all" dirty="0"/>
           </a:p>
@@ -8023,7 +8023,7 @@
             <a:fld id="{AE0C963C-C1DB-4AFD-9DDC-0691666BF49B}" type="datetime2">
               <a:rPr lang="en-US" smtClean="0"/>
               <a:pPr/>
-              <a:t>Monday, January 16, 2023</a:t>
+              <a:t>Tuesday, January 17, 2023</a:t>
             </a:fld>
             <a:endParaRPr lang="en-US" cap="all" dirty="0"/>
           </a:p>
@@ -9060,7 +9060,7 @@
             <a:fld id="{AE0C963C-C1DB-4AFD-9DDC-0691666BF49B}" type="datetime2">
               <a:rPr lang="en-US" smtClean="0"/>
               <a:pPr/>
-              <a:t>Monday, January 16, 2023</a:t>
+              <a:t>Tuesday, January 17, 2023</a:t>
             </a:fld>
             <a:endParaRPr lang="en-US" cap="all" dirty="0"/>
           </a:p>
@@ -9724,7 +9724,7 @@
             <a:fld id="{AE0C963C-C1DB-4AFD-9DDC-0691666BF49B}" type="datetime2">
               <a:rPr lang="en-US" smtClean="0"/>
               <a:pPr/>
-              <a:t>Monday, January 16, 2023</a:t>
+              <a:t>Tuesday, January 17, 2023</a:t>
             </a:fld>
             <a:endParaRPr lang="en-US" cap="all" dirty="0"/>
           </a:p>
@@ -10589,7 +10589,7 @@
             <a:fld id="{AE0C963C-C1DB-4AFD-9DDC-0691666BF49B}" type="datetime2">
               <a:rPr lang="en-US" smtClean="0"/>
               <a:pPr/>
-              <a:t>Monday, January 16, 2023</a:t>
+              <a:t>Tuesday, January 17, 2023</a:t>
             </a:fld>
             <a:endParaRPr lang="en-US" cap="all" dirty="0"/>
           </a:p>
@@ -10783,7 +10783,7 @@
             <a:fld id="{AE0C963C-C1DB-4AFD-9DDC-0691666BF49B}" type="datetime2">
               <a:rPr lang="en-US" smtClean="0"/>
               <a:pPr/>
-              <a:t>Monday, January 16, 2023</a:t>
+              <a:t>Tuesday, January 17, 2023</a:t>
             </a:fld>
             <a:endParaRPr lang="en-US" cap="all" dirty="0"/>
           </a:p>
@@ -11759,7 +11759,7 @@
             <a:fld id="{AE0C963C-C1DB-4AFD-9DDC-0691666BF49B}" type="datetime2">
               <a:rPr lang="en-US" smtClean="0"/>
               <a:pPr/>
-              <a:t>Monday, January 16, 2023</a:t>
+              <a:t>Tuesday, January 17, 2023</a:t>
             </a:fld>
             <a:endParaRPr lang="en-US" cap="all" dirty="0"/>
           </a:p>
@@ -11974,7 +11974,7 @@
             <a:fld id="{AE0C963C-C1DB-4AFD-9DDC-0691666BF49B}" type="datetime2">
               <a:rPr lang="en-US" smtClean="0"/>
               <a:pPr/>
-              <a:t>Monday, January 16, 2023</a:t>
+              <a:t>Tuesday, January 17, 2023</a:t>
             </a:fld>
             <a:endParaRPr lang="en-US" cap="all" dirty="0"/>
           </a:p>
@@ -13012,7 +13012,7 @@
             <a:fld id="{AE0C963C-C1DB-4AFD-9DDC-0691666BF49B}" type="datetime2">
               <a:rPr lang="en-US" smtClean="0"/>
               <a:pPr/>
-              <a:t>Monday, January 16, 2023</a:t>
+              <a:t>Tuesday, January 17, 2023</a:t>
             </a:fld>
             <a:endParaRPr lang="en-US" cap="all" dirty="0"/>
           </a:p>
@@ -13288,7 +13288,7 @@
             <a:fld id="{AE0C963C-C1DB-4AFD-9DDC-0691666BF49B}" type="datetime2">
               <a:rPr lang="en-US" smtClean="0"/>
               <a:pPr/>
-              <a:t>Monday, January 16, 2023</a:t>
+              <a:t>Tuesday, January 17, 2023</a:t>
             </a:fld>
             <a:endParaRPr lang="en-US" cap="all" dirty="0"/>
           </a:p>
@@ -13702,7 +13702,7 @@
             <a:fld id="{AE0C963C-C1DB-4AFD-9DDC-0691666BF49B}" type="datetime2">
               <a:rPr lang="en-US" smtClean="0"/>
               <a:pPr/>
-              <a:t>Monday, January 16, 2023</a:t>
+              <a:t>Tuesday, January 17, 2023</a:t>
             </a:fld>
             <a:endParaRPr lang="en-US" cap="all" dirty="0"/>
           </a:p>
@@ -13833,7 +13833,7 @@
             <a:fld id="{AE0C963C-C1DB-4AFD-9DDC-0691666BF49B}" type="datetime2">
               <a:rPr lang="en-US" smtClean="0"/>
               <a:pPr/>
-              <a:t>Monday, January 16, 2023</a:t>
+              <a:t>Tuesday, January 17, 2023</a:t>
             </a:fld>
             <a:endParaRPr lang="en-US" cap="all" dirty="0"/>
           </a:p>
@@ -13932,7 +13932,7 @@
             <a:fld id="{AE0C963C-C1DB-4AFD-9DDC-0691666BF49B}" type="datetime2">
               <a:rPr lang="en-US" smtClean="0"/>
               <a:pPr/>
-              <a:t>Monday, January 16, 2023</a:t>
+              <a:t>Tuesday, January 17, 2023</a:t>
             </a:fld>
             <a:endParaRPr lang="en-US" cap="all" dirty="0"/>
           </a:p>
@@ -15017,7 +15017,7 @@
             <a:fld id="{AE0C963C-C1DB-4AFD-9DDC-0691666BF49B}" type="datetime2">
               <a:rPr lang="en-US" smtClean="0"/>
               <a:pPr/>
-              <a:t>Monday, January 16, 2023</a:t>
+              <a:t>Tuesday, January 17, 2023</a:t>
             </a:fld>
             <a:endParaRPr lang="en-US" cap="all" dirty="0"/>
           </a:p>
@@ -16129,7 +16129,7 @@
             <a:fld id="{AE0C963C-C1DB-4AFD-9DDC-0691666BF49B}" type="datetime2">
               <a:rPr lang="en-US" smtClean="0"/>
               <a:pPr/>
-              <a:t>Monday, January 16, 2023</a:t>
+              <a:t>Tuesday, January 17, 2023</a:t>
             </a:fld>
             <a:endParaRPr lang="en-US" cap="all" dirty="0"/>
           </a:p>
@@ -17130,7 +17130,7 @@
             <a:fld id="{AE0C963C-C1DB-4AFD-9DDC-0691666BF49B}" type="datetime2">
               <a:rPr lang="en-US" smtClean="0"/>
               <a:pPr/>
-              <a:t>Monday, January 16, 2023</a:t>
+              <a:t>Tuesday, January 17, 2023</a:t>
             </a:fld>
             <a:endParaRPr lang="en-US" cap="all" dirty="0"/>
           </a:p>
@@ -18128,8 +18128,8 @@
           </p:nvPr>
         </p:nvSpPr>
         <p:spPr>
-          <a:xfrm flipV="1">
-            <a:off x="5578636" y="-568960"/>
+          <a:xfrm rot="10800000" flipV="1">
+            <a:off x="917859" y="558505"/>
             <a:ext cx="6034243" cy="1364488"/>
           </a:xfrm>
         </p:spPr>
@@ -18137,6 +18137,10 @@
           <a:bodyPr/>
           <a:lstStyle/>
           <a:p>
+            <a:r>
+              <a:rPr lang="en-US" dirty="0"/>
+              <a:t>Login screen</a:t>
+            </a:r>
             <a:endParaRPr lang="LID4096" dirty="0"/>
           </a:p>
         </p:txBody>
@@ -18271,6 +18275,120 @@
           </a:xfrm>
         </p:spPr>
       </p:pic>
+      <p:sp>
+        <p:nvSpPr>
+          <p:cNvPr id="3" name="כותרת 1">
+            <a:extLst>
+              <a:ext uri="{FF2B5EF4-FFF2-40B4-BE49-F238E27FC236}">
+                <a16:creationId xmlns:a16="http://schemas.microsoft.com/office/drawing/2014/main" id="{3D4EF4C5-F712-8329-1316-8BE59641C761}"/>
+              </a:ext>
+            </a:extLst>
+          </p:cNvPr>
+          <p:cNvSpPr txBox="1">
+            <a:spLocks/>
+          </p:cNvSpPr>
+          <p:nvPr/>
+        </p:nvSpPr>
+        <p:spPr bwMode="gray">
+          <a:xfrm rot="10800000" flipV="1">
+            <a:off x="579121" y="514116"/>
+            <a:ext cx="6034243" cy="1364488"/>
+          </a:xfrm>
+          <a:prstGeom prst="rect">
+            <a:avLst/>
+          </a:prstGeom>
+        </p:spPr>
+        <p:txBody>
+          <a:bodyPr vert="horz" lIns="91440" tIns="45720" rIns="91440" bIns="45720" rtlCol="0" anchor="ctr">
+            <a:noAutofit/>
+          </a:bodyPr>
+          <a:lstStyle>
+            <a:lvl1pPr algn="l" defTabSz="457200" rtl="0" eaLnBrk="1" latinLnBrk="0" hangingPunct="1">
+              <a:spcBef>
+                <a:spcPct val="0"/>
+              </a:spcBef>
+              <a:buNone/>
+              <a:defRPr sz="3600" b="0" i="0" kern="1200">
+                <a:solidFill>
+                  <a:schemeClr val="bg2"/>
+                </a:solidFill>
+                <a:latin typeface="+mj-lt"/>
+                <a:ea typeface="+mj-ea"/>
+                <a:cs typeface="+mj-cs"/>
+              </a:defRPr>
+            </a:lvl1pPr>
+            <a:lvl2pPr eaLnBrk="1" hangingPunct="1">
+              <a:defRPr>
+                <a:solidFill>
+                  <a:schemeClr val="tx2"/>
+                </a:solidFill>
+              </a:defRPr>
+            </a:lvl2pPr>
+            <a:lvl3pPr eaLnBrk="1" hangingPunct="1">
+              <a:defRPr>
+                <a:solidFill>
+                  <a:schemeClr val="tx2"/>
+                </a:solidFill>
+              </a:defRPr>
+            </a:lvl3pPr>
+            <a:lvl4pPr eaLnBrk="1" hangingPunct="1">
+              <a:defRPr>
+                <a:solidFill>
+                  <a:schemeClr val="tx2"/>
+                </a:solidFill>
+              </a:defRPr>
+            </a:lvl4pPr>
+            <a:lvl5pPr eaLnBrk="1" hangingPunct="1">
+              <a:defRPr>
+                <a:solidFill>
+                  <a:schemeClr val="tx2"/>
+                </a:solidFill>
+              </a:defRPr>
+            </a:lvl5pPr>
+            <a:lvl6pPr eaLnBrk="1" hangingPunct="1">
+              <a:defRPr>
+                <a:solidFill>
+                  <a:schemeClr val="tx2"/>
+                </a:solidFill>
+              </a:defRPr>
+            </a:lvl6pPr>
+            <a:lvl7pPr eaLnBrk="1" hangingPunct="1">
+              <a:defRPr>
+                <a:solidFill>
+                  <a:schemeClr val="tx2"/>
+                </a:solidFill>
+              </a:defRPr>
+            </a:lvl7pPr>
+            <a:lvl8pPr eaLnBrk="1" hangingPunct="1">
+              <a:defRPr>
+                <a:solidFill>
+                  <a:schemeClr val="tx2"/>
+                </a:solidFill>
+              </a:defRPr>
+            </a:lvl8pPr>
+            <a:lvl9pPr eaLnBrk="1" hangingPunct="1">
+              <a:defRPr>
+                <a:solidFill>
+                  <a:schemeClr val="tx2"/>
+                </a:solidFill>
+              </a:defRPr>
+            </a:lvl9pPr>
+          </a:lstStyle>
+          <a:p>
+            <a:r>
+              <a:rPr lang="en-US" dirty="0"/>
+              <a:t>Map screen- </a:t>
+            </a:r>
+          </a:p>
+          <a:p>
+            <a:r>
+              <a:rPr lang="en-US" dirty="0"/>
+              <a:t>Standard user</a:t>
+            </a:r>
+            <a:endParaRPr lang="LID4096" dirty="0"/>
+          </a:p>
+        </p:txBody>
+      </p:sp>
     </p:spTree>
     <p:extLst>
       <p:ext uri="{BB962C8B-B14F-4D97-AF65-F5344CB8AC3E}">
@@ -18402,6 +18520,130 @@
           </a:prstGeom>
         </p:spPr>
       </p:pic>
+      <p:sp>
+        <p:nvSpPr>
+          <p:cNvPr id="12" name="תיבת טקסט 11">
+            <a:extLst>
+              <a:ext uri="{FF2B5EF4-FFF2-40B4-BE49-F238E27FC236}">
+                <a16:creationId xmlns:a16="http://schemas.microsoft.com/office/drawing/2014/main" id="{92A3B002-A6CE-0505-5B23-63F94F121AFC}"/>
+              </a:ext>
+            </a:extLst>
+          </p:cNvPr>
+          <p:cNvSpPr txBox="1"/>
+          <p:nvPr/>
+        </p:nvSpPr>
+        <p:spPr>
+          <a:xfrm>
+            <a:off x="839476" y="593742"/>
+            <a:ext cx="6094520" cy="1200329"/>
+          </a:xfrm>
+          <a:prstGeom prst="rect">
+            <a:avLst/>
+          </a:prstGeom>
+          <a:noFill/>
+        </p:spPr>
+        <p:txBody>
+          <a:bodyPr wrap="square">
+            <a:spAutoFit/>
+          </a:bodyPr>
+          <a:lstStyle/>
+          <a:p>
+            <a:pPr marL="0" marR="0" lvl="0" indent="0" algn="l" defTabSz="457200" rtl="0" eaLnBrk="1" fontAlgn="auto" latinLnBrk="0" hangingPunct="1">
+              <a:lnSpc>
+                <a:spcPct val="100000"/>
+              </a:lnSpc>
+              <a:spcBef>
+                <a:spcPts val="0"/>
+              </a:spcBef>
+              <a:spcAft>
+                <a:spcPts val="0"/>
+              </a:spcAft>
+              <a:buClrTx/>
+              <a:buSzTx/>
+              <a:buFontTx/>
+              <a:buNone/>
+              <a:tabLst/>
+              <a:defRPr/>
+            </a:pPr>
+            <a:r>
+              <a:rPr kumimoji="0" lang="en-US" sz="3600" b="0" i="0" u="none" strike="noStrike" kern="1200" cap="none" spc="0" normalizeH="0" baseline="0" noProof="0" dirty="0">
+                <a:ln>
+                  <a:noFill/>
+                </a:ln>
+                <a:solidFill>
+                  <a:schemeClr val="bg1"/>
+                </a:solidFill>
+                <a:effectLst/>
+                <a:uLnTx/>
+                <a:uFillTx/>
+                <a:latin typeface="Century Gothic" panose="020B0502020202020204"/>
+                <a:ea typeface="+mn-ea"/>
+                <a:cs typeface="+mn-cs"/>
+              </a:rPr>
+              <a:t>Map screen- </a:t>
+            </a:r>
+          </a:p>
+          <a:p>
+            <a:pPr marL="0" marR="0" lvl="0" indent="0" algn="l" defTabSz="457200" rtl="0" eaLnBrk="1" fontAlgn="auto" latinLnBrk="0" hangingPunct="1">
+              <a:lnSpc>
+                <a:spcPct val="100000"/>
+              </a:lnSpc>
+              <a:spcBef>
+                <a:spcPts val="0"/>
+              </a:spcBef>
+              <a:spcAft>
+                <a:spcPts val="0"/>
+              </a:spcAft>
+              <a:buClrTx/>
+              <a:buSzTx/>
+              <a:buFontTx/>
+              <a:buNone/>
+              <a:tabLst/>
+              <a:defRPr/>
+            </a:pPr>
+            <a:r>
+              <a:rPr lang="en-US" sz="3600" dirty="0">
+                <a:solidFill>
+                  <a:schemeClr val="bg1"/>
+                </a:solidFill>
+                <a:latin typeface="Century Gothic" panose="020B0502020202020204"/>
+              </a:rPr>
+              <a:t>Admin</a:t>
+            </a:r>
+            <a:r>
+              <a:rPr kumimoji="0" lang="en-US" sz="3600" b="0" i="0" u="none" strike="noStrike" kern="1200" cap="none" spc="0" normalizeH="0" baseline="0" noProof="0" dirty="0">
+                <a:ln>
+                  <a:noFill/>
+                </a:ln>
+                <a:solidFill>
+                  <a:schemeClr val="bg1"/>
+                </a:solidFill>
+                <a:effectLst/>
+                <a:uLnTx/>
+                <a:uFillTx/>
+                <a:latin typeface="Century Gothic" panose="020B0502020202020204"/>
+                <a:ea typeface="+mn-ea"/>
+                <a:cs typeface="+mn-cs"/>
+              </a:rPr>
+              <a:t> user</a:t>
+            </a:r>
+            <a:endParaRPr kumimoji="0" lang="LID4096" sz="3600" b="0" i="0" u="none" strike="noStrike" kern="1200" cap="none" spc="0" normalizeH="0" baseline="0" noProof="0" dirty="0">
+              <a:ln>
+                <a:noFill/>
+              </a:ln>
+              <a:solidFill>
+                <a:schemeClr val="bg1"/>
+              </a:solidFill>
+              <a:effectLst/>
+              <a:uLnTx/>
+              <a:uFillTx/>
+              <a:latin typeface="Century Gothic" panose="020B0502020202020204"/>
+              <a:ea typeface="+mn-ea"/>
+              <a:cs typeface="+mn-cs"/>
+            </a:endParaRPr>
+          </a:p>
+        </p:txBody>
+      </p:sp>
     </p:spTree>
     <p:extLst>
       <p:ext uri="{BB962C8B-B14F-4D97-AF65-F5344CB8AC3E}">
@@ -18497,6 +18739,60 @@
           </a:xfrm>
         </p:spPr>
       </p:pic>
+      <p:sp>
+        <p:nvSpPr>
+          <p:cNvPr id="4" name="תיבת טקסט 3">
+            <a:extLst>
+              <a:ext uri="{FF2B5EF4-FFF2-40B4-BE49-F238E27FC236}">
+                <a16:creationId xmlns:a16="http://schemas.microsoft.com/office/drawing/2014/main" id="{C91369F9-3B16-24F3-875C-D087B33E53DA}"/>
+              </a:ext>
+            </a:extLst>
+          </p:cNvPr>
+          <p:cNvSpPr txBox="1"/>
+          <p:nvPr/>
+        </p:nvSpPr>
+        <p:spPr>
+          <a:xfrm>
+            <a:off x="538985" y="688062"/>
+            <a:ext cx="6094520" cy="1200329"/>
+          </a:xfrm>
+          <a:prstGeom prst="rect">
+            <a:avLst/>
+          </a:prstGeom>
+          <a:noFill/>
+        </p:spPr>
+        <p:txBody>
+          <a:bodyPr wrap="square">
+            <a:spAutoFit/>
+          </a:bodyPr>
+          <a:lstStyle/>
+          <a:p>
+            <a:r>
+              <a:rPr lang="en-US" sz="3600" dirty="0">
+                <a:solidFill>
+                  <a:schemeClr val="bg1"/>
+                </a:solidFill>
+              </a:rPr>
+              <a:t>Create a request</a:t>
+            </a:r>
+          </a:p>
+          <a:p>
+            <a:r>
+              <a:rPr lang="en-US" sz="3600" dirty="0">
+                <a:solidFill>
+                  <a:schemeClr val="bg1"/>
+                </a:solidFill>
+              </a:rPr>
+              <a:t>screen</a:t>
+            </a:r>
+            <a:endParaRPr lang="LID4096" sz="3600" dirty="0">
+              <a:solidFill>
+                <a:schemeClr val="bg1"/>
+              </a:solidFill>
+            </a:endParaRPr>
+          </a:p>
+        </p:txBody>
+      </p:sp>
     </p:spTree>
     <p:extLst>
       <p:ext uri="{BB962C8B-B14F-4D97-AF65-F5344CB8AC3E}">
@@ -18618,6 +18914,60 @@
           </a:prstGeom>
         </p:spPr>
       </p:pic>
+      <p:sp>
+        <p:nvSpPr>
+          <p:cNvPr id="5" name="תיבת טקסט 4">
+            <a:extLst>
+              <a:ext uri="{FF2B5EF4-FFF2-40B4-BE49-F238E27FC236}">
+                <a16:creationId xmlns:a16="http://schemas.microsoft.com/office/drawing/2014/main" id="{5760EB4A-51E7-9005-2F4D-CF36762D1F62}"/>
+              </a:ext>
+            </a:extLst>
+          </p:cNvPr>
+          <p:cNvSpPr txBox="1"/>
+          <p:nvPr/>
+        </p:nvSpPr>
+        <p:spPr>
+          <a:xfrm>
+            <a:off x="499369" y="564694"/>
+            <a:ext cx="6094520" cy="1200329"/>
+          </a:xfrm>
+          <a:prstGeom prst="rect">
+            <a:avLst/>
+          </a:prstGeom>
+          <a:noFill/>
+        </p:spPr>
+        <p:txBody>
+          <a:bodyPr wrap="square">
+            <a:spAutoFit/>
+          </a:bodyPr>
+          <a:lstStyle/>
+          <a:p>
+            <a:r>
+              <a:rPr lang="en-US" sz="3600" dirty="0">
+                <a:solidFill>
+                  <a:schemeClr val="bg1"/>
+                </a:solidFill>
+              </a:rPr>
+              <a:t>View list of user’s</a:t>
+            </a:r>
+          </a:p>
+          <a:p>
+            <a:r>
+              <a:rPr lang="en-US" sz="3600" dirty="0">
+                <a:solidFill>
+                  <a:schemeClr val="bg1"/>
+                </a:solidFill>
+              </a:rPr>
+              <a:t>requests screen</a:t>
+            </a:r>
+            <a:endParaRPr lang="LID4096" sz="3600" dirty="0">
+              <a:solidFill>
+                <a:schemeClr val="bg1"/>
+              </a:solidFill>
+            </a:endParaRPr>
+          </a:p>
+        </p:txBody>
+      </p:sp>
     </p:spTree>
     <p:extLst>
       <p:ext uri="{BB962C8B-B14F-4D97-AF65-F5344CB8AC3E}">
@@ -18713,6 +19063,60 @@
           </a:xfrm>
         </p:spPr>
       </p:pic>
+      <p:sp>
+        <p:nvSpPr>
+          <p:cNvPr id="4" name="תיבת טקסט 3">
+            <a:extLst>
+              <a:ext uri="{FF2B5EF4-FFF2-40B4-BE49-F238E27FC236}">
+                <a16:creationId xmlns:a16="http://schemas.microsoft.com/office/drawing/2014/main" id="{CD642AD4-13A3-5059-BF92-5AEEE38DEF97}"/>
+              </a:ext>
+            </a:extLst>
+          </p:cNvPr>
+          <p:cNvSpPr txBox="1"/>
+          <p:nvPr/>
+        </p:nvSpPr>
+        <p:spPr>
+          <a:xfrm>
+            <a:off x="845599" y="593869"/>
+            <a:ext cx="6094520" cy="1200329"/>
+          </a:xfrm>
+          <a:prstGeom prst="rect">
+            <a:avLst/>
+          </a:prstGeom>
+          <a:noFill/>
+        </p:spPr>
+        <p:txBody>
+          <a:bodyPr wrap="square">
+            <a:spAutoFit/>
+          </a:bodyPr>
+          <a:lstStyle/>
+          <a:p>
+            <a:r>
+              <a:rPr lang="en-US" sz="3600" dirty="0">
+                <a:solidFill>
+                  <a:schemeClr val="bg1"/>
+                </a:solidFill>
+              </a:rPr>
+              <a:t>View users</a:t>
+            </a:r>
+          </a:p>
+          <a:p>
+            <a:r>
+              <a:rPr lang="en-US" sz="3600" dirty="0">
+                <a:solidFill>
+                  <a:schemeClr val="bg1"/>
+                </a:solidFill>
+              </a:rPr>
+              <a:t> list screen</a:t>
+            </a:r>
+            <a:endParaRPr lang="LID4096" sz="3600" dirty="0">
+              <a:solidFill>
+                <a:schemeClr val="bg1"/>
+              </a:solidFill>
+            </a:endParaRPr>
+          </a:p>
+        </p:txBody>
+      </p:sp>
     </p:spTree>
     <p:extLst>
       <p:ext uri="{BB962C8B-B14F-4D97-AF65-F5344CB8AC3E}">
@@ -18808,6 +19212,60 @@
           </a:xfrm>
         </p:spPr>
       </p:pic>
+      <p:sp>
+        <p:nvSpPr>
+          <p:cNvPr id="4" name="תיבת טקסט 3">
+            <a:extLst>
+              <a:ext uri="{FF2B5EF4-FFF2-40B4-BE49-F238E27FC236}">
+                <a16:creationId xmlns:a16="http://schemas.microsoft.com/office/drawing/2014/main" id="{9E0879C0-B647-445D-0479-7C16DC29AD81}"/>
+              </a:ext>
+            </a:extLst>
+          </p:cNvPr>
+          <p:cNvSpPr txBox="1"/>
+          <p:nvPr/>
+        </p:nvSpPr>
+        <p:spPr>
+          <a:xfrm>
+            <a:off x="685799" y="635730"/>
+            <a:ext cx="6094520" cy="1200329"/>
+          </a:xfrm>
+          <a:prstGeom prst="rect">
+            <a:avLst/>
+          </a:prstGeom>
+          <a:noFill/>
+        </p:spPr>
+        <p:txBody>
+          <a:bodyPr wrap="square">
+            <a:spAutoFit/>
+          </a:bodyPr>
+          <a:lstStyle/>
+          <a:p>
+            <a:r>
+              <a:rPr lang="en-US" sz="3600" dirty="0">
+                <a:solidFill>
+                  <a:schemeClr val="bg1"/>
+                </a:solidFill>
+              </a:rPr>
+              <a:t>View request</a:t>
+            </a:r>
+          </a:p>
+          <a:p>
+            <a:r>
+              <a:rPr lang="en-US" sz="3600" dirty="0">
+                <a:solidFill>
+                  <a:schemeClr val="bg1"/>
+                </a:solidFill>
+              </a:rPr>
+              <a:t> screen’s top</a:t>
+            </a:r>
+            <a:endParaRPr lang="LID4096" sz="3600" dirty="0">
+              <a:solidFill>
+                <a:schemeClr val="bg1"/>
+              </a:solidFill>
+            </a:endParaRPr>
+          </a:p>
+        </p:txBody>
+      </p:sp>
     </p:spTree>
     <p:extLst>
       <p:ext uri="{BB962C8B-B14F-4D97-AF65-F5344CB8AC3E}">
@@ -18903,6 +19361,60 @@
           </a:xfrm>
         </p:spPr>
       </p:pic>
+      <p:sp>
+        <p:nvSpPr>
+          <p:cNvPr id="4" name="תיבת טקסט 3">
+            <a:extLst>
+              <a:ext uri="{FF2B5EF4-FFF2-40B4-BE49-F238E27FC236}">
+                <a16:creationId xmlns:a16="http://schemas.microsoft.com/office/drawing/2014/main" id="{C69C8F8F-7443-73CD-57ED-0004C554B6C8}"/>
+              </a:ext>
+            </a:extLst>
+          </p:cNvPr>
+          <p:cNvSpPr txBox="1"/>
+          <p:nvPr/>
+        </p:nvSpPr>
+        <p:spPr>
+          <a:xfrm>
+            <a:off x="454979" y="513972"/>
+            <a:ext cx="6094520" cy="1200329"/>
+          </a:xfrm>
+          <a:prstGeom prst="rect">
+            <a:avLst/>
+          </a:prstGeom>
+          <a:noFill/>
+        </p:spPr>
+        <p:txBody>
+          <a:bodyPr wrap="square">
+            <a:spAutoFit/>
+          </a:bodyPr>
+          <a:lstStyle/>
+          <a:p>
+            <a:r>
+              <a:rPr lang="en-US" sz="3600" dirty="0">
+                <a:solidFill>
+                  <a:schemeClr val="bg1"/>
+                </a:solidFill>
+              </a:rPr>
+              <a:t>View request</a:t>
+            </a:r>
+          </a:p>
+          <a:p>
+            <a:r>
+              <a:rPr lang="en-US" sz="3600" dirty="0">
+                <a:solidFill>
+                  <a:schemeClr val="bg1"/>
+                </a:solidFill>
+              </a:rPr>
+              <a:t>Screen’s bottom</a:t>
+            </a:r>
+            <a:endParaRPr lang="LID4096" sz="3600" dirty="0">
+              <a:solidFill>
+                <a:schemeClr val="bg1"/>
+              </a:solidFill>
+            </a:endParaRPr>
+          </a:p>
+        </p:txBody>
+      </p:sp>
     </p:spTree>
     <p:extLst>
       <p:ext uri="{BB962C8B-B14F-4D97-AF65-F5344CB8AC3E}">
@@ -21271,7 +21783,7 @@
                 <a:effectLst/>
                 <a:latin typeface="-apple-system"/>
               </a:rPr>
-              <a:t>. It will be easy to distinguish the different available actions.</a:t>
+              <a:t>. It will be easy to distinguish the different available actions</a:t>
             </a:r>
           </a:p>
           <a:p>
@@ -22470,7 +22982,26 @@
                 <a:effectLst/>
                 <a:latin typeface="-apple-system"/>
               </a:rPr>
-              <a:t>Admins are able to remove user posts</a:t>
+              <a:t>An admin </a:t>
+            </a:r>
+            <a:r>
+              <a:rPr lang="en-US" sz="1700" b="1" dirty="0">
+                <a:solidFill>
+                  <a:schemeClr val="tx1"/>
+                </a:solidFill>
+                <a:latin typeface="-apple-system"/>
+              </a:rPr>
+              <a:t>can</a:t>
+            </a:r>
+            <a:r>
+              <a:rPr lang="en-US" sz="1700" b="1" i="0" dirty="0">
+                <a:solidFill>
+                  <a:schemeClr val="tx1"/>
+                </a:solidFill>
+                <a:effectLst/>
+                <a:latin typeface="-apple-system"/>
+              </a:rPr>
+              <a:t> remove other user’s posts</a:t>
             </a:r>
           </a:p>
           <a:p>
@@ -22527,7 +23058,26 @@
                 <a:effectLst/>
                 <a:latin typeface="-apple-system"/>
               </a:rPr>
-              <a:t>A user is able to delete his request from the map</a:t>
+              <a:t>A user </a:t>
+            </a:r>
+            <a:r>
+              <a:rPr lang="en-US" sz="1700" b="1" dirty="0">
+                <a:solidFill>
+                  <a:schemeClr val="tx1"/>
+                </a:solidFill>
+                <a:latin typeface="-apple-system"/>
+              </a:rPr>
+              <a:t>can </a:t>
+            </a:r>
+            <a:r>
+              <a:rPr lang="en-US" sz="1700" b="1" i="0" dirty="0">
+                <a:solidFill>
+                  <a:schemeClr val="tx1"/>
+                </a:solidFill>
+                <a:effectLst/>
+                <a:latin typeface="-apple-system"/>
+              </a:rPr>
+              <a:t>delete his request from the map</a:t>
             </a:r>
           </a:p>
           <a:p>
@@ -22565,7 +23115,7 @@
                 <a:effectLst/>
                 <a:latin typeface="-apple-system"/>
               </a:rPr>
-              <a:t>The requests appears in the form of dedicated icons on the map that are visible to all users.</a:t>
+              <a:t>The requests appears in the form of dedicated icons on the map that are visible to all users</a:t>
             </a:r>
           </a:p>
           <a:p>
@@ -22647,7 +23197,7 @@
           <a:lstStyle/>
           <a:p>
             <a:br>
-              <a:rPr lang="he-IL" sz="3600" b="1" dirty="0">
+              <a:rPr lang="he-IL" sz="3600" dirty="0">
                 <a:effectLst/>
                 <a:latin typeface="Arial" panose="020B0604020202020204" pitchFamily="34" charset="0"/>
                 <a:ea typeface="Arial" panose="020B0604020202020204" pitchFamily="34" charset="0"/>
@@ -22655,7 +23205,7 @@
               </a:rPr>
             </a:br>
             <a:r>
-              <a:rPr lang="he-IL" sz="3600" b="1" dirty="0">
+              <a:rPr lang="he-IL" sz="3600" dirty="0">
                 <a:effectLst/>
                 <a:latin typeface="Arial" panose="020B0604020202020204" pitchFamily="34" charset="0"/>
                 <a:ea typeface="Arial" panose="020B0604020202020204" pitchFamily="34" charset="0"/>
@@ -22664,7 +23214,7 @@
               <a:t>   </a:t>
             </a:r>
             <a:r>
-              <a:rPr lang="en-US" sz="3600" b="1" dirty="0">
+              <a:rPr lang="en-US" sz="3600" dirty="0">
                 <a:effectLst/>
                 <a:latin typeface="Arial" panose="020B0604020202020204" pitchFamily="34" charset="0"/>
                 <a:ea typeface="Arial" panose="020B0604020202020204" pitchFamily="34" charset="0"/>
@@ -22775,7 +23325,7 @@
           <a:lstStyle/>
           <a:p>
             <a:br>
-              <a:rPr lang="he-IL" sz="3600" b="1" dirty="0">
+              <a:rPr lang="he-IL" sz="3600" dirty="0">
                 <a:effectLst/>
                 <a:latin typeface="Arial" panose="020B0604020202020204" pitchFamily="34" charset="0"/>
                 <a:ea typeface="Arial" panose="020B0604020202020204" pitchFamily="34" charset="0"/>
@@ -22783,7 +23333,7 @@
               </a:rPr>
             </a:br>
             <a:br>
-              <a:rPr lang="he-IL" sz="3600" b="1" dirty="0">
+              <a:rPr lang="he-IL" sz="3600" dirty="0">
                 <a:effectLst/>
                 <a:latin typeface="Arial" panose="020B0604020202020204" pitchFamily="34" charset="0"/>
                 <a:ea typeface="Arial" panose="020B0604020202020204" pitchFamily="34" charset="0"/>
@@ -22791,7 +23341,7 @@
               </a:rPr>
             </a:br>
             <a:r>
-              <a:rPr lang="he-IL" sz="3600" b="1" dirty="0">
+              <a:rPr lang="he-IL" sz="3600" dirty="0">
                 <a:effectLst/>
                 <a:latin typeface="Arial" panose="020B0604020202020204" pitchFamily="34" charset="0"/>
                 <a:ea typeface="Arial" panose="020B0604020202020204" pitchFamily="34" charset="0"/>
@@ -22800,7 +23350,7 @@
               <a:t>   </a:t>
             </a:r>
             <a:r>
-              <a:rPr lang="en-US" sz="3600" b="1" dirty="0">
+              <a:rPr lang="en-US" sz="3600" dirty="0">
                 <a:effectLst/>
                 <a:latin typeface="Arial" panose="020B0604020202020204" pitchFamily="34" charset="0"/>
                 <a:ea typeface="Arial" panose="020B0604020202020204" pitchFamily="34" charset="0"/>
@@ -22911,7 +23461,7 @@
           <a:lstStyle/>
           <a:p>
             <a:r>
-              <a:rPr lang="en-US" sz="3600" b="1" dirty="0">
+              <a:rPr lang="en-US" sz="3600" dirty="0">
                 <a:effectLst/>
                 <a:latin typeface="Arial" panose="020B0604020202020204" pitchFamily="34" charset="0"/>
                 <a:ea typeface="Arial" panose="020B0604020202020204" pitchFamily="34" charset="0"/>
@@ -23510,7 +24060,7 @@
           <a:lstStyle/>
           <a:p>
             <a:r>
-              <a:rPr lang="en-US" sz="3600" b="1" i="0" baseline="0" dirty="0">
+              <a:rPr lang="en-US" sz="3600" i="0" baseline="0" dirty="0">
                 <a:solidFill>
                   <a:schemeClr val="bg1"/>
                 </a:solidFill>
@@ -23672,14 +24222,14 @@
           <a:lstStyle/>
           <a:p>
             <a:r>
-              <a:rPr lang="en-US" sz="3200" b="1" dirty="0">
+              <a:rPr lang="en-US" sz="3200" dirty="0">
                 <a:solidFill>
                   <a:schemeClr val="bg1"/>
                 </a:solidFill>
               </a:rPr>
               <a:t>System’s flow</a:t>
             </a:r>
-            <a:endParaRPr lang="LID4096" sz="3200" b="1" dirty="0">
+            <a:endParaRPr lang="LID4096" sz="3200" dirty="0">
               <a:solidFill>
                 <a:schemeClr val="bg1"/>
               </a:solidFill>

--- a/Give And Take presentation.pptx
+++ b/Give And Take presentation.pptx
@@ -14,14 +14,15 @@
     <p:sldId id="265" r:id="rId8"/>
     <p:sldId id="275" r:id="rId9"/>
     <p:sldId id="276" r:id="rId10"/>
-    <p:sldId id="267" r:id="rId11"/>
-    <p:sldId id="268" r:id="rId12"/>
-    <p:sldId id="269" r:id="rId13"/>
-    <p:sldId id="270" r:id="rId14"/>
-    <p:sldId id="271" r:id="rId15"/>
-    <p:sldId id="272" r:id="rId16"/>
-    <p:sldId id="273" r:id="rId17"/>
-    <p:sldId id="274" r:id="rId18"/>
+    <p:sldId id="277" r:id="rId11"/>
+    <p:sldId id="267" r:id="rId12"/>
+    <p:sldId id="268" r:id="rId13"/>
+    <p:sldId id="269" r:id="rId14"/>
+    <p:sldId id="270" r:id="rId15"/>
+    <p:sldId id="271" r:id="rId16"/>
+    <p:sldId id="272" r:id="rId17"/>
+    <p:sldId id="273" r:id="rId18"/>
+    <p:sldId id="274" r:id="rId19"/>
   </p:sldIdLst>
   <p:sldSz cx="12192000" cy="6858000"/>
   <p:notesSz cx="6858000" cy="9144000"/>
@@ -18116,6 +18117,532 @@
           <p:cNvPr id="2" name="כותרת 1">
             <a:extLst>
               <a:ext uri="{FF2B5EF4-FFF2-40B4-BE49-F238E27FC236}">
+                <a16:creationId xmlns:a16="http://schemas.microsoft.com/office/drawing/2014/main" id="{9DA801C6-09DE-9549-3656-F9E5728C5770}"/>
+              </a:ext>
+            </a:extLst>
+          </p:cNvPr>
+          <p:cNvSpPr>
+            <a:spLocks noGrp="1"/>
+          </p:cNvSpPr>
+          <p:nvPr>
+            <p:ph type="title"/>
+          </p:nvPr>
+        </p:nvSpPr>
+        <p:spPr/>
+        <p:txBody>
+          <a:bodyPr/>
+          <a:lstStyle/>
+          <a:p>
+            <a:endParaRPr lang="LID4096"/>
+          </a:p>
+        </p:txBody>
+      </p:sp>
+      <p:pic>
+        <p:nvPicPr>
+          <p:cNvPr id="5" name="מציין מיקום תוכן 4">
+            <a:extLst>
+              <a:ext uri="{FF2B5EF4-FFF2-40B4-BE49-F238E27FC236}">
+                <a16:creationId xmlns:a16="http://schemas.microsoft.com/office/drawing/2014/main" id="{47DD5134-81F7-C62E-A92E-12DB5873B378}"/>
+              </a:ext>
+            </a:extLst>
+          </p:cNvPr>
+          <p:cNvPicPr>
+            <a:picLocks noGrp="1" noChangeAspect="1"/>
+          </p:cNvPicPr>
+          <p:nvPr>
+            <p:ph idx="1"/>
+          </p:nvPr>
+        </p:nvPicPr>
+        <p:blipFill>
+          <a:blip r:embed="rId2"/>
+          <a:stretch>
+            <a:fillRect/>
+          </a:stretch>
+        </p:blipFill>
+        <p:spPr>
+          <a:xfrm>
+            <a:off x="0" y="-368559"/>
+            <a:ext cx="11917345" cy="6858000"/>
+          </a:xfrm>
+        </p:spPr>
+      </p:pic>
+      <p:sp>
+        <p:nvSpPr>
+          <p:cNvPr id="8" name="תיבת טקסט 7">
+            <a:extLst>
+              <a:ext uri="{FF2B5EF4-FFF2-40B4-BE49-F238E27FC236}">
+                <a16:creationId xmlns:a16="http://schemas.microsoft.com/office/drawing/2014/main" id="{FCF54B4B-B889-D677-BFEA-E076FEF68074}"/>
+              </a:ext>
+            </a:extLst>
+          </p:cNvPr>
+          <p:cNvSpPr txBox="1"/>
+          <p:nvPr/>
+        </p:nvSpPr>
+        <p:spPr>
+          <a:xfrm>
+            <a:off x="9792071" y="5824698"/>
+            <a:ext cx="2201662" cy="830997"/>
+          </a:xfrm>
+          <a:prstGeom prst="rect">
+            <a:avLst/>
+          </a:prstGeom>
+          <a:noFill/>
+          <a:ln>
+            <a:solidFill>
+              <a:schemeClr val="tx1"/>
+            </a:solidFill>
+          </a:ln>
+        </p:spPr>
+        <p:txBody>
+          <a:bodyPr wrap="square" rtlCol="0">
+            <a:spAutoFit/>
+          </a:bodyPr>
+          <a:lstStyle/>
+          <a:p>
+            <a:r>
+              <a:rPr lang="en-US" sz="1600" u="sng" dirty="0"/>
+              <a:t>Server:</a:t>
+            </a:r>
+            <a:br>
+              <a:rPr lang="en-US" sz="1600" dirty="0"/>
+            </a:br>
+            <a:r>
+              <a:rPr lang="en-US" sz="1600" dirty="0" err="1"/>
+              <a:t>app.post</a:t>
+            </a:r>
+            <a:r>
+              <a:rPr lang="en-US" sz="1600" dirty="0"/>
+              <a:t>(/</a:t>
+            </a:r>
+            <a:r>
+              <a:rPr lang="en-US" sz="1600" dirty="0" err="1"/>
+              <a:t>request_details</a:t>
+            </a:r>
+            <a:r>
+              <a:rPr lang="en-US" sz="1600" dirty="0"/>
+              <a:t>)</a:t>
+            </a:r>
+            <a:endParaRPr lang="LID4096" sz="1600" dirty="0"/>
+          </a:p>
+        </p:txBody>
+      </p:sp>
+      <p:sp>
+        <p:nvSpPr>
+          <p:cNvPr id="9" name="תיבת טקסט 8">
+            <a:extLst>
+              <a:ext uri="{FF2B5EF4-FFF2-40B4-BE49-F238E27FC236}">
+                <a16:creationId xmlns:a16="http://schemas.microsoft.com/office/drawing/2014/main" id="{9B89D067-FD5F-91A4-CB49-2E55E753235D}"/>
+              </a:ext>
+            </a:extLst>
+          </p:cNvPr>
+          <p:cNvSpPr txBox="1"/>
+          <p:nvPr/>
+        </p:nvSpPr>
+        <p:spPr>
+          <a:xfrm>
+            <a:off x="4531360" y="5671066"/>
+            <a:ext cx="3820160" cy="646331"/>
+          </a:xfrm>
+          <a:prstGeom prst="rect">
+            <a:avLst/>
+          </a:prstGeom>
+          <a:solidFill>
+            <a:srgbClr val="660066"/>
+          </a:solidFill>
+        </p:spPr>
+        <p:txBody>
+          <a:bodyPr wrap="square" rtlCol="0">
+            <a:spAutoFit/>
+          </a:bodyPr>
+          <a:lstStyle/>
+          <a:p>
+            <a:r>
+              <a:rPr lang="en-US" sz="3600" dirty="0">
+                <a:solidFill>
+                  <a:schemeClr val="bg1"/>
+                </a:solidFill>
+              </a:rPr>
+              <a:t>System’s objects</a:t>
+            </a:r>
+            <a:endParaRPr lang="LID4096" sz="3600" dirty="0">
+              <a:solidFill>
+                <a:schemeClr val="bg1"/>
+              </a:solidFill>
+            </a:endParaRPr>
+          </a:p>
+        </p:txBody>
+      </p:sp>
+      <p:cxnSp>
+        <p:nvCxnSpPr>
+          <p:cNvPr id="13" name="מחבר חץ ישר 12">
+            <a:extLst>
+              <a:ext uri="{FF2B5EF4-FFF2-40B4-BE49-F238E27FC236}">
+                <a16:creationId xmlns:a16="http://schemas.microsoft.com/office/drawing/2014/main" id="{8B19D9DA-04DC-DF72-2363-AF89F2A2743E}"/>
+              </a:ext>
+            </a:extLst>
+          </p:cNvPr>
+          <p:cNvCxnSpPr>
+            <a:cxnSpLocks/>
+          </p:cNvCxnSpPr>
+          <p:nvPr/>
+        </p:nvCxnSpPr>
+        <p:spPr>
+          <a:xfrm>
+            <a:off x="11180128" y="5078656"/>
+            <a:ext cx="0" cy="744810"/>
+          </a:xfrm>
+          <a:prstGeom prst="straightConnector1">
+            <a:avLst/>
+          </a:prstGeom>
+          <a:ln>
+            <a:tailEnd type="triangle"/>
+          </a:ln>
+        </p:spPr>
+        <p:style>
+          <a:lnRef idx="1">
+            <a:schemeClr val="accent1"/>
+          </a:lnRef>
+          <a:fillRef idx="0">
+            <a:schemeClr val="accent1"/>
+          </a:fillRef>
+          <a:effectRef idx="0">
+            <a:schemeClr val="accent1"/>
+          </a:effectRef>
+          <a:fontRef idx="minor">
+            <a:schemeClr val="tx1"/>
+          </a:fontRef>
+        </p:style>
+      </p:cxnSp>
+      <p:cxnSp>
+        <p:nvCxnSpPr>
+          <p:cNvPr id="15" name="מחבר חץ ישר 14">
+            <a:extLst>
+              <a:ext uri="{FF2B5EF4-FFF2-40B4-BE49-F238E27FC236}">
+                <a16:creationId xmlns:a16="http://schemas.microsoft.com/office/drawing/2014/main" id="{675D51C6-520D-463C-EB8E-606AD3CB3B33}"/>
+              </a:ext>
+            </a:extLst>
+          </p:cNvPr>
+          <p:cNvCxnSpPr>
+            <a:cxnSpLocks/>
+          </p:cNvCxnSpPr>
+          <p:nvPr/>
+        </p:nvCxnSpPr>
+        <p:spPr>
+          <a:xfrm flipH="1">
+            <a:off x="11310857" y="5078656"/>
+            <a:ext cx="499085" cy="744810"/>
+          </a:xfrm>
+          <a:prstGeom prst="straightConnector1">
+            <a:avLst/>
+          </a:prstGeom>
+          <a:ln>
+            <a:tailEnd type="triangle"/>
+          </a:ln>
+        </p:spPr>
+        <p:style>
+          <a:lnRef idx="1">
+            <a:schemeClr val="accent1"/>
+          </a:lnRef>
+          <a:fillRef idx="0">
+            <a:schemeClr val="accent1"/>
+          </a:fillRef>
+          <a:effectRef idx="0">
+            <a:schemeClr val="accent1"/>
+          </a:effectRef>
+          <a:fontRef idx="minor">
+            <a:schemeClr val="tx1"/>
+          </a:fontRef>
+        </p:style>
+      </p:cxnSp>
+      <p:sp>
+        <p:nvSpPr>
+          <p:cNvPr id="17" name="תיבת טקסט 16">
+            <a:extLst>
+              <a:ext uri="{FF2B5EF4-FFF2-40B4-BE49-F238E27FC236}">
+                <a16:creationId xmlns:a16="http://schemas.microsoft.com/office/drawing/2014/main" id="{C5BA14C6-F657-AA45-9B07-A09B0B765F4D}"/>
+              </a:ext>
+            </a:extLst>
+          </p:cNvPr>
+          <p:cNvSpPr txBox="1"/>
+          <p:nvPr/>
+        </p:nvSpPr>
+        <p:spPr>
+          <a:xfrm>
+            <a:off x="10143258" y="4154094"/>
+            <a:ext cx="2048742" cy="923330"/>
+          </a:xfrm>
+          <a:prstGeom prst="rect">
+            <a:avLst/>
+          </a:prstGeom>
+          <a:noFill/>
+        </p:spPr>
+        <p:txBody>
+          <a:bodyPr wrap="square" rtlCol="0">
+            <a:spAutoFit/>
+          </a:bodyPr>
+          <a:lstStyle/>
+          <a:p>
+            <a:pPr algn="ctr"/>
+            <a:r>
+              <a:rPr lang="en-US" dirty="0"/>
+              <a:t>All except models connect to server</a:t>
+            </a:r>
+            <a:endParaRPr lang="LID4096" dirty="0"/>
+          </a:p>
+        </p:txBody>
+      </p:sp>
+      <p:cxnSp>
+        <p:nvCxnSpPr>
+          <p:cNvPr id="18" name="מחבר חץ ישר 17">
+            <a:extLst>
+              <a:ext uri="{FF2B5EF4-FFF2-40B4-BE49-F238E27FC236}">
+                <a16:creationId xmlns:a16="http://schemas.microsoft.com/office/drawing/2014/main" id="{86FCC777-5A27-0F34-9607-E9E5F3B0A6A0}"/>
+              </a:ext>
+            </a:extLst>
+          </p:cNvPr>
+          <p:cNvCxnSpPr/>
+          <p:nvPr/>
+        </p:nvCxnSpPr>
+        <p:spPr>
+          <a:xfrm>
+            <a:off x="10611665" y="5079888"/>
+            <a:ext cx="411982" cy="743578"/>
+          </a:xfrm>
+          <a:prstGeom prst="straightConnector1">
+            <a:avLst/>
+          </a:prstGeom>
+          <a:ln>
+            <a:tailEnd type="triangle"/>
+          </a:ln>
+        </p:spPr>
+        <p:style>
+          <a:lnRef idx="1">
+            <a:schemeClr val="accent1"/>
+          </a:lnRef>
+          <a:fillRef idx="0">
+            <a:schemeClr val="accent1"/>
+          </a:fillRef>
+          <a:effectRef idx="0">
+            <a:schemeClr val="accent1"/>
+          </a:effectRef>
+          <a:fontRef idx="minor">
+            <a:schemeClr val="tx1"/>
+          </a:fontRef>
+        </p:style>
+      </p:cxnSp>
+      <p:sp>
+        <p:nvSpPr>
+          <p:cNvPr id="22" name="תיבת טקסט 21">
+            <a:extLst>
+              <a:ext uri="{FF2B5EF4-FFF2-40B4-BE49-F238E27FC236}">
+                <a16:creationId xmlns:a16="http://schemas.microsoft.com/office/drawing/2014/main" id="{B234C1A2-A0D8-405A-B05F-A6B4AC89FC82}"/>
+              </a:ext>
+            </a:extLst>
+          </p:cNvPr>
+          <p:cNvSpPr txBox="1"/>
+          <p:nvPr/>
+        </p:nvSpPr>
+        <p:spPr>
+          <a:xfrm>
+            <a:off x="10563293" y="2581520"/>
+            <a:ext cx="1369380" cy="646331"/>
+          </a:xfrm>
+          <a:prstGeom prst="rect">
+            <a:avLst/>
+          </a:prstGeom>
+          <a:noFill/>
+          <a:ln>
+            <a:solidFill>
+              <a:schemeClr val="tx1"/>
+            </a:solidFill>
+          </a:ln>
+        </p:spPr>
+        <p:txBody>
+          <a:bodyPr wrap="square">
+            <a:spAutoFit/>
+          </a:bodyPr>
+          <a:lstStyle/>
+          <a:p>
+            <a:r>
+              <a:rPr lang="en-US" sz="1800" u="sng" dirty="0"/>
+              <a:t>Model: </a:t>
+            </a:r>
+            <a:br>
+              <a:rPr lang="en-US" sz="1800" u="sng" dirty="0"/>
+            </a:br>
+            <a:r>
+              <a:rPr lang="en-US" dirty="0"/>
+              <a:t>Request</a:t>
+            </a:r>
+            <a:endParaRPr lang="LID4096" sz="1800" dirty="0"/>
+          </a:p>
+        </p:txBody>
+      </p:sp>
+      <p:cxnSp>
+        <p:nvCxnSpPr>
+          <p:cNvPr id="25" name="מחבר חץ ישר 24">
+            <a:extLst>
+              <a:ext uri="{FF2B5EF4-FFF2-40B4-BE49-F238E27FC236}">
+                <a16:creationId xmlns:a16="http://schemas.microsoft.com/office/drawing/2014/main" id="{2DEF0168-97BB-37BE-005D-F399990E4C7C}"/>
+              </a:ext>
+            </a:extLst>
+          </p:cNvPr>
+          <p:cNvCxnSpPr>
+            <a:cxnSpLocks/>
+          </p:cNvCxnSpPr>
+          <p:nvPr/>
+        </p:nvCxnSpPr>
+        <p:spPr>
+          <a:xfrm flipV="1">
+            <a:off x="9944269" y="3060441"/>
+            <a:ext cx="542636" cy="368559"/>
+          </a:xfrm>
+          <a:prstGeom prst="straightConnector1">
+            <a:avLst/>
+          </a:prstGeom>
+          <a:ln>
+            <a:tailEnd type="triangle"/>
+          </a:ln>
+        </p:spPr>
+        <p:style>
+          <a:lnRef idx="1">
+            <a:schemeClr val="accent1"/>
+          </a:lnRef>
+          <a:fillRef idx="0">
+            <a:schemeClr val="accent1"/>
+          </a:fillRef>
+          <a:effectRef idx="0">
+            <a:schemeClr val="accent1"/>
+          </a:effectRef>
+          <a:fontRef idx="minor">
+            <a:schemeClr val="tx1"/>
+          </a:fontRef>
+        </p:style>
+      </p:cxnSp>
+      <p:sp>
+        <p:nvSpPr>
+          <p:cNvPr id="29" name="תיבת טקסט 28">
+            <a:extLst>
+              <a:ext uri="{FF2B5EF4-FFF2-40B4-BE49-F238E27FC236}">
+                <a16:creationId xmlns:a16="http://schemas.microsoft.com/office/drawing/2014/main" id="{C5022BC7-0C50-60CD-A442-B68B6DD7FF11}"/>
+              </a:ext>
+            </a:extLst>
+          </p:cNvPr>
+          <p:cNvSpPr txBox="1"/>
+          <p:nvPr/>
+        </p:nvSpPr>
+        <p:spPr>
+          <a:xfrm>
+            <a:off x="9268668" y="2009559"/>
+            <a:ext cx="1107478" cy="646331"/>
+          </a:xfrm>
+          <a:prstGeom prst="rect">
+            <a:avLst/>
+          </a:prstGeom>
+          <a:noFill/>
+          <a:ln>
+            <a:solidFill>
+              <a:schemeClr val="tx1"/>
+            </a:solidFill>
+          </a:ln>
+        </p:spPr>
+        <p:txBody>
+          <a:bodyPr wrap="square">
+            <a:spAutoFit/>
+          </a:bodyPr>
+          <a:lstStyle/>
+          <a:p>
+            <a:r>
+              <a:rPr lang="en-US" sz="1800" u="sng" dirty="0"/>
+              <a:t>Model: </a:t>
+            </a:r>
+            <a:br>
+              <a:rPr lang="en-US" sz="1800" u="sng" dirty="0"/>
+            </a:br>
+            <a:r>
+              <a:rPr lang="en-US" dirty="0"/>
+              <a:t>User</a:t>
+            </a:r>
+            <a:endParaRPr lang="LID4096" sz="1800" dirty="0"/>
+          </a:p>
+        </p:txBody>
+      </p:sp>
+      <p:cxnSp>
+        <p:nvCxnSpPr>
+          <p:cNvPr id="30" name="מחבר חץ ישר 29">
+            <a:extLst>
+              <a:ext uri="{FF2B5EF4-FFF2-40B4-BE49-F238E27FC236}">
+                <a16:creationId xmlns:a16="http://schemas.microsoft.com/office/drawing/2014/main" id="{08BF14B6-4BD8-5BE6-B2BC-FEF9DC12E70F}"/>
+              </a:ext>
+            </a:extLst>
+          </p:cNvPr>
+          <p:cNvCxnSpPr>
+            <a:cxnSpLocks/>
+          </p:cNvCxnSpPr>
+          <p:nvPr/>
+        </p:nvCxnSpPr>
+        <p:spPr>
+          <a:xfrm>
+            <a:off x="6223247" y="497150"/>
+            <a:ext cx="3045421" cy="1512409"/>
+          </a:xfrm>
+          <a:prstGeom prst="straightConnector1">
+            <a:avLst/>
+          </a:prstGeom>
+          <a:ln>
+            <a:tailEnd type="triangle"/>
+          </a:ln>
+        </p:spPr>
+        <p:style>
+          <a:lnRef idx="1">
+            <a:schemeClr val="accent1"/>
+          </a:lnRef>
+          <a:fillRef idx="0">
+            <a:schemeClr val="accent1"/>
+          </a:fillRef>
+          <a:effectRef idx="0">
+            <a:schemeClr val="accent1"/>
+          </a:effectRef>
+          <a:fontRef idx="minor">
+            <a:schemeClr val="tx1"/>
+          </a:fontRef>
+        </p:style>
+      </p:cxnSp>
+    </p:spTree>
+    <p:extLst>
+      <p:ext uri="{BB962C8B-B14F-4D97-AF65-F5344CB8AC3E}">
+        <p14:creationId xmlns:p14="http://schemas.microsoft.com/office/powerpoint/2010/main" val="2461157397"/>
+      </p:ext>
+    </p:extLst>
+  </p:cSld>
+  <p:clrMapOvr>
+    <a:masterClrMapping/>
+  </p:clrMapOvr>
+</p:sld>
+</file>
+
+<file path=ppt/slides/slide11.xml><?xml version="1.0" encoding="utf-8"?>
+<p:sld xmlns:a="http://schemas.openxmlformats.org/drawingml/2006/main" xmlns:r="http://schemas.openxmlformats.org/officeDocument/2006/relationships" xmlns:p="http://schemas.openxmlformats.org/presentationml/2006/main">
+  <p:cSld>
+    <p:spTree>
+      <p:nvGrpSpPr>
+        <p:cNvPr id="1" name=""/>
+        <p:cNvGrpSpPr/>
+        <p:nvPr/>
+      </p:nvGrpSpPr>
+      <p:grpSpPr>
+        <a:xfrm>
+          <a:off x="0" y="0"/>
+          <a:ext cx="0" cy="0"/>
+          <a:chOff x="0" y="0"/>
+          <a:chExt cx="0" cy="0"/>
+        </a:xfrm>
+      </p:grpSpPr>
+      <p:sp>
+        <p:nvSpPr>
+          <p:cNvPr id="2" name="כותרת 1">
+            <a:extLst>
+              <a:ext uri="{FF2B5EF4-FFF2-40B4-BE49-F238E27FC236}">
                 <a16:creationId xmlns:a16="http://schemas.microsoft.com/office/drawing/2014/main" id="{298DED83-0B80-453E-84E9-4AF65B7B7759}"/>
               </a:ext>
             </a:extLst>
@@ -18193,7 +18720,7 @@
 </p:sld>
 </file>
 
-<file path=ppt/slides/slide11.xml><?xml version="1.0" encoding="utf-8"?>
+<file path=ppt/slides/slide12.xml><?xml version="1.0" encoding="utf-8"?>
 <p:sld xmlns:a="http://schemas.openxmlformats.org/drawingml/2006/main" xmlns:r="http://schemas.openxmlformats.org/officeDocument/2006/relationships" xmlns:p="http://schemas.openxmlformats.org/presentationml/2006/main">
   <p:cSld>
     <p:spTree>
@@ -18402,7 +18929,7 @@
 </p:sld>
 </file>
 
-<file path=ppt/slides/slide12.xml><?xml version="1.0" encoding="utf-8"?>
+<file path=ppt/slides/slide13.xml><?xml version="1.0" encoding="utf-8"?>
 <p:sld xmlns:a="http://schemas.openxmlformats.org/drawingml/2006/main" xmlns:r="http://schemas.openxmlformats.org/officeDocument/2006/relationships" xmlns:p="http://schemas.openxmlformats.org/presentationml/2006/main">
   <p:cSld>
     <p:spTree>
@@ -18657,7 +19184,7 @@
 </p:sld>
 </file>
 
-<file path=ppt/slides/slide13.xml><?xml version="1.0" encoding="utf-8"?>
+<file path=ppt/slides/slide14.xml><?xml version="1.0" encoding="utf-8"?>
 <p:sld xmlns:a="http://schemas.openxmlformats.org/drawingml/2006/main" xmlns:r="http://schemas.openxmlformats.org/officeDocument/2006/relationships" xmlns:p="http://schemas.openxmlformats.org/presentationml/2006/main">
   <p:cSld>
     <p:spTree>
@@ -18806,7 +19333,7 @@
 </p:sld>
 </file>
 
-<file path=ppt/slides/slide14.xml><?xml version="1.0" encoding="utf-8"?>
+<file path=ppt/slides/slide15.xml><?xml version="1.0" encoding="utf-8"?>
 <p:sld xmlns:a="http://schemas.openxmlformats.org/drawingml/2006/main" xmlns:r="http://schemas.openxmlformats.org/officeDocument/2006/relationships" xmlns:p="http://schemas.openxmlformats.org/presentationml/2006/main">
   <p:cSld>
     <p:spTree>
@@ -18981,7 +19508,7 @@
 </p:sld>
 </file>
 
-<file path=ppt/slides/slide15.xml><?xml version="1.0" encoding="utf-8"?>
+<file path=ppt/slides/slide16.xml><?xml version="1.0" encoding="utf-8"?>
 <p:sld xmlns:a="http://schemas.openxmlformats.org/drawingml/2006/main" xmlns:r="http://schemas.openxmlformats.org/officeDocument/2006/relationships" xmlns:p="http://schemas.openxmlformats.org/presentationml/2006/main">
   <p:cSld>
     <p:spTree>
@@ -19130,7 +19657,7 @@
 </p:sld>
 </file>
 
-<file path=ppt/slides/slide16.xml><?xml version="1.0" encoding="utf-8"?>
+<file path=ppt/slides/slide17.xml><?xml version="1.0" encoding="utf-8"?>
 <p:sld xmlns:a="http://schemas.openxmlformats.org/drawingml/2006/main" xmlns:r="http://schemas.openxmlformats.org/officeDocument/2006/relationships" xmlns:p="http://schemas.openxmlformats.org/presentationml/2006/main">
   <p:cSld>
     <p:spTree>
@@ -19279,7 +19806,7 @@
 </p:sld>
 </file>
 
-<file path=ppt/slides/slide17.xml><?xml version="1.0" encoding="utf-8"?>
+<file path=ppt/slides/slide18.xml><?xml version="1.0" encoding="utf-8"?>
 <p:sld xmlns:a="http://schemas.openxmlformats.org/drawingml/2006/main" xmlns:r="http://schemas.openxmlformats.org/officeDocument/2006/relationships" xmlns:p="http://schemas.openxmlformats.org/presentationml/2006/main">
   <p:cSld>
     <p:spTree>

--- a/Give And Take presentation.pptx
+++ b/Give And Take presentation.pptx
@@ -17729,7 +17729,7 @@
         </p:blipFill>
         <p:spPr bwMode="auto">
           <a:xfrm>
-            <a:off x="1364209" y="-416433"/>
+            <a:off x="1364209" y="-1373365"/>
             <a:ext cx="12191980" cy="6857990"/>
           </a:xfrm>
           <a:prstGeom prst="rect">
@@ -17888,7 +17888,7 @@
         <p:spPr>
           <a:xfrm>
             <a:off x="6265339" y="3834352"/>
-            <a:ext cx="4562452" cy="937622"/>
+            <a:ext cx="4562452" cy="432806"/>
           </a:xfrm>
         </p:spPr>
         <p:txBody>
@@ -17898,14 +17898,14 @@
           <a:lstStyle/>
           <a:p>
             <a:r>
-              <a:rPr lang="en-US">
+              <a:rPr lang="en-US" dirty="0">
                 <a:solidFill>
                   <a:schemeClr val="tx1"/>
                 </a:solidFill>
               </a:rPr>
               <a:t>Android Application</a:t>
             </a:r>
-            <a:endParaRPr lang="LID4096">
+            <a:endParaRPr lang="LID4096" dirty="0">
               <a:solidFill>
                 <a:schemeClr val="tx1"/>
               </a:solidFill>
@@ -17943,6 +17943,60 @@
           </a:prstGeom>
         </p:spPr>
       </p:pic>
+      <p:sp>
+        <p:nvSpPr>
+          <p:cNvPr id="8" name="תיבת טקסט 7">
+            <a:extLst>
+              <a:ext uri="{FF2B5EF4-FFF2-40B4-BE49-F238E27FC236}">
+                <a16:creationId xmlns:a16="http://schemas.microsoft.com/office/drawing/2014/main" id="{2813E36A-A14A-00C2-B3D0-E87A66ADB32E}"/>
+              </a:ext>
+            </a:extLst>
+          </p:cNvPr>
+          <p:cNvSpPr txBox="1"/>
+          <p:nvPr/>
+        </p:nvSpPr>
+        <p:spPr>
+          <a:xfrm>
+            <a:off x="6265339" y="4267158"/>
+            <a:ext cx="6778256" cy="615553"/>
+          </a:xfrm>
+          <a:prstGeom prst="rect">
+            <a:avLst/>
+          </a:prstGeom>
+          <a:noFill/>
+        </p:spPr>
+        <p:txBody>
+          <a:bodyPr wrap="square">
+            <a:spAutoFit/>
+          </a:bodyPr>
+          <a:lstStyle/>
+          <a:p>
+            <a:r>
+              <a:rPr lang="en-US" dirty="0">
+                <a:solidFill>
+                  <a:schemeClr val="tx1"/>
+                </a:solidFill>
+              </a:rPr>
+              <a:t>GITHUB LINK:</a:t>
+            </a:r>
+          </a:p>
+          <a:p>
+            <a:r>
+              <a:rPr lang="en-US" sz="1600" dirty="0">
+                <a:solidFill>
+                  <a:schemeClr val="tx1"/>
+                </a:solidFill>
+              </a:rPr>
+              <a:t>https://github.com/shaCode256/GiveAndTake</a:t>
+            </a:r>
+            <a:endParaRPr lang="LID4096" sz="1600" dirty="0">
+              <a:solidFill>
+                <a:schemeClr val="tx1"/>
+              </a:solidFill>
+            </a:endParaRPr>
+          </a:p>
+        </p:txBody>
+      </p:sp>
     </p:spTree>
     <p:extLst>
       <p:ext uri="{BB962C8B-B14F-4D97-AF65-F5344CB8AC3E}">

--- a/Give And Take presentation.pptx
+++ b/Give And Take presentation.pptx
@@ -17729,7 +17729,7 @@
         </p:blipFill>
         <p:spPr bwMode="auto">
           <a:xfrm>
-            <a:off x="1364209" y="-1373365"/>
+            <a:off x="1364209" y="-1383998"/>
             <a:ext cx="12191980" cy="6857990"/>
           </a:xfrm>
           <a:prstGeom prst="rect">
@@ -17986,6 +17986,7 @@
                 <a:solidFill>
                   <a:schemeClr val="tx1"/>
                 </a:solidFill>
+                <a:hlinkClick r:id="rId4"/>
               </a:rPr>
               <a:t>https://github.com/shaCode256/GiveAndTake</a:t>
             </a:r>

--- a/Give And Take presentation.pptx
+++ b/Give And Take presentation.pptx
@@ -9,20 +9,16 @@
     <p:sldId id="257" r:id="rId3"/>
     <p:sldId id="261" r:id="rId4"/>
     <p:sldId id="262" r:id="rId5"/>
-    <p:sldId id="264" r:id="rId6"/>
-    <p:sldId id="263" r:id="rId7"/>
-    <p:sldId id="265" r:id="rId8"/>
-    <p:sldId id="275" r:id="rId9"/>
-    <p:sldId id="276" r:id="rId10"/>
-    <p:sldId id="277" r:id="rId11"/>
-    <p:sldId id="267" r:id="rId12"/>
-    <p:sldId id="268" r:id="rId13"/>
-    <p:sldId id="269" r:id="rId14"/>
-    <p:sldId id="270" r:id="rId15"/>
-    <p:sldId id="271" r:id="rId16"/>
-    <p:sldId id="272" r:id="rId17"/>
-    <p:sldId id="273" r:id="rId18"/>
-    <p:sldId id="274" r:id="rId19"/>
+    <p:sldId id="275" r:id="rId6"/>
+    <p:sldId id="267" r:id="rId7"/>
+    <p:sldId id="268" r:id="rId8"/>
+    <p:sldId id="269" r:id="rId9"/>
+    <p:sldId id="270" r:id="rId10"/>
+    <p:sldId id="271" r:id="rId11"/>
+    <p:sldId id="272" r:id="rId12"/>
+    <p:sldId id="273" r:id="rId13"/>
+    <p:sldId id="276" r:id="rId14"/>
+    <p:sldId id="277" r:id="rId15"/>
   </p:sldIdLst>
   <p:sldSz cx="12192000" cy="6858000"/>
   <p:notesSz cx="6858000" cy="9144000"/>
@@ -4474,6 +4470,146 @@
 </dgm:styleDef>
 </file>
 
+<file path=ppt/ink/ink1.xml><?xml version="1.0" encoding="utf-8"?>
+<inkml:ink xmlns:inkml="http://www.w3.org/2003/InkML">
+  <inkml:definitions>
+    <inkml:context xml:id="ctx0">
+      <inkml:inkSource xml:id="inkSrc0">
+        <inkml:traceFormat>
+          <inkml:channel name="X" type="integer" min="-2.14748E9" max="2.14748E9" units="cm"/>
+          <inkml:channel name="Y" type="integer" min="-2.14748E9" max="2.14748E9" units="cm"/>
+          <inkml:channel name="F" type="integer" max="32767" units="dev"/>
+        </inkml:traceFormat>
+        <inkml:channelProperties>
+          <inkml:channelProperty channel="X" name="resolution" value="1000" units="1/cm"/>
+          <inkml:channelProperty channel="Y" name="resolution" value="1000" units="1/cm"/>
+          <inkml:channelProperty channel="F" name="resolution" value="0" units="1/dev"/>
+        </inkml:channelProperties>
+      </inkml:inkSource>
+      <inkml:timestamp xml:id="ts0" timeString="2023-01-19T10:19:13.056"/>
+    </inkml:context>
+    <inkml:brush xml:id="br0">
+      <inkml:brushProperty name="width" value="0.05" units="cm"/>
+      <inkml:brushProperty name="height" value="0.05" units="cm"/>
+      <inkml:brushProperty name="color" value="#E71224"/>
+    </inkml:brush>
+  </inkml:definitions>
+  <inkml:trace contextRef="#ctx0" brushRef="#br0">0 302 24575,'111'2'0,"124"-5"0,-216 0 0,0 0 0,1-1 0,-1-1 0,-1-1 0,1-1 0,-1-1 0,0 0 0,-1-1 0,28-19 0,-30 18 0,1 2 0,27-12 0,-29 15 0,0-2 0,-1 1 0,0-2 0,13-8 0,-22 13 0,0-1 0,0 0 0,-1 1 0,1-1 0,-1-1 0,0 1 0,0 0 0,0-1 0,0 1 0,-1-1 0,0 0 0,0 0 0,0 0 0,-1 0 0,2-8 0,1-19-1365,-3 3-5461</inkml:trace>
+</inkml:ink>
+</file>
+
+<file path=ppt/ink/ink2.xml><?xml version="1.0" encoding="utf-8"?>
+<inkml:ink xmlns:inkml="http://www.w3.org/2003/InkML">
+  <inkml:definitions>
+    <inkml:context xml:id="ctx0">
+      <inkml:inkSource xml:id="inkSrc0">
+        <inkml:traceFormat>
+          <inkml:channel name="X" type="integer" min="-2.14748E9" max="2.14748E9" units="cm"/>
+          <inkml:channel name="Y" type="integer" min="-2.14748E9" max="2.14748E9" units="cm"/>
+          <inkml:channel name="F" type="integer" max="32767" units="dev"/>
+        </inkml:traceFormat>
+        <inkml:channelProperties>
+          <inkml:channelProperty channel="X" name="resolution" value="1000" units="1/cm"/>
+          <inkml:channelProperty channel="Y" name="resolution" value="1000" units="1/cm"/>
+          <inkml:channelProperty channel="F" name="resolution" value="0" units="1/dev"/>
+        </inkml:channelProperties>
+      </inkml:inkSource>
+      <inkml:timestamp xml:id="ts0" timeString="2023-01-19T10:19:14.986"/>
+    </inkml:context>
+    <inkml:brush xml:id="br0">
+      <inkml:brushProperty name="width" value="0.05" units="cm"/>
+      <inkml:brushProperty name="height" value="0.05" units="cm"/>
+      <inkml:brushProperty name="color" value="#E71224"/>
+    </inkml:brush>
+  </inkml:definitions>
+  <inkml:trace contextRef="#ctx0" brushRef="#br0">1072 277 24575,'-7'0'0,"0"-1"0,0 0 0,0 0 0,0 0 0,0-1 0,0 0 0,0-1 0,0 1 0,1-1 0,-10-6 0,-3-4 0,-35-30 0,-9-7 0,37 34 0,-20-15 0,-51-23 0,81 46 0,-1 1 0,0 0 0,0 2 0,0 0 0,-1 1 0,1 1 0,-23-2 0,22 4 0,0 1 0,1 1 0,-1 0 0,1 2 0,-23 4 0,33-5 0,-1 1 0,1-1 0,0 1 0,0 1 0,0-1 0,0 1 0,1 0 0,-1 1 0,1 0 0,0 0 0,0 0 0,1 0 0,0 1 0,-7 9 0,2-4 0,0 0 0,-1-1 0,0 0 0,-1 0 0,0-2 0,-1 1 0,0-2 0,-17 9 0,12-6 0,-35 11 0,-5 3 0,54-22 0,1 0 0,0 0 0,0 0 0,0 0 0,0 1 0,1-1 0,-1 1 0,1 0 0,-1 0 0,1 0 0,0 0 0,0 0 0,-3 6 0,5-8 0,0 1 0,0-1 0,0 0 0,0 1 0,0-1 0,0 0 0,0 0 0,0 1 0,0-1 0,1 0 0,-1 0 0,1 1 0,-1-1 0,1 0 0,-1 0 0,1 0 0,-1 0 0,1 0 0,0 1 0,0-1 0,0-1 0,0 1 0,0 0 0,0 0 0,0 0 0,0 0 0,0-1 0,0 1 0,0 0 0,0-1 0,0 1 0,0-1 0,3 1 0,49 18 0,-43-16 0,81 27-1365,-62-20-5461</inkml:trace>
+</inkml:ink>
+</file>
+
+<file path=ppt/ink/ink3.xml><?xml version="1.0" encoding="utf-8"?>
+<inkml:ink xmlns:inkml="http://www.w3.org/2003/InkML">
+  <inkml:definitions>
+    <inkml:context xml:id="ctx0">
+      <inkml:inkSource xml:id="inkSrc0">
+        <inkml:traceFormat>
+          <inkml:channel name="X" type="integer" min="-2.14748E9" max="2.14748E9" units="cm"/>
+          <inkml:channel name="Y" type="integer" min="-2.14748E9" max="2.14748E9" units="cm"/>
+          <inkml:channel name="F" type="integer" max="32767" units="dev"/>
+        </inkml:traceFormat>
+        <inkml:channelProperties>
+          <inkml:channelProperty channel="X" name="resolution" value="1000" units="1/cm"/>
+          <inkml:channelProperty channel="Y" name="resolution" value="1000" units="1/cm"/>
+          <inkml:channelProperty channel="F" name="resolution" value="0" units="1/dev"/>
+        </inkml:channelProperties>
+      </inkml:inkSource>
+      <inkml:timestamp xml:id="ts0" timeString="2023-01-19T10:19:50.168"/>
+    </inkml:context>
+    <inkml:brush xml:id="br0">
+      <inkml:brushProperty name="width" value="0.05" units="cm"/>
+      <inkml:brushProperty name="height" value="0.05" units="cm"/>
+      <inkml:brushProperty name="color" value="#E71224"/>
+    </inkml:brush>
+  </inkml:definitions>
+  <inkml:trace contextRef="#ctx0" brushRef="#br0">0 1 24575,'0'0'-8191</inkml:trace>
+</inkml:ink>
+</file>
+
+<file path=ppt/ink/ink4.xml><?xml version="1.0" encoding="utf-8"?>
+<inkml:ink xmlns:inkml="http://www.w3.org/2003/InkML">
+  <inkml:definitions>
+    <inkml:context xml:id="ctx0">
+      <inkml:inkSource xml:id="inkSrc0">
+        <inkml:traceFormat>
+          <inkml:channel name="X" type="integer" min="-2.14748E9" max="2.14748E9" units="cm"/>
+          <inkml:channel name="Y" type="integer" min="-2.14748E9" max="2.14748E9" units="cm"/>
+          <inkml:channel name="F" type="integer" max="32767" units="dev"/>
+        </inkml:traceFormat>
+        <inkml:channelProperties>
+          <inkml:channelProperty channel="X" name="resolution" value="1000" units="1/cm"/>
+          <inkml:channelProperty channel="Y" name="resolution" value="1000" units="1/cm"/>
+          <inkml:channelProperty channel="F" name="resolution" value="0" units="1/dev"/>
+        </inkml:channelProperties>
+      </inkml:inkSource>
+      <inkml:timestamp xml:id="ts0" timeString="2023-01-19T10:19:50.956"/>
+    </inkml:context>
+    <inkml:brush xml:id="br0">
+      <inkml:brushProperty name="width" value="0.05" units="cm"/>
+      <inkml:brushProperty name="height" value="0.05" units="cm"/>
+      <inkml:brushProperty name="color" value="#E71224"/>
+    </inkml:brush>
+  </inkml:definitions>
+  <inkml:trace contextRef="#ctx0" brushRef="#br0">0 1 24575,'0'0'-8191</inkml:trace>
+</inkml:ink>
+</file>
+
+<file path=ppt/ink/ink5.xml><?xml version="1.0" encoding="utf-8"?>
+<inkml:ink xmlns:inkml="http://www.w3.org/2003/InkML">
+  <inkml:definitions>
+    <inkml:context xml:id="ctx0">
+      <inkml:inkSource xml:id="inkSrc0">
+        <inkml:traceFormat>
+          <inkml:channel name="X" type="integer" min="-2.14748E9" max="2.14748E9" units="cm"/>
+          <inkml:channel name="Y" type="integer" min="-2.14748E9" max="2.14748E9" units="cm"/>
+          <inkml:channel name="F" type="integer" max="32767" units="dev"/>
+        </inkml:traceFormat>
+        <inkml:channelProperties>
+          <inkml:channelProperty channel="X" name="resolution" value="1000" units="1/cm"/>
+          <inkml:channelProperty channel="Y" name="resolution" value="1000" units="1/cm"/>
+          <inkml:channelProperty channel="F" name="resolution" value="0" units="1/dev"/>
+        </inkml:channelProperties>
+      </inkml:inkSource>
+      <inkml:timestamp xml:id="ts0" timeString="2023-01-19T10:20:03.106"/>
+    </inkml:context>
+    <inkml:brush xml:id="br0">
+      <inkml:brushProperty name="width" value="0.05" units="cm"/>
+      <inkml:brushProperty name="height" value="0.05" units="cm"/>
+      <inkml:brushProperty name="color" value="#E71224"/>
+    </inkml:brush>
+  </inkml:definitions>
+  <inkml:trace contextRef="#ctx0" brushRef="#br0">1 0 24575,'0'0'-8191</inkml:trace>
+</inkml:ink>
+</file>
+
 <file path=ppt/slideLayouts/slideLayout1.xml><?xml version="1.0" encoding="utf-8"?>
 <p:sldLayout xmlns:a="http://schemas.openxmlformats.org/drawingml/2006/main" xmlns:r="http://schemas.openxmlformats.org/officeDocument/2006/relationships" xmlns:p="http://schemas.openxmlformats.org/presentationml/2006/main" showMasterSp="0" type="title" preserve="1">
   <p:cSld name="שקופית כותרת">
@@ -4810,7 +4946,7 @@
             <a:fld id="{AE0C963C-C1DB-4AFD-9DDC-0691666BF49B}" type="datetime2">
               <a:rPr lang="en-US" smtClean="0"/>
               <a:pPr/>
-              <a:t>Tuesday, January 17, 2023</a:t>
+              <a:t>Sunday, July 23, 2023</a:t>
             </a:fld>
             <a:endParaRPr lang="en-US" cap="all" dirty="0"/>
           </a:p>
@@ -5902,7 +6038,7 @@
             <a:fld id="{AE0C963C-C1DB-4AFD-9DDC-0691666BF49B}" type="datetime2">
               <a:rPr lang="en-US" smtClean="0"/>
               <a:pPr/>
-              <a:t>Tuesday, January 17, 2023</a:t>
+              <a:t>Sunday, July 23, 2023</a:t>
             </a:fld>
             <a:endParaRPr lang="en-US" cap="all" dirty="0"/>
           </a:p>
@@ -6886,7 +7022,7 @@
             <a:fld id="{AE0C963C-C1DB-4AFD-9DDC-0691666BF49B}" type="datetime2">
               <a:rPr lang="en-US" smtClean="0"/>
               <a:pPr/>
-              <a:t>Tuesday, January 17, 2023</a:t>
+              <a:t>Sunday, July 23, 2023</a:t>
             </a:fld>
             <a:endParaRPr lang="en-US" cap="all" dirty="0"/>
           </a:p>
@@ -8024,7 +8160,7 @@
             <a:fld id="{AE0C963C-C1DB-4AFD-9DDC-0691666BF49B}" type="datetime2">
               <a:rPr lang="en-US" smtClean="0"/>
               <a:pPr/>
-              <a:t>Tuesday, January 17, 2023</a:t>
+              <a:t>Sunday, July 23, 2023</a:t>
             </a:fld>
             <a:endParaRPr lang="en-US" cap="all" dirty="0"/>
           </a:p>
@@ -9061,7 +9197,7 @@
             <a:fld id="{AE0C963C-C1DB-4AFD-9DDC-0691666BF49B}" type="datetime2">
               <a:rPr lang="en-US" smtClean="0"/>
               <a:pPr/>
-              <a:t>Tuesday, January 17, 2023</a:t>
+              <a:t>Sunday, July 23, 2023</a:t>
             </a:fld>
             <a:endParaRPr lang="en-US" cap="all" dirty="0"/>
           </a:p>
@@ -9725,7 +9861,7 @@
             <a:fld id="{AE0C963C-C1DB-4AFD-9DDC-0691666BF49B}" type="datetime2">
               <a:rPr lang="en-US" smtClean="0"/>
               <a:pPr/>
-              <a:t>Tuesday, January 17, 2023</a:t>
+              <a:t>Sunday, July 23, 2023</a:t>
             </a:fld>
             <a:endParaRPr lang="en-US" cap="all" dirty="0"/>
           </a:p>
@@ -10590,7 +10726,7 @@
             <a:fld id="{AE0C963C-C1DB-4AFD-9DDC-0691666BF49B}" type="datetime2">
               <a:rPr lang="en-US" smtClean="0"/>
               <a:pPr/>
-              <a:t>Tuesday, January 17, 2023</a:t>
+              <a:t>Sunday, July 23, 2023</a:t>
             </a:fld>
             <a:endParaRPr lang="en-US" cap="all" dirty="0"/>
           </a:p>
@@ -10784,7 +10920,7 @@
             <a:fld id="{AE0C963C-C1DB-4AFD-9DDC-0691666BF49B}" type="datetime2">
               <a:rPr lang="en-US" smtClean="0"/>
               <a:pPr/>
-              <a:t>Tuesday, January 17, 2023</a:t>
+              <a:t>Sunday, July 23, 2023</a:t>
             </a:fld>
             <a:endParaRPr lang="en-US" cap="all" dirty="0"/>
           </a:p>
@@ -11760,7 +11896,7 @@
             <a:fld id="{AE0C963C-C1DB-4AFD-9DDC-0691666BF49B}" type="datetime2">
               <a:rPr lang="en-US" smtClean="0"/>
               <a:pPr/>
-              <a:t>Tuesday, January 17, 2023</a:t>
+              <a:t>Sunday, July 23, 2023</a:t>
             </a:fld>
             <a:endParaRPr lang="en-US" cap="all" dirty="0"/>
           </a:p>
@@ -11975,7 +12111,7 @@
             <a:fld id="{AE0C963C-C1DB-4AFD-9DDC-0691666BF49B}" type="datetime2">
               <a:rPr lang="en-US" smtClean="0"/>
               <a:pPr/>
-              <a:t>Tuesday, January 17, 2023</a:t>
+              <a:t>Sunday, July 23, 2023</a:t>
             </a:fld>
             <a:endParaRPr lang="en-US" cap="all" dirty="0"/>
           </a:p>
@@ -13013,7 +13149,7 @@
             <a:fld id="{AE0C963C-C1DB-4AFD-9DDC-0691666BF49B}" type="datetime2">
               <a:rPr lang="en-US" smtClean="0"/>
               <a:pPr/>
-              <a:t>Tuesday, January 17, 2023</a:t>
+              <a:t>Sunday, July 23, 2023</a:t>
             </a:fld>
             <a:endParaRPr lang="en-US" cap="all" dirty="0"/>
           </a:p>
@@ -13289,7 +13425,7 @@
             <a:fld id="{AE0C963C-C1DB-4AFD-9DDC-0691666BF49B}" type="datetime2">
               <a:rPr lang="en-US" smtClean="0"/>
               <a:pPr/>
-              <a:t>Tuesday, January 17, 2023</a:t>
+              <a:t>Sunday, July 23, 2023</a:t>
             </a:fld>
             <a:endParaRPr lang="en-US" cap="all" dirty="0"/>
           </a:p>
@@ -13703,7 +13839,7 @@
             <a:fld id="{AE0C963C-C1DB-4AFD-9DDC-0691666BF49B}" type="datetime2">
               <a:rPr lang="en-US" smtClean="0"/>
               <a:pPr/>
-              <a:t>Tuesday, January 17, 2023</a:t>
+              <a:t>Sunday, July 23, 2023</a:t>
             </a:fld>
             <a:endParaRPr lang="en-US" cap="all" dirty="0"/>
           </a:p>
@@ -13834,7 +13970,7 @@
             <a:fld id="{AE0C963C-C1DB-4AFD-9DDC-0691666BF49B}" type="datetime2">
               <a:rPr lang="en-US" smtClean="0"/>
               <a:pPr/>
-              <a:t>Tuesday, January 17, 2023</a:t>
+              <a:t>Sunday, July 23, 2023</a:t>
             </a:fld>
             <a:endParaRPr lang="en-US" cap="all" dirty="0"/>
           </a:p>
@@ -13933,7 +14069,7 @@
             <a:fld id="{AE0C963C-C1DB-4AFD-9DDC-0691666BF49B}" type="datetime2">
               <a:rPr lang="en-US" smtClean="0"/>
               <a:pPr/>
-              <a:t>Tuesday, January 17, 2023</a:t>
+              <a:t>Sunday, July 23, 2023</a:t>
             </a:fld>
             <a:endParaRPr lang="en-US" cap="all" dirty="0"/>
           </a:p>
@@ -15018,7 +15154,7 @@
             <a:fld id="{AE0C963C-C1DB-4AFD-9DDC-0691666BF49B}" type="datetime2">
               <a:rPr lang="en-US" smtClean="0"/>
               <a:pPr/>
-              <a:t>Tuesday, January 17, 2023</a:t>
+              <a:t>Sunday, July 23, 2023</a:t>
             </a:fld>
             <a:endParaRPr lang="en-US" cap="all" dirty="0"/>
           </a:p>
@@ -16130,7 +16266,7 @@
             <a:fld id="{AE0C963C-C1DB-4AFD-9DDC-0691666BF49B}" type="datetime2">
               <a:rPr lang="en-US" smtClean="0"/>
               <a:pPr/>
-              <a:t>Tuesday, January 17, 2023</a:t>
+              <a:t>Sunday, July 23, 2023</a:t>
             </a:fld>
             <a:endParaRPr lang="en-US" cap="all" dirty="0"/>
           </a:p>
@@ -17131,7 +17267,7 @@
             <a:fld id="{AE0C963C-C1DB-4AFD-9DDC-0691666BF49B}" type="datetime2">
               <a:rPr lang="en-US" smtClean="0"/>
               <a:pPr/>
-              <a:t>Tuesday, January 17, 2023</a:t>
+              <a:t>Sunday, July 23, 2023</a:t>
             </a:fld>
             <a:endParaRPr lang="en-US" cap="all" dirty="0"/>
           </a:p>
@@ -18172,7 +18308,7 @@
           <p:cNvPr id="2" name="כותרת 1">
             <a:extLst>
               <a:ext uri="{FF2B5EF4-FFF2-40B4-BE49-F238E27FC236}">
-                <a16:creationId xmlns:a16="http://schemas.microsoft.com/office/drawing/2014/main" id="{9DA801C6-09DE-9549-3656-F9E5728C5770}"/>
+                <a16:creationId xmlns:a16="http://schemas.microsoft.com/office/drawing/2014/main" id="{298DED83-0B80-453E-84E9-4AF65B7B7759}"/>
               </a:ext>
             </a:extLst>
           </p:cNvPr>
@@ -18181,6 +18317,36 @@
           </p:cNvSpPr>
           <p:nvPr>
             <p:ph type="title"/>
+          </p:nvPr>
+        </p:nvSpPr>
+        <p:spPr>
+          <a:xfrm flipV="1">
+            <a:off x="5578636" y="-568960"/>
+            <a:ext cx="6034243" cy="1364488"/>
+          </a:xfrm>
+        </p:spPr>
+        <p:txBody>
+          <a:bodyPr/>
+          <a:lstStyle/>
+          <a:p>
+            <a:endParaRPr lang="LID4096" dirty="0"/>
+          </a:p>
+        </p:txBody>
+      </p:sp>
+      <p:sp>
+        <p:nvSpPr>
+          <p:cNvPr id="6" name="מציין מיקום תוכן 5">
+            <a:extLst>
+              <a:ext uri="{FF2B5EF4-FFF2-40B4-BE49-F238E27FC236}">
+                <a16:creationId xmlns:a16="http://schemas.microsoft.com/office/drawing/2014/main" id="{EBD0E6B5-7FF3-D592-C675-0BEA3C99E187}"/>
+              </a:ext>
+            </a:extLst>
+          </p:cNvPr>
+          <p:cNvSpPr>
+            <a:spLocks noGrp="1"/>
+          </p:cNvSpPr>
+          <p:nvPr>
+            <p:ph idx="1"/>
           </p:nvPr>
         </p:nvSpPr>
         <p:spPr/>
@@ -18192,41 +18358,12 @@
           </a:p>
         </p:txBody>
       </p:sp>
-      <p:pic>
-        <p:nvPicPr>
-          <p:cNvPr id="5" name="מציין מיקום תוכן 4">
+      <p:sp>
+        <p:nvSpPr>
+          <p:cNvPr id="5" name="תיבת טקסט 4">
             <a:extLst>
               <a:ext uri="{FF2B5EF4-FFF2-40B4-BE49-F238E27FC236}">
-                <a16:creationId xmlns:a16="http://schemas.microsoft.com/office/drawing/2014/main" id="{47DD5134-81F7-C62E-A92E-12DB5873B378}"/>
-              </a:ext>
-            </a:extLst>
-          </p:cNvPr>
-          <p:cNvPicPr>
-            <a:picLocks noGrp="1" noChangeAspect="1"/>
-          </p:cNvPicPr>
-          <p:nvPr>
-            <p:ph idx="1"/>
-          </p:nvPr>
-        </p:nvPicPr>
-        <p:blipFill>
-          <a:blip r:embed="rId2"/>
-          <a:stretch>
-            <a:fillRect/>
-          </a:stretch>
-        </p:blipFill>
-        <p:spPr>
-          <a:xfrm>
-            <a:off x="0" y="-368559"/>
-            <a:ext cx="11917345" cy="6858000"/>
-          </a:xfrm>
-        </p:spPr>
-      </p:pic>
-      <p:sp>
-        <p:nvSpPr>
-          <p:cNvPr id="8" name="תיבת טקסט 7">
-            <a:extLst>
-              <a:ext uri="{FF2B5EF4-FFF2-40B4-BE49-F238E27FC236}">
-                <a16:creationId xmlns:a16="http://schemas.microsoft.com/office/drawing/2014/main" id="{FCF54B4B-B889-D677-BFEA-E076FEF68074}"/>
+                <a16:creationId xmlns:a16="http://schemas.microsoft.com/office/drawing/2014/main" id="{5760EB4A-51E7-9005-2F4D-CF36762D1F62}"/>
               </a:ext>
             </a:extLst>
           </p:cNvPr>
@@ -18235,78 +18372,16 @@
         </p:nvSpPr>
         <p:spPr>
           <a:xfrm>
-            <a:off x="9792071" y="5824698"/>
-            <a:ext cx="2201662" cy="830997"/>
+            <a:off x="499369" y="564694"/>
+            <a:ext cx="6094520" cy="1200329"/>
           </a:xfrm>
           <a:prstGeom prst="rect">
             <a:avLst/>
           </a:prstGeom>
           <a:noFill/>
-          <a:ln>
-            <a:solidFill>
-              <a:schemeClr val="tx1"/>
-            </a:solidFill>
-          </a:ln>
         </p:spPr>
         <p:txBody>
-          <a:bodyPr wrap="square" rtlCol="0">
-            <a:spAutoFit/>
-          </a:bodyPr>
-          <a:lstStyle/>
-          <a:p>
-            <a:r>
-              <a:rPr lang="en-US" sz="1600" u="sng" dirty="0"/>
-              <a:t>Server:</a:t>
-            </a:r>
-            <a:br>
-              <a:rPr lang="en-US" sz="1600" dirty="0"/>
-            </a:br>
-            <a:r>
-              <a:rPr lang="en-US" sz="1600" dirty="0" err="1"/>
-              <a:t>app.post</a:t>
-            </a:r>
-            <a:r>
-              <a:rPr lang="en-US" sz="1600" dirty="0"/>
-              <a:t>(/</a:t>
-            </a:r>
-            <a:r>
-              <a:rPr lang="en-US" sz="1600" dirty="0" err="1"/>
-              <a:t>request_details</a:t>
-            </a:r>
-            <a:r>
-              <a:rPr lang="en-US" sz="1600" dirty="0"/>
-              <a:t>)</a:t>
-            </a:r>
-            <a:endParaRPr lang="LID4096" sz="1600" dirty="0"/>
-          </a:p>
-        </p:txBody>
-      </p:sp>
-      <p:sp>
-        <p:nvSpPr>
-          <p:cNvPr id="9" name="תיבת טקסט 8">
-            <a:extLst>
-              <a:ext uri="{FF2B5EF4-FFF2-40B4-BE49-F238E27FC236}">
-                <a16:creationId xmlns:a16="http://schemas.microsoft.com/office/drawing/2014/main" id="{9B89D067-FD5F-91A4-CB49-2E55E753235D}"/>
-              </a:ext>
-            </a:extLst>
-          </p:cNvPr>
-          <p:cNvSpPr txBox="1"/>
-          <p:nvPr/>
-        </p:nvSpPr>
-        <p:spPr>
-          <a:xfrm>
-            <a:off x="4531360" y="5671066"/>
-            <a:ext cx="3820160" cy="646331"/>
-          </a:xfrm>
-          <a:prstGeom prst="rect">
-            <a:avLst/>
-          </a:prstGeom>
-          <a:solidFill>
-            <a:srgbClr val="660066"/>
-          </a:solidFill>
-        </p:spPr>
-        <p:txBody>
-          <a:bodyPr wrap="square" rtlCol="0">
+          <a:bodyPr wrap="square">
             <a:spAutoFit/>
           </a:bodyPr>
           <a:lstStyle/>
@@ -18317,7 +18392,17 @@
                   <a:schemeClr val="bg1"/>
                 </a:solidFill>
               </a:rPr>
-              <a:t>System’s objects</a:t>
+              <a:t>View list of user’s</a:t>
+            </a:r>
+          </a:p>
+          <a:p>
+            <a:r>
+              <a:rPr lang="en-US" sz="3600" dirty="0">
+                <a:solidFill>
+                  <a:schemeClr val="bg1"/>
+                </a:solidFill>
+              </a:rPr>
+              <a:t>requests screen</a:t>
             </a:r>
             <a:endParaRPr lang="LID4096" sz="3600" dirty="0">
               <a:solidFill>
@@ -18327,346 +18412,70 @@
           </a:p>
         </p:txBody>
       </p:sp>
-      <p:cxnSp>
-        <p:nvCxnSpPr>
-          <p:cNvPr id="13" name="מחבר חץ ישר 12">
+      <p:pic>
+        <p:nvPicPr>
+          <p:cNvPr id="4" name="תמונה 3">
             <a:extLst>
               <a:ext uri="{FF2B5EF4-FFF2-40B4-BE49-F238E27FC236}">
-                <a16:creationId xmlns:a16="http://schemas.microsoft.com/office/drawing/2014/main" id="{8B19D9DA-04DC-DF72-2363-AF89F2A2743E}"/>
+                <a16:creationId xmlns:a16="http://schemas.microsoft.com/office/drawing/2014/main" id="{103B628D-9219-089F-99D9-DC216F0EE1A3}"/>
               </a:ext>
             </a:extLst>
           </p:cNvPr>
-          <p:cNvCxnSpPr>
-            <a:cxnSpLocks/>
-          </p:cNvCxnSpPr>
+          <p:cNvPicPr>
+            <a:picLocks noChangeAspect="1"/>
+          </p:cNvPicPr>
           <p:nvPr/>
-        </p:nvCxnSpPr>
+        </p:nvPicPr>
+        <p:blipFill>
+          <a:blip r:embed="rId2"/>
+          <a:stretch>
+            <a:fillRect/>
+          </a:stretch>
+        </p:blipFill>
         <p:spPr>
           <a:xfrm>
-            <a:off x="11180128" y="5078656"/>
-            <a:ext cx="0" cy="744810"/>
-          </a:xfrm>
-          <a:prstGeom prst="straightConnector1">
-            <a:avLst/>
-          </a:prstGeom>
-          <a:ln>
-            <a:tailEnd type="triangle"/>
-          </a:ln>
-        </p:spPr>
-        <p:style>
-          <a:lnRef idx="1">
-            <a:schemeClr val="accent1"/>
-          </a:lnRef>
-          <a:fillRef idx="0">
-            <a:schemeClr val="accent1"/>
-          </a:fillRef>
-          <a:effectRef idx="0">
-            <a:schemeClr val="accent1"/>
-          </a:effectRef>
-          <a:fontRef idx="minor">
-            <a:schemeClr val="tx1"/>
-          </a:fontRef>
-        </p:style>
-      </p:cxnSp>
-      <p:cxnSp>
-        <p:nvCxnSpPr>
-          <p:cNvPr id="15" name="מחבר חץ ישר 14">
-            <a:extLst>
-              <a:ext uri="{FF2B5EF4-FFF2-40B4-BE49-F238E27FC236}">
-                <a16:creationId xmlns:a16="http://schemas.microsoft.com/office/drawing/2014/main" id="{675D51C6-520D-463C-EB8E-606AD3CB3B33}"/>
-              </a:ext>
-            </a:extLst>
-          </p:cNvPr>
-          <p:cNvCxnSpPr>
-            <a:cxnSpLocks/>
-          </p:cNvCxnSpPr>
-          <p:nvPr/>
-        </p:nvCxnSpPr>
-        <p:spPr>
-          <a:xfrm flipH="1">
-            <a:off x="11310857" y="5078656"/>
-            <a:ext cx="499085" cy="744810"/>
-          </a:xfrm>
-          <a:prstGeom prst="straightConnector1">
-            <a:avLst/>
-          </a:prstGeom>
-          <a:ln>
-            <a:tailEnd type="triangle"/>
-          </a:ln>
-        </p:spPr>
-        <p:style>
-          <a:lnRef idx="1">
-            <a:schemeClr val="accent1"/>
-          </a:lnRef>
-          <a:fillRef idx="0">
-            <a:schemeClr val="accent1"/>
-          </a:fillRef>
-          <a:effectRef idx="0">
-            <a:schemeClr val="accent1"/>
-          </a:effectRef>
-          <a:fontRef idx="minor">
-            <a:schemeClr val="tx1"/>
-          </a:fontRef>
-        </p:style>
-      </p:cxnSp>
-      <p:sp>
-        <p:nvSpPr>
-          <p:cNvPr id="17" name="תיבת טקסט 16">
-            <a:extLst>
-              <a:ext uri="{FF2B5EF4-FFF2-40B4-BE49-F238E27FC236}">
-                <a16:creationId xmlns:a16="http://schemas.microsoft.com/office/drawing/2014/main" id="{C5BA14C6-F657-AA45-9B07-A09B0B765F4D}"/>
-              </a:ext>
-            </a:extLst>
-          </p:cNvPr>
-          <p:cNvSpPr txBox="1"/>
-          <p:nvPr/>
-        </p:nvSpPr>
-        <p:spPr>
-          <a:xfrm>
-            <a:off x="10143258" y="4154094"/>
-            <a:ext cx="2048742" cy="923330"/>
+            <a:off x="5442667" y="0"/>
+            <a:ext cx="3477110" cy="6677957"/>
           </a:xfrm>
           <a:prstGeom prst="rect">
             <a:avLst/>
           </a:prstGeom>
-          <a:noFill/>
         </p:spPr>
-        <p:txBody>
-          <a:bodyPr wrap="square" rtlCol="0">
-            <a:spAutoFit/>
-          </a:bodyPr>
-          <a:lstStyle/>
-          <a:p>
-            <a:pPr algn="ctr"/>
-            <a:r>
-              <a:rPr lang="en-US" dirty="0"/>
-              <a:t>All except models connect to server</a:t>
-            </a:r>
-            <a:endParaRPr lang="LID4096" dirty="0"/>
-          </a:p>
-        </p:txBody>
-      </p:sp>
-      <p:cxnSp>
-        <p:nvCxnSpPr>
-          <p:cNvPr id="18" name="מחבר חץ ישר 17">
+      </p:pic>
+      <p:pic>
+        <p:nvPicPr>
+          <p:cNvPr id="8" name="תמונה 7">
             <a:extLst>
               <a:ext uri="{FF2B5EF4-FFF2-40B4-BE49-F238E27FC236}">
-                <a16:creationId xmlns:a16="http://schemas.microsoft.com/office/drawing/2014/main" id="{86FCC777-5A27-0F34-9607-E9E5F3B0A6A0}"/>
+                <a16:creationId xmlns:a16="http://schemas.microsoft.com/office/drawing/2014/main" id="{B29C9CE1-0DE1-7511-61B8-709B4F36E3F7}"/>
               </a:ext>
             </a:extLst>
           </p:cNvPr>
-          <p:cNvCxnSpPr/>
+          <p:cNvPicPr>
+            <a:picLocks noChangeAspect="1"/>
+          </p:cNvPicPr>
           <p:nvPr/>
-        </p:nvCxnSpPr>
+        </p:nvPicPr>
+        <p:blipFill>
+          <a:blip r:embed="rId3"/>
+          <a:stretch>
+            <a:fillRect/>
+          </a:stretch>
+        </p:blipFill>
         <p:spPr>
           <a:xfrm>
-            <a:off x="10611665" y="5079888"/>
-            <a:ext cx="411982" cy="743578"/>
-          </a:xfrm>
-          <a:prstGeom prst="straightConnector1">
-            <a:avLst/>
-          </a:prstGeom>
-          <a:ln>
-            <a:tailEnd type="triangle"/>
-          </a:ln>
-        </p:spPr>
-        <p:style>
-          <a:lnRef idx="1">
-            <a:schemeClr val="accent1"/>
-          </a:lnRef>
-          <a:fillRef idx="0">
-            <a:schemeClr val="accent1"/>
-          </a:fillRef>
-          <a:effectRef idx="0">
-            <a:schemeClr val="accent1"/>
-          </a:effectRef>
-          <a:fontRef idx="minor">
-            <a:schemeClr val="tx1"/>
-          </a:fontRef>
-        </p:style>
-      </p:cxnSp>
-      <p:sp>
-        <p:nvSpPr>
-          <p:cNvPr id="22" name="תיבת טקסט 21">
-            <a:extLst>
-              <a:ext uri="{FF2B5EF4-FFF2-40B4-BE49-F238E27FC236}">
-                <a16:creationId xmlns:a16="http://schemas.microsoft.com/office/drawing/2014/main" id="{B234C1A2-A0D8-405A-B05F-A6B4AC89FC82}"/>
-              </a:ext>
-            </a:extLst>
-          </p:cNvPr>
-          <p:cNvSpPr txBox="1"/>
-          <p:nvPr/>
-        </p:nvSpPr>
-        <p:spPr>
-          <a:xfrm>
-            <a:off x="10563293" y="2581520"/>
-            <a:ext cx="1369380" cy="646331"/>
+            <a:off x="8595757" y="0"/>
+            <a:ext cx="3553321" cy="6658904"/>
           </a:xfrm>
           <a:prstGeom prst="rect">
             <a:avLst/>
           </a:prstGeom>
-          <a:noFill/>
-          <a:ln>
-            <a:solidFill>
-              <a:schemeClr val="tx1"/>
-            </a:solidFill>
-          </a:ln>
         </p:spPr>
-        <p:txBody>
-          <a:bodyPr wrap="square">
-            <a:spAutoFit/>
-          </a:bodyPr>
-          <a:lstStyle/>
-          <a:p>
-            <a:r>
-              <a:rPr lang="en-US" sz="1800" u="sng" dirty="0"/>
-              <a:t>Model: </a:t>
-            </a:r>
-            <a:br>
-              <a:rPr lang="en-US" sz="1800" u="sng" dirty="0"/>
-            </a:br>
-            <a:r>
-              <a:rPr lang="en-US" dirty="0"/>
-              <a:t>Request</a:t>
-            </a:r>
-            <a:endParaRPr lang="LID4096" sz="1800" dirty="0"/>
-          </a:p>
-        </p:txBody>
-      </p:sp>
-      <p:cxnSp>
-        <p:nvCxnSpPr>
-          <p:cNvPr id="25" name="מחבר חץ ישר 24">
-            <a:extLst>
-              <a:ext uri="{FF2B5EF4-FFF2-40B4-BE49-F238E27FC236}">
-                <a16:creationId xmlns:a16="http://schemas.microsoft.com/office/drawing/2014/main" id="{2DEF0168-97BB-37BE-005D-F399990E4C7C}"/>
-              </a:ext>
-            </a:extLst>
-          </p:cNvPr>
-          <p:cNvCxnSpPr>
-            <a:cxnSpLocks/>
-          </p:cNvCxnSpPr>
-          <p:nvPr/>
-        </p:nvCxnSpPr>
-        <p:spPr>
-          <a:xfrm flipV="1">
-            <a:off x="9944269" y="3060441"/>
-            <a:ext cx="542636" cy="368559"/>
-          </a:xfrm>
-          <a:prstGeom prst="straightConnector1">
-            <a:avLst/>
-          </a:prstGeom>
-          <a:ln>
-            <a:tailEnd type="triangle"/>
-          </a:ln>
-        </p:spPr>
-        <p:style>
-          <a:lnRef idx="1">
-            <a:schemeClr val="accent1"/>
-          </a:lnRef>
-          <a:fillRef idx="0">
-            <a:schemeClr val="accent1"/>
-          </a:fillRef>
-          <a:effectRef idx="0">
-            <a:schemeClr val="accent1"/>
-          </a:effectRef>
-          <a:fontRef idx="minor">
-            <a:schemeClr val="tx1"/>
-          </a:fontRef>
-        </p:style>
-      </p:cxnSp>
-      <p:sp>
-        <p:nvSpPr>
-          <p:cNvPr id="29" name="תיבת טקסט 28">
-            <a:extLst>
-              <a:ext uri="{FF2B5EF4-FFF2-40B4-BE49-F238E27FC236}">
-                <a16:creationId xmlns:a16="http://schemas.microsoft.com/office/drawing/2014/main" id="{C5022BC7-0C50-60CD-A442-B68B6DD7FF11}"/>
-              </a:ext>
-            </a:extLst>
-          </p:cNvPr>
-          <p:cNvSpPr txBox="1"/>
-          <p:nvPr/>
-        </p:nvSpPr>
-        <p:spPr>
-          <a:xfrm>
-            <a:off x="9268668" y="2009559"/>
-            <a:ext cx="1107478" cy="646331"/>
-          </a:xfrm>
-          <a:prstGeom prst="rect">
-            <a:avLst/>
-          </a:prstGeom>
-          <a:noFill/>
-          <a:ln>
-            <a:solidFill>
-              <a:schemeClr val="tx1"/>
-            </a:solidFill>
-          </a:ln>
-        </p:spPr>
-        <p:txBody>
-          <a:bodyPr wrap="square">
-            <a:spAutoFit/>
-          </a:bodyPr>
-          <a:lstStyle/>
-          <a:p>
-            <a:r>
-              <a:rPr lang="en-US" sz="1800" u="sng" dirty="0"/>
-              <a:t>Model: </a:t>
-            </a:r>
-            <a:br>
-              <a:rPr lang="en-US" sz="1800" u="sng" dirty="0"/>
-            </a:br>
-            <a:r>
-              <a:rPr lang="en-US" dirty="0"/>
-              <a:t>User</a:t>
-            </a:r>
-            <a:endParaRPr lang="LID4096" sz="1800" dirty="0"/>
-          </a:p>
-        </p:txBody>
-      </p:sp>
-      <p:cxnSp>
-        <p:nvCxnSpPr>
-          <p:cNvPr id="30" name="מחבר חץ ישר 29">
-            <a:extLst>
-              <a:ext uri="{FF2B5EF4-FFF2-40B4-BE49-F238E27FC236}">
-                <a16:creationId xmlns:a16="http://schemas.microsoft.com/office/drawing/2014/main" id="{08BF14B6-4BD8-5BE6-B2BC-FEF9DC12E70F}"/>
-              </a:ext>
-            </a:extLst>
-          </p:cNvPr>
-          <p:cNvCxnSpPr>
-            <a:cxnSpLocks/>
-          </p:cNvCxnSpPr>
-          <p:nvPr/>
-        </p:nvCxnSpPr>
-        <p:spPr>
-          <a:xfrm>
-            <a:off x="6223247" y="497150"/>
-            <a:ext cx="3045421" cy="1512409"/>
-          </a:xfrm>
-          <a:prstGeom prst="straightConnector1">
-            <a:avLst/>
-          </a:prstGeom>
-          <a:ln>
-            <a:tailEnd type="triangle"/>
-          </a:ln>
-        </p:spPr>
-        <p:style>
-          <a:lnRef idx="1">
-            <a:schemeClr val="accent1"/>
-          </a:lnRef>
-          <a:fillRef idx="0">
-            <a:schemeClr val="accent1"/>
-          </a:fillRef>
-          <a:effectRef idx="0">
-            <a:schemeClr val="accent1"/>
-          </a:effectRef>
-          <a:fontRef idx="minor">
-            <a:schemeClr val="tx1"/>
-          </a:fontRef>
-        </p:style>
-      </p:cxnSp>
+      </p:pic>
     </p:spTree>
     <p:extLst>
       <p:ext uri="{BB962C8B-B14F-4D97-AF65-F5344CB8AC3E}">
-        <p14:creationId xmlns:p14="http://schemas.microsoft.com/office/powerpoint/2010/main" val="2461157397"/>
+        <p14:creationId xmlns:p14="http://schemas.microsoft.com/office/powerpoint/2010/main" val="2847052133"/>
       </p:ext>
     </p:extLst>
   </p:cSld>
@@ -18710,8 +18519,8 @@
           </p:nvPr>
         </p:nvSpPr>
         <p:spPr>
-          <a:xfrm rot="10800000" flipV="1">
-            <a:off x="917859" y="558505"/>
+          <a:xfrm flipV="1">
+            <a:off x="5578636" y="-568960"/>
             <a:ext cx="6034243" cy="1364488"/>
           </a:xfrm>
         </p:spPr>
@@ -18719,53 +18528,123 @@
           <a:bodyPr/>
           <a:lstStyle/>
           <a:p>
+            <a:endParaRPr lang="LID4096" dirty="0"/>
+          </a:p>
+        </p:txBody>
+      </p:sp>
+      <p:sp>
+        <p:nvSpPr>
+          <p:cNvPr id="4" name="תיבת טקסט 3">
+            <a:extLst>
+              <a:ext uri="{FF2B5EF4-FFF2-40B4-BE49-F238E27FC236}">
+                <a16:creationId xmlns:a16="http://schemas.microsoft.com/office/drawing/2014/main" id="{CD642AD4-13A3-5059-BF92-5AEEE38DEF97}"/>
+              </a:ext>
+            </a:extLst>
+          </p:cNvPr>
+          <p:cNvSpPr txBox="1"/>
+          <p:nvPr/>
+        </p:nvSpPr>
+        <p:spPr>
+          <a:xfrm>
+            <a:off x="845599" y="593869"/>
+            <a:ext cx="6094520" cy="1200329"/>
+          </a:xfrm>
+          <a:prstGeom prst="rect">
+            <a:avLst/>
+          </a:prstGeom>
+          <a:noFill/>
+        </p:spPr>
+        <p:txBody>
+          <a:bodyPr wrap="square">
+            <a:spAutoFit/>
+          </a:bodyPr>
+          <a:lstStyle/>
+          <a:p>
             <a:r>
-              <a:rPr lang="en-US" dirty="0"/>
-              <a:t>Login screen</a:t>
+              <a:rPr lang="en-US" sz="3600" dirty="0">
+                <a:solidFill>
+                  <a:schemeClr val="bg1"/>
+                </a:solidFill>
+              </a:rPr>
+              <a:t>View users</a:t>
             </a:r>
-            <a:endParaRPr lang="LID4096" dirty="0"/>
+          </a:p>
+          <a:p>
+            <a:r>
+              <a:rPr lang="en-US" sz="3600" dirty="0">
+                <a:solidFill>
+                  <a:schemeClr val="bg1"/>
+                </a:solidFill>
+              </a:rPr>
+              <a:t> list screen</a:t>
+            </a:r>
+            <a:endParaRPr lang="LID4096" sz="3600" dirty="0">
+              <a:solidFill>
+                <a:schemeClr val="bg1"/>
+              </a:solidFill>
+            </a:endParaRPr>
+          </a:p>
+        </p:txBody>
+      </p:sp>
+      <p:sp>
+        <p:nvSpPr>
+          <p:cNvPr id="6" name="מציין מיקום תוכן 5">
+            <a:extLst>
+              <a:ext uri="{FF2B5EF4-FFF2-40B4-BE49-F238E27FC236}">
+                <a16:creationId xmlns:a16="http://schemas.microsoft.com/office/drawing/2014/main" id="{E0148A0E-AE0A-8615-AB49-2A9BECA8D020}"/>
+              </a:ext>
+            </a:extLst>
+          </p:cNvPr>
+          <p:cNvSpPr>
+            <a:spLocks noGrp="1"/>
+          </p:cNvSpPr>
+          <p:nvPr>
+            <p:ph idx="1"/>
+          </p:nvPr>
+        </p:nvSpPr>
+        <p:spPr/>
+        <p:txBody>
+          <a:bodyPr/>
+          <a:lstStyle/>
+          <a:p>
+            <a:endParaRPr lang="LID4096"/>
           </a:p>
         </p:txBody>
       </p:sp>
       <p:pic>
         <p:nvPicPr>
-          <p:cNvPr id="5" name="מציין מיקום תוכן 4">
+          <p:cNvPr id="5" name="תמונה 4">
             <a:extLst>
               <a:ext uri="{FF2B5EF4-FFF2-40B4-BE49-F238E27FC236}">
-                <a16:creationId xmlns:a16="http://schemas.microsoft.com/office/drawing/2014/main" id="{1354C812-5579-1CCE-52AF-D359B4E5A69F}"/>
+                <a16:creationId xmlns:a16="http://schemas.microsoft.com/office/drawing/2014/main" id="{831082BF-68E5-B578-5F9E-D44FBEC8F696}"/>
               </a:ext>
             </a:extLst>
           </p:cNvPr>
           <p:cNvPicPr>
-            <a:picLocks noGrp="1" noChangeAspect="1"/>
+            <a:picLocks noChangeAspect="1"/>
           </p:cNvPicPr>
-          <p:nvPr>
-            <p:ph idx="1"/>
-          </p:nvPr>
+          <p:nvPr/>
         </p:nvPicPr>
         <p:blipFill>
-          <a:blip r:embed="rId2">
-            <a:extLst>
-              <a:ext uri="{28A0092B-C50C-407E-A947-70E740481C1C}">
-                <a14:useLocalDpi xmlns:a14="http://schemas.microsoft.com/office/drawing/2010/main" val="0"/>
-              </a:ext>
-            </a:extLst>
-          </a:blip>
+          <a:blip r:embed="rId2"/>
           <a:stretch>
             <a:fillRect/>
           </a:stretch>
         </p:blipFill>
         <p:spPr>
           <a:xfrm>
-            <a:off x="4719877" y="446672"/>
-            <a:ext cx="2962968" cy="6421333"/>
+            <a:off x="5780335" y="0"/>
+            <a:ext cx="3496163" cy="6830378"/>
           </a:xfrm>
+          <a:prstGeom prst="rect">
+            <a:avLst/>
+          </a:prstGeom>
         </p:spPr>
       </p:pic>
     </p:spTree>
     <p:extLst>
       <p:ext uri="{BB962C8B-B14F-4D97-AF65-F5344CB8AC3E}">
-        <p14:creationId xmlns:p14="http://schemas.microsoft.com/office/powerpoint/2010/main" val="3232732212"/>
+        <p14:creationId xmlns:p14="http://schemas.microsoft.com/office/powerpoint/2010/main" val="48963777"/>
       </p:ext>
     </p:extLst>
   </p:cSld>
@@ -18822,978 +18701,6 @@
           </a:p>
         </p:txBody>
       </p:sp>
-      <p:pic>
-        <p:nvPicPr>
-          <p:cNvPr id="7" name="מציין מיקום תוכן 6" descr="תמונה שמכילה מפה&#10;&#10;התיאור נוצר באופן אוטומטי">
-            <a:extLst>
-              <a:ext uri="{FF2B5EF4-FFF2-40B4-BE49-F238E27FC236}">
-                <a16:creationId xmlns:a16="http://schemas.microsoft.com/office/drawing/2014/main" id="{7ABEB9BD-A953-519D-6299-70213C192BCE}"/>
-              </a:ext>
-            </a:extLst>
-          </p:cNvPr>
-          <p:cNvPicPr>
-            <a:picLocks noGrp="1" noChangeAspect="1"/>
-          </p:cNvPicPr>
-          <p:nvPr>
-            <p:ph idx="1"/>
-          </p:nvPr>
-        </p:nvPicPr>
-        <p:blipFill>
-          <a:blip r:embed="rId2">
-            <a:extLst>
-              <a:ext uri="{28A0092B-C50C-407E-A947-70E740481C1C}">
-                <a14:useLocalDpi xmlns:a14="http://schemas.microsoft.com/office/drawing/2010/main" val="0"/>
-              </a:ext>
-            </a:extLst>
-          </a:blip>
-          <a:stretch>
-            <a:fillRect/>
-          </a:stretch>
-        </p:blipFill>
-        <p:spPr>
-          <a:xfrm>
-            <a:off x="4668918" y="0"/>
-            <a:ext cx="3164756" cy="6858648"/>
-          </a:xfrm>
-        </p:spPr>
-      </p:pic>
-      <p:sp>
-        <p:nvSpPr>
-          <p:cNvPr id="3" name="כותרת 1">
-            <a:extLst>
-              <a:ext uri="{FF2B5EF4-FFF2-40B4-BE49-F238E27FC236}">
-                <a16:creationId xmlns:a16="http://schemas.microsoft.com/office/drawing/2014/main" id="{3D4EF4C5-F712-8329-1316-8BE59641C761}"/>
-              </a:ext>
-            </a:extLst>
-          </p:cNvPr>
-          <p:cNvSpPr txBox="1">
-            <a:spLocks/>
-          </p:cNvSpPr>
-          <p:nvPr/>
-        </p:nvSpPr>
-        <p:spPr bwMode="gray">
-          <a:xfrm rot="10800000" flipV="1">
-            <a:off x="579121" y="514116"/>
-            <a:ext cx="6034243" cy="1364488"/>
-          </a:xfrm>
-          <a:prstGeom prst="rect">
-            <a:avLst/>
-          </a:prstGeom>
-        </p:spPr>
-        <p:txBody>
-          <a:bodyPr vert="horz" lIns="91440" tIns="45720" rIns="91440" bIns="45720" rtlCol="0" anchor="ctr">
-            <a:noAutofit/>
-          </a:bodyPr>
-          <a:lstStyle>
-            <a:lvl1pPr algn="l" defTabSz="457200" rtl="0" eaLnBrk="1" latinLnBrk="0" hangingPunct="1">
-              <a:spcBef>
-                <a:spcPct val="0"/>
-              </a:spcBef>
-              <a:buNone/>
-              <a:defRPr sz="3600" b="0" i="0" kern="1200">
-                <a:solidFill>
-                  <a:schemeClr val="bg2"/>
-                </a:solidFill>
-                <a:latin typeface="+mj-lt"/>
-                <a:ea typeface="+mj-ea"/>
-                <a:cs typeface="+mj-cs"/>
-              </a:defRPr>
-            </a:lvl1pPr>
-            <a:lvl2pPr eaLnBrk="1" hangingPunct="1">
-              <a:defRPr>
-                <a:solidFill>
-                  <a:schemeClr val="tx2"/>
-                </a:solidFill>
-              </a:defRPr>
-            </a:lvl2pPr>
-            <a:lvl3pPr eaLnBrk="1" hangingPunct="1">
-              <a:defRPr>
-                <a:solidFill>
-                  <a:schemeClr val="tx2"/>
-                </a:solidFill>
-              </a:defRPr>
-            </a:lvl3pPr>
-            <a:lvl4pPr eaLnBrk="1" hangingPunct="1">
-              <a:defRPr>
-                <a:solidFill>
-                  <a:schemeClr val="tx2"/>
-                </a:solidFill>
-              </a:defRPr>
-            </a:lvl4pPr>
-            <a:lvl5pPr eaLnBrk="1" hangingPunct="1">
-              <a:defRPr>
-                <a:solidFill>
-                  <a:schemeClr val="tx2"/>
-                </a:solidFill>
-              </a:defRPr>
-            </a:lvl5pPr>
-            <a:lvl6pPr eaLnBrk="1" hangingPunct="1">
-              <a:defRPr>
-                <a:solidFill>
-                  <a:schemeClr val="tx2"/>
-                </a:solidFill>
-              </a:defRPr>
-            </a:lvl6pPr>
-            <a:lvl7pPr eaLnBrk="1" hangingPunct="1">
-              <a:defRPr>
-                <a:solidFill>
-                  <a:schemeClr val="tx2"/>
-                </a:solidFill>
-              </a:defRPr>
-            </a:lvl7pPr>
-            <a:lvl8pPr eaLnBrk="1" hangingPunct="1">
-              <a:defRPr>
-                <a:solidFill>
-                  <a:schemeClr val="tx2"/>
-                </a:solidFill>
-              </a:defRPr>
-            </a:lvl8pPr>
-            <a:lvl9pPr eaLnBrk="1" hangingPunct="1">
-              <a:defRPr>
-                <a:solidFill>
-                  <a:schemeClr val="tx2"/>
-                </a:solidFill>
-              </a:defRPr>
-            </a:lvl9pPr>
-          </a:lstStyle>
-          <a:p>
-            <a:r>
-              <a:rPr lang="en-US" dirty="0"/>
-              <a:t>Map screen- </a:t>
-            </a:r>
-          </a:p>
-          <a:p>
-            <a:r>
-              <a:rPr lang="en-US" dirty="0"/>
-              <a:t>Standard user</a:t>
-            </a:r>
-            <a:endParaRPr lang="LID4096" dirty="0"/>
-          </a:p>
-        </p:txBody>
-      </p:sp>
-    </p:spTree>
-    <p:extLst>
-      <p:ext uri="{BB962C8B-B14F-4D97-AF65-F5344CB8AC3E}">
-        <p14:creationId xmlns:p14="http://schemas.microsoft.com/office/powerpoint/2010/main" val="3321520549"/>
-      </p:ext>
-    </p:extLst>
-  </p:cSld>
-  <p:clrMapOvr>
-    <a:masterClrMapping/>
-  </p:clrMapOvr>
-</p:sld>
-</file>
-
-<file path=ppt/slides/slide13.xml><?xml version="1.0" encoding="utf-8"?>
-<p:sld xmlns:a="http://schemas.openxmlformats.org/drawingml/2006/main" xmlns:r="http://schemas.openxmlformats.org/officeDocument/2006/relationships" xmlns:p="http://schemas.openxmlformats.org/presentationml/2006/main">
-  <p:cSld>
-    <p:spTree>
-      <p:nvGrpSpPr>
-        <p:cNvPr id="1" name=""/>
-        <p:cNvGrpSpPr/>
-        <p:nvPr/>
-      </p:nvGrpSpPr>
-      <p:grpSpPr>
-        <a:xfrm>
-          <a:off x="0" y="0"/>
-          <a:ext cx="0" cy="0"/>
-          <a:chOff x="0" y="0"/>
-          <a:chExt cx="0" cy="0"/>
-        </a:xfrm>
-      </p:grpSpPr>
-      <p:sp>
-        <p:nvSpPr>
-          <p:cNvPr id="2" name="כותרת 1">
-            <a:extLst>
-              <a:ext uri="{FF2B5EF4-FFF2-40B4-BE49-F238E27FC236}">
-                <a16:creationId xmlns:a16="http://schemas.microsoft.com/office/drawing/2014/main" id="{298DED83-0B80-453E-84E9-4AF65B7B7759}"/>
-              </a:ext>
-            </a:extLst>
-          </p:cNvPr>
-          <p:cNvSpPr>
-            <a:spLocks noGrp="1"/>
-          </p:cNvSpPr>
-          <p:nvPr>
-            <p:ph type="title"/>
-          </p:nvPr>
-        </p:nvSpPr>
-        <p:spPr>
-          <a:xfrm flipV="1">
-            <a:off x="5578636" y="-568960"/>
-            <a:ext cx="6034243" cy="1364488"/>
-          </a:xfrm>
-        </p:spPr>
-        <p:txBody>
-          <a:bodyPr/>
-          <a:lstStyle/>
-          <a:p>
-            <a:endParaRPr lang="LID4096" dirty="0"/>
-          </a:p>
-        </p:txBody>
-      </p:sp>
-      <p:pic>
-        <p:nvPicPr>
-          <p:cNvPr id="7" name="מציין מיקום תוכן 6" descr="תמונה שמכילה מפה&#10;&#10;התיאור נוצר באופן אוטומטי">
-            <a:extLst>
-              <a:ext uri="{FF2B5EF4-FFF2-40B4-BE49-F238E27FC236}">
-                <a16:creationId xmlns:a16="http://schemas.microsoft.com/office/drawing/2014/main" id="{7ABEB9BD-A953-519D-6299-70213C192BCE}"/>
-              </a:ext>
-            </a:extLst>
-          </p:cNvPr>
-          <p:cNvPicPr>
-            <a:picLocks noGrp="1" noChangeAspect="1"/>
-          </p:cNvPicPr>
-          <p:nvPr>
-            <p:ph idx="1"/>
-          </p:nvPr>
-        </p:nvPicPr>
-        <p:blipFill>
-          <a:blip r:embed="rId2">
-            <a:extLst>
-              <a:ext uri="{28A0092B-C50C-407E-A947-70E740481C1C}">
-                <a14:useLocalDpi xmlns:a14="http://schemas.microsoft.com/office/drawing/2010/main" val="0"/>
-              </a:ext>
-            </a:extLst>
-          </a:blip>
-          <a:stretch>
-            <a:fillRect/>
-          </a:stretch>
-        </p:blipFill>
-        <p:spPr>
-          <a:xfrm>
-            <a:off x="4989754" y="0"/>
-            <a:ext cx="2854163" cy="6185532"/>
-          </a:xfrm>
-        </p:spPr>
-      </p:pic>
-      <p:pic>
-        <p:nvPicPr>
-          <p:cNvPr id="4" name="תמונה 3" descr="תמונה שמכילה מפה&#10;&#10;התיאור נוצר באופן אוטומטי">
-            <a:extLst>
-              <a:ext uri="{FF2B5EF4-FFF2-40B4-BE49-F238E27FC236}">
-                <a16:creationId xmlns:a16="http://schemas.microsoft.com/office/drawing/2014/main" id="{096C9430-CBC5-0B34-774C-CCDF8CE03649}"/>
-              </a:ext>
-            </a:extLst>
-          </p:cNvPr>
-          <p:cNvPicPr>
-            <a:picLocks noChangeAspect="1"/>
-          </p:cNvPicPr>
-          <p:nvPr/>
-        </p:nvPicPr>
-        <p:blipFill>
-          <a:blip r:embed="rId3">
-            <a:extLst>
-              <a:ext uri="{28A0092B-C50C-407E-A947-70E740481C1C}">
-                <a14:useLocalDpi xmlns:a14="http://schemas.microsoft.com/office/drawing/2010/main" val="0"/>
-              </a:ext>
-            </a:extLst>
-          </a:blip>
-          <a:stretch>
-            <a:fillRect/>
-          </a:stretch>
-        </p:blipFill>
-        <p:spPr>
-          <a:xfrm>
-            <a:off x="4679459" y="0"/>
-            <a:ext cx="3164458" cy="6858000"/>
-          </a:xfrm>
-          <a:prstGeom prst="rect">
-            <a:avLst/>
-          </a:prstGeom>
-        </p:spPr>
-      </p:pic>
-      <p:sp>
-        <p:nvSpPr>
-          <p:cNvPr id="12" name="תיבת טקסט 11">
-            <a:extLst>
-              <a:ext uri="{FF2B5EF4-FFF2-40B4-BE49-F238E27FC236}">
-                <a16:creationId xmlns:a16="http://schemas.microsoft.com/office/drawing/2014/main" id="{92A3B002-A6CE-0505-5B23-63F94F121AFC}"/>
-              </a:ext>
-            </a:extLst>
-          </p:cNvPr>
-          <p:cNvSpPr txBox="1"/>
-          <p:nvPr/>
-        </p:nvSpPr>
-        <p:spPr>
-          <a:xfrm>
-            <a:off x="839476" y="593742"/>
-            <a:ext cx="6094520" cy="1200329"/>
-          </a:xfrm>
-          <a:prstGeom prst="rect">
-            <a:avLst/>
-          </a:prstGeom>
-          <a:noFill/>
-        </p:spPr>
-        <p:txBody>
-          <a:bodyPr wrap="square">
-            <a:spAutoFit/>
-          </a:bodyPr>
-          <a:lstStyle/>
-          <a:p>
-            <a:pPr marL="0" marR="0" lvl="0" indent="0" algn="l" defTabSz="457200" rtl="0" eaLnBrk="1" fontAlgn="auto" latinLnBrk="0" hangingPunct="1">
-              <a:lnSpc>
-                <a:spcPct val="100000"/>
-              </a:lnSpc>
-              <a:spcBef>
-                <a:spcPts val="0"/>
-              </a:spcBef>
-              <a:spcAft>
-                <a:spcPts val="0"/>
-              </a:spcAft>
-              <a:buClrTx/>
-              <a:buSzTx/>
-              <a:buFontTx/>
-              <a:buNone/>
-              <a:tabLst/>
-              <a:defRPr/>
-            </a:pPr>
-            <a:r>
-              <a:rPr kumimoji="0" lang="en-US" sz="3600" b="0" i="0" u="none" strike="noStrike" kern="1200" cap="none" spc="0" normalizeH="0" baseline="0" noProof="0" dirty="0">
-                <a:ln>
-                  <a:noFill/>
-                </a:ln>
-                <a:solidFill>
-                  <a:schemeClr val="bg1"/>
-                </a:solidFill>
-                <a:effectLst/>
-                <a:uLnTx/>
-                <a:uFillTx/>
-                <a:latin typeface="Century Gothic" panose="020B0502020202020204"/>
-                <a:ea typeface="+mn-ea"/>
-                <a:cs typeface="+mn-cs"/>
-              </a:rPr>
-              <a:t>Map screen- </a:t>
-            </a:r>
-          </a:p>
-          <a:p>
-            <a:pPr marL="0" marR="0" lvl="0" indent="0" algn="l" defTabSz="457200" rtl="0" eaLnBrk="1" fontAlgn="auto" latinLnBrk="0" hangingPunct="1">
-              <a:lnSpc>
-                <a:spcPct val="100000"/>
-              </a:lnSpc>
-              <a:spcBef>
-                <a:spcPts val="0"/>
-              </a:spcBef>
-              <a:spcAft>
-                <a:spcPts val="0"/>
-              </a:spcAft>
-              <a:buClrTx/>
-              <a:buSzTx/>
-              <a:buFontTx/>
-              <a:buNone/>
-              <a:tabLst/>
-              <a:defRPr/>
-            </a:pPr>
-            <a:r>
-              <a:rPr lang="en-US" sz="3600" dirty="0">
-                <a:solidFill>
-                  <a:schemeClr val="bg1"/>
-                </a:solidFill>
-                <a:latin typeface="Century Gothic" panose="020B0502020202020204"/>
-              </a:rPr>
-              <a:t>Admin</a:t>
-            </a:r>
-            <a:r>
-              <a:rPr kumimoji="0" lang="en-US" sz="3600" b="0" i="0" u="none" strike="noStrike" kern="1200" cap="none" spc="0" normalizeH="0" baseline="0" noProof="0" dirty="0">
-                <a:ln>
-                  <a:noFill/>
-                </a:ln>
-                <a:solidFill>
-                  <a:schemeClr val="bg1"/>
-                </a:solidFill>
-                <a:effectLst/>
-                <a:uLnTx/>
-                <a:uFillTx/>
-                <a:latin typeface="Century Gothic" panose="020B0502020202020204"/>
-                <a:ea typeface="+mn-ea"/>
-                <a:cs typeface="+mn-cs"/>
-              </a:rPr>
-              <a:t> user</a:t>
-            </a:r>
-            <a:endParaRPr kumimoji="0" lang="LID4096" sz="3600" b="0" i="0" u="none" strike="noStrike" kern="1200" cap="none" spc="0" normalizeH="0" baseline="0" noProof="0" dirty="0">
-              <a:ln>
-                <a:noFill/>
-              </a:ln>
-              <a:solidFill>
-                <a:schemeClr val="bg1"/>
-              </a:solidFill>
-              <a:effectLst/>
-              <a:uLnTx/>
-              <a:uFillTx/>
-              <a:latin typeface="Century Gothic" panose="020B0502020202020204"/>
-              <a:ea typeface="+mn-ea"/>
-              <a:cs typeface="+mn-cs"/>
-            </a:endParaRPr>
-          </a:p>
-        </p:txBody>
-      </p:sp>
-    </p:spTree>
-    <p:extLst>
-      <p:ext uri="{BB962C8B-B14F-4D97-AF65-F5344CB8AC3E}">
-        <p14:creationId xmlns:p14="http://schemas.microsoft.com/office/powerpoint/2010/main" val="2601404238"/>
-      </p:ext>
-    </p:extLst>
-  </p:cSld>
-  <p:clrMapOvr>
-    <a:masterClrMapping/>
-  </p:clrMapOvr>
-</p:sld>
-</file>
-
-<file path=ppt/slides/slide14.xml><?xml version="1.0" encoding="utf-8"?>
-<p:sld xmlns:a="http://schemas.openxmlformats.org/drawingml/2006/main" xmlns:r="http://schemas.openxmlformats.org/officeDocument/2006/relationships" xmlns:p="http://schemas.openxmlformats.org/presentationml/2006/main">
-  <p:cSld>
-    <p:spTree>
-      <p:nvGrpSpPr>
-        <p:cNvPr id="1" name=""/>
-        <p:cNvGrpSpPr/>
-        <p:nvPr/>
-      </p:nvGrpSpPr>
-      <p:grpSpPr>
-        <a:xfrm>
-          <a:off x="0" y="0"/>
-          <a:ext cx="0" cy="0"/>
-          <a:chOff x="0" y="0"/>
-          <a:chExt cx="0" cy="0"/>
-        </a:xfrm>
-      </p:grpSpPr>
-      <p:sp>
-        <p:nvSpPr>
-          <p:cNvPr id="2" name="כותרת 1">
-            <a:extLst>
-              <a:ext uri="{FF2B5EF4-FFF2-40B4-BE49-F238E27FC236}">
-                <a16:creationId xmlns:a16="http://schemas.microsoft.com/office/drawing/2014/main" id="{298DED83-0B80-453E-84E9-4AF65B7B7759}"/>
-              </a:ext>
-            </a:extLst>
-          </p:cNvPr>
-          <p:cNvSpPr>
-            <a:spLocks noGrp="1"/>
-          </p:cNvSpPr>
-          <p:nvPr>
-            <p:ph type="title"/>
-          </p:nvPr>
-        </p:nvSpPr>
-        <p:spPr>
-          <a:xfrm flipV="1">
-            <a:off x="5578636" y="-568960"/>
-            <a:ext cx="6034243" cy="1364488"/>
-          </a:xfrm>
-        </p:spPr>
-        <p:txBody>
-          <a:bodyPr/>
-          <a:lstStyle/>
-          <a:p>
-            <a:endParaRPr lang="LID4096" dirty="0"/>
-          </a:p>
-        </p:txBody>
-      </p:sp>
-      <p:pic>
-        <p:nvPicPr>
-          <p:cNvPr id="10" name="מציין מיקום תוכן 9">
-            <a:extLst>
-              <a:ext uri="{FF2B5EF4-FFF2-40B4-BE49-F238E27FC236}">
-                <a16:creationId xmlns:a16="http://schemas.microsoft.com/office/drawing/2014/main" id="{A857036E-3E63-663F-4B9D-E7371E8AC5A3}"/>
-              </a:ext>
-            </a:extLst>
-          </p:cNvPr>
-          <p:cNvPicPr>
-            <a:picLocks noGrp="1" noChangeAspect="1"/>
-          </p:cNvPicPr>
-          <p:nvPr>
-            <p:ph idx="1"/>
-          </p:nvPr>
-        </p:nvPicPr>
-        <p:blipFill>
-          <a:blip r:embed="rId2">
-            <a:extLst>
-              <a:ext uri="{28A0092B-C50C-407E-A947-70E740481C1C}">
-                <a14:useLocalDpi xmlns:a14="http://schemas.microsoft.com/office/drawing/2010/main" val="0"/>
-              </a:ext>
-            </a:extLst>
-          </a:blip>
-          <a:stretch>
-            <a:fillRect/>
-          </a:stretch>
-        </p:blipFill>
-        <p:spPr>
-          <a:xfrm>
-            <a:off x="4584193" y="0"/>
-            <a:ext cx="3164457" cy="6858000"/>
-          </a:xfrm>
-        </p:spPr>
-      </p:pic>
-      <p:sp>
-        <p:nvSpPr>
-          <p:cNvPr id="4" name="תיבת טקסט 3">
-            <a:extLst>
-              <a:ext uri="{FF2B5EF4-FFF2-40B4-BE49-F238E27FC236}">
-                <a16:creationId xmlns:a16="http://schemas.microsoft.com/office/drawing/2014/main" id="{C91369F9-3B16-24F3-875C-D087B33E53DA}"/>
-              </a:ext>
-            </a:extLst>
-          </p:cNvPr>
-          <p:cNvSpPr txBox="1"/>
-          <p:nvPr/>
-        </p:nvSpPr>
-        <p:spPr>
-          <a:xfrm>
-            <a:off x="538985" y="688062"/>
-            <a:ext cx="6094520" cy="1200329"/>
-          </a:xfrm>
-          <a:prstGeom prst="rect">
-            <a:avLst/>
-          </a:prstGeom>
-          <a:noFill/>
-        </p:spPr>
-        <p:txBody>
-          <a:bodyPr wrap="square">
-            <a:spAutoFit/>
-          </a:bodyPr>
-          <a:lstStyle/>
-          <a:p>
-            <a:r>
-              <a:rPr lang="en-US" sz="3600" dirty="0">
-                <a:solidFill>
-                  <a:schemeClr val="bg1"/>
-                </a:solidFill>
-              </a:rPr>
-              <a:t>Create a request</a:t>
-            </a:r>
-          </a:p>
-          <a:p>
-            <a:r>
-              <a:rPr lang="en-US" sz="3600" dirty="0">
-                <a:solidFill>
-                  <a:schemeClr val="bg1"/>
-                </a:solidFill>
-              </a:rPr>
-              <a:t>screen</a:t>
-            </a:r>
-            <a:endParaRPr lang="LID4096" sz="3600" dirty="0">
-              <a:solidFill>
-                <a:schemeClr val="bg1"/>
-              </a:solidFill>
-            </a:endParaRPr>
-          </a:p>
-        </p:txBody>
-      </p:sp>
-    </p:spTree>
-    <p:extLst>
-      <p:ext uri="{BB962C8B-B14F-4D97-AF65-F5344CB8AC3E}">
-        <p14:creationId xmlns:p14="http://schemas.microsoft.com/office/powerpoint/2010/main" val="721525763"/>
-      </p:ext>
-    </p:extLst>
-  </p:cSld>
-  <p:clrMapOvr>
-    <a:masterClrMapping/>
-  </p:clrMapOvr>
-</p:sld>
-</file>
-
-<file path=ppt/slides/slide15.xml><?xml version="1.0" encoding="utf-8"?>
-<p:sld xmlns:a="http://schemas.openxmlformats.org/drawingml/2006/main" xmlns:r="http://schemas.openxmlformats.org/officeDocument/2006/relationships" xmlns:p="http://schemas.openxmlformats.org/presentationml/2006/main">
-  <p:cSld>
-    <p:spTree>
-      <p:nvGrpSpPr>
-        <p:cNvPr id="1" name=""/>
-        <p:cNvGrpSpPr/>
-        <p:nvPr/>
-      </p:nvGrpSpPr>
-      <p:grpSpPr>
-        <a:xfrm>
-          <a:off x="0" y="0"/>
-          <a:ext cx="0" cy="0"/>
-          <a:chOff x="0" y="0"/>
-          <a:chExt cx="0" cy="0"/>
-        </a:xfrm>
-      </p:grpSpPr>
-      <p:sp>
-        <p:nvSpPr>
-          <p:cNvPr id="2" name="כותרת 1">
-            <a:extLst>
-              <a:ext uri="{FF2B5EF4-FFF2-40B4-BE49-F238E27FC236}">
-                <a16:creationId xmlns:a16="http://schemas.microsoft.com/office/drawing/2014/main" id="{298DED83-0B80-453E-84E9-4AF65B7B7759}"/>
-              </a:ext>
-            </a:extLst>
-          </p:cNvPr>
-          <p:cNvSpPr>
-            <a:spLocks noGrp="1"/>
-          </p:cNvSpPr>
-          <p:nvPr>
-            <p:ph type="title"/>
-          </p:nvPr>
-        </p:nvSpPr>
-        <p:spPr>
-          <a:xfrm flipV="1">
-            <a:off x="5578636" y="-568960"/>
-            <a:ext cx="6034243" cy="1364488"/>
-          </a:xfrm>
-        </p:spPr>
-        <p:txBody>
-          <a:bodyPr/>
-          <a:lstStyle/>
-          <a:p>
-            <a:endParaRPr lang="LID4096" dirty="0"/>
-          </a:p>
-        </p:txBody>
-      </p:sp>
-      <p:sp>
-        <p:nvSpPr>
-          <p:cNvPr id="6" name="מציין מיקום תוכן 5">
-            <a:extLst>
-              <a:ext uri="{FF2B5EF4-FFF2-40B4-BE49-F238E27FC236}">
-                <a16:creationId xmlns:a16="http://schemas.microsoft.com/office/drawing/2014/main" id="{EBD0E6B5-7FF3-D592-C675-0BEA3C99E187}"/>
-              </a:ext>
-            </a:extLst>
-          </p:cNvPr>
-          <p:cNvSpPr>
-            <a:spLocks noGrp="1"/>
-          </p:cNvSpPr>
-          <p:nvPr>
-            <p:ph idx="1"/>
-          </p:nvPr>
-        </p:nvSpPr>
-        <p:spPr/>
-        <p:txBody>
-          <a:bodyPr/>
-          <a:lstStyle/>
-          <a:p>
-            <a:endParaRPr lang="LID4096"/>
-          </a:p>
-        </p:txBody>
-      </p:sp>
-      <p:pic>
-        <p:nvPicPr>
-          <p:cNvPr id="4" name="תמונה 3" descr="תמונה שמכילה טקסט&#10;&#10;התיאור נוצר באופן אוטומטי">
-            <a:extLst>
-              <a:ext uri="{FF2B5EF4-FFF2-40B4-BE49-F238E27FC236}">
-                <a16:creationId xmlns:a16="http://schemas.microsoft.com/office/drawing/2014/main" id="{517FD576-9698-6795-C355-B3182938E184}"/>
-              </a:ext>
-            </a:extLst>
-          </p:cNvPr>
-          <p:cNvPicPr>
-            <a:picLocks noChangeAspect="1"/>
-          </p:cNvPicPr>
-          <p:nvPr/>
-        </p:nvPicPr>
-        <p:blipFill>
-          <a:blip r:embed="rId2">
-            <a:extLst>
-              <a:ext uri="{28A0092B-C50C-407E-A947-70E740481C1C}">
-                <a14:useLocalDpi xmlns:a14="http://schemas.microsoft.com/office/drawing/2010/main" val="0"/>
-              </a:ext>
-            </a:extLst>
-          </a:blip>
-          <a:stretch>
-            <a:fillRect/>
-          </a:stretch>
-        </p:blipFill>
-        <p:spPr>
-          <a:xfrm>
-            <a:off x="4757611" y="0"/>
-            <a:ext cx="3164458" cy="6858000"/>
-          </a:xfrm>
-          <a:prstGeom prst="rect">
-            <a:avLst/>
-          </a:prstGeom>
-        </p:spPr>
-      </p:pic>
-      <p:sp>
-        <p:nvSpPr>
-          <p:cNvPr id="5" name="תיבת טקסט 4">
-            <a:extLst>
-              <a:ext uri="{FF2B5EF4-FFF2-40B4-BE49-F238E27FC236}">
-                <a16:creationId xmlns:a16="http://schemas.microsoft.com/office/drawing/2014/main" id="{5760EB4A-51E7-9005-2F4D-CF36762D1F62}"/>
-              </a:ext>
-            </a:extLst>
-          </p:cNvPr>
-          <p:cNvSpPr txBox="1"/>
-          <p:nvPr/>
-        </p:nvSpPr>
-        <p:spPr>
-          <a:xfrm>
-            <a:off x="499369" y="564694"/>
-            <a:ext cx="6094520" cy="1200329"/>
-          </a:xfrm>
-          <a:prstGeom prst="rect">
-            <a:avLst/>
-          </a:prstGeom>
-          <a:noFill/>
-        </p:spPr>
-        <p:txBody>
-          <a:bodyPr wrap="square">
-            <a:spAutoFit/>
-          </a:bodyPr>
-          <a:lstStyle/>
-          <a:p>
-            <a:r>
-              <a:rPr lang="en-US" sz="3600" dirty="0">
-                <a:solidFill>
-                  <a:schemeClr val="bg1"/>
-                </a:solidFill>
-              </a:rPr>
-              <a:t>View list of user’s</a:t>
-            </a:r>
-          </a:p>
-          <a:p>
-            <a:r>
-              <a:rPr lang="en-US" sz="3600" dirty="0">
-                <a:solidFill>
-                  <a:schemeClr val="bg1"/>
-                </a:solidFill>
-              </a:rPr>
-              <a:t>requests screen</a:t>
-            </a:r>
-            <a:endParaRPr lang="LID4096" sz="3600" dirty="0">
-              <a:solidFill>
-                <a:schemeClr val="bg1"/>
-              </a:solidFill>
-            </a:endParaRPr>
-          </a:p>
-        </p:txBody>
-      </p:sp>
-    </p:spTree>
-    <p:extLst>
-      <p:ext uri="{BB962C8B-B14F-4D97-AF65-F5344CB8AC3E}">
-        <p14:creationId xmlns:p14="http://schemas.microsoft.com/office/powerpoint/2010/main" val="2847052133"/>
-      </p:ext>
-    </p:extLst>
-  </p:cSld>
-  <p:clrMapOvr>
-    <a:masterClrMapping/>
-  </p:clrMapOvr>
-</p:sld>
-</file>
-
-<file path=ppt/slides/slide16.xml><?xml version="1.0" encoding="utf-8"?>
-<p:sld xmlns:a="http://schemas.openxmlformats.org/drawingml/2006/main" xmlns:r="http://schemas.openxmlformats.org/officeDocument/2006/relationships" xmlns:p="http://schemas.openxmlformats.org/presentationml/2006/main">
-  <p:cSld>
-    <p:spTree>
-      <p:nvGrpSpPr>
-        <p:cNvPr id="1" name=""/>
-        <p:cNvGrpSpPr/>
-        <p:nvPr/>
-      </p:nvGrpSpPr>
-      <p:grpSpPr>
-        <a:xfrm>
-          <a:off x="0" y="0"/>
-          <a:ext cx="0" cy="0"/>
-          <a:chOff x="0" y="0"/>
-          <a:chExt cx="0" cy="0"/>
-        </a:xfrm>
-      </p:grpSpPr>
-      <p:sp>
-        <p:nvSpPr>
-          <p:cNvPr id="2" name="כותרת 1">
-            <a:extLst>
-              <a:ext uri="{FF2B5EF4-FFF2-40B4-BE49-F238E27FC236}">
-                <a16:creationId xmlns:a16="http://schemas.microsoft.com/office/drawing/2014/main" id="{298DED83-0B80-453E-84E9-4AF65B7B7759}"/>
-              </a:ext>
-            </a:extLst>
-          </p:cNvPr>
-          <p:cNvSpPr>
-            <a:spLocks noGrp="1"/>
-          </p:cNvSpPr>
-          <p:nvPr>
-            <p:ph type="title"/>
-          </p:nvPr>
-        </p:nvSpPr>
-        <p:spPr>
-          <a:xfrm flipV="1">
-            <a:off x="5578636" y="-568960"/>
-            <a:ext cx="6034243" cy="1364488"/>
-          </a:xfrm>
-        </p:spPr>
-        <p:txBody>
-          <a:bodyPr/>
-          <a:lstStyle/>
-          <a:p>
-            <a:endParaRPr lang="LID4096" dirty="0"/>
-          </a:p>
-        </p:txBody>
-      </p:sp>
-      <p:pic>
-        <p:nvPicPr>
-          <p:cNvPr id="5" name="מציין מיקום תוכן 4" descr="תמונה שמכילה טקסט&#10;&#10;התיאור נוצר באופן אוטומטי">
-            <a:extLst>
-              <a:ext uri="{FF2B5EF4-FFF2-40B4-BE49-F238E27FC236}">
-                <a16:creationId xmlns:a16="http://schemas.microsoft.com/office/drawing/2014/main" id="{BD2D096A-B842-A660-3DD8-A9F1DBCFEE2B}"/>
-              </a:ext>
-            </a:extLst>
-          </p:cNvPr>
-          <p:cNvPicPr>
-            <a:picLocks noGrp="1" noChangeAspect="1"/>
-          </p:cNvPicPr>
-          <p:nvPr>
-            <p:ph idx="1"/>
-          </p:nvPr>
-        </p:nvPicPr>
-        <p:blipFill>
-          <a:blip r:embed="rId2">
-            <a:extLst>
-              <a:ext uri="{28A0092B-C50C-407E-A947-70E740481C1C}">
-                <a14:useLocalDpi xmlns:a14="http://schemas.microsoft.com/office/drawing/2010/main" val="0"/>
-              </a:ext>
-            </a:extLst>
-          </a:blip>
-          <a:stretch>
-            <a:fillRect/>
-          </a:stretch>
-        </p:blipFill>
-        <p:spPr>
-          <a:xfrm>
-            <a:off x="4724406" y="-1"/>
-            <a:ext cx="3117349" cy="6755907"/>
-          </a:xfrm>
-        </p:spPr>
-      </p:pic>
-      <p:sp>
-        <p:nvSpPr>
-          <p:cNvPr id="4" name="תיבת טקסט 3">
-            <a:extLst>
-              <a:ext uri="{FF2B5EF4-FFF2-40B4-BE49-F238E27FC236}">
-                <a16:creationId xmlns:a16="http://schemas.microsoft.com/office/drawing/2014/main" id="{CD642AD4-13A3-5059-BF92-5AEEE38DEF97}"/>
-              </a:ext>
-            </a:extLst>
-          </p:cNvPr>
-          <p:cNvSpPr txBox="1"/>
-          <p:nvPr/>
-        </p:nvSpPr>
-        <p:spPr>
-          <a:xfrm>
-            <a:off x="845599" y="593869"/>
-            <a:ext cx="6094520" cy="1200329"/>
-          </a:xfrm>
-          <a:prstGeom prst="rect">
-            <a:avLst/>
-          </a:prstGeom>
-          <a:noFill/>
-        </p:spPr>
-        <p:txBody>
-          <a:bodyPr wrap="square">
-            <a:spAutoFit/>
-          </a:bodyPr>
-          <a:lstStyle/>
-          <a:p>
-            <a:r>
-              <a:rPr lang="en-US" sz="3600" dirty="0">
-                <a:solidFill>
-                  <a:schemeClr val="bg1"/>
-                </a:solidFill>
-              </a:rPr>
-              <a:t>View users</a:t>
-            </a:r>
-          </a:p>
-          <a:p>
-            <a:r>
-              <a:rPr lang="en-US" sz="3600" dirty="0">
-                <a:solidFill>
-                  <a:schemeClr val="bg1"/>
-                </a:solidFill>
-              </a:rPr>
-              <a:t> list screen</a:t>
-            </a:r>
-            <a:endParaRPr lang="LID4096" sz="3600" dirty="0">
-              <a:solidFill>
-                <a:schemeClr val="bg1"/>
-              </a:solidFill>
-            </a:endParaRPr>
-          </a:p>
-        </p:txBody>
-      </p:sp>
-    </p:spTree>
-    <p:extLst>
-      <p:ext uri="{BB962C8B-B14F-4D97-AF65-F5344CB8AC3E}">
-        <p14:creationId xmlns:p14="http://schemas.microsoft.com/office/powerpoint/2010/main" val="48963777"/>
-      </p:ext>
-    </p:extLst>
-  </p:cSld>
-  <p:clrMapOvr>
-    <a:masterClrMapping/>
-  </p:clrMapOvr>
-</p:sld>
-</file>
-
-<file path=ppt/slides/slide17.xml><?xml version="1.0" encoding="utf-8"?>
-<p:sld xmlns:a="http://schemas.openxmlformats.org/drawingml/2006/main" xmlns:r="http://schemas.openxmlformats.org/officeDocument/2006/relationships" xmlns:p="http://schemas.openxmlformats.org/presentationml/2006/main">
-  <p:cSld>
-    <p:spTree>
-      <p:nvGrpSpPr>
-        <p:cNvPr id="1" name=""/>
-        <p:cNvGrpSpPr/>
-        <p:nvPr/>
-      </p:nvGrpSpPr>
-      <p:grpSpPr>
-        <a:xfrm>
-          <a:off x="0" y="0"/>
-          <a:ext cx="0" cy="0"/>
-          <a:chOff x="0" y="0"/>
-          <a:chExt cx="0" cy="0"/>
-        </a:xfrm>
-      </p:grpSpPr>
-      <p:sp>
-        <p:nvSpPr>
-          <p:cNvPr id="2" name="כותרת 1">
-            <a:extLst>
-              <a:ext uri="{FF2B5EF4-FFF2-40B4-BE49-F238E27FC236}">
-                <a16:creationId xmlns:a16="http://schemas.microsoft.com/office/drawing/2014/main" id="{298DED83-0B80-453E-84E9-4AF65B7B7759}"/>
-              </a:ext>
-            </a:extLst>
-          </p:cNvPr>
-          <p:cNvSpPr>
-            <a:spLocks noGrp="1"/>
-          </p:cNvSpPr>
-          <p:nvPr>
-            <p:ph type="title"/>
-          </p:nvPr>
-        </p:nvSpPr>
-        <p:spPr>
-          <a:xfrm flipV="1">
-            <a:off x="5578636" y="-568960"/>
-            <a:ext cx="6034243" cy="1364488"/>
-          </a:xfrm>
-        </p:spPr>
-        <p:txBody>
-          <a:bodyPr/>
-          <a:lstStyle/>
-          <a:p>
-            <a:endParaRPr lang="LID4096" dirty="0"/>
-          </a:p>
-        </p:txBody>
-      </p:sp>
-      <p:pic>
-        <p:nvPicPr>
-          <p:cNvPr id="7" name="מציין מיקום תוכן 6" descr="תמונה שמכילה שולחן&#10;&#10;התיאור נוצר באופן אוטומטי">
-            <a:extLst>
-              <a:ext uri="{FF2B5EF4-FFF2-40B4-BE49-F238E27FC236}">
-                <a16:creationId xmlns:a16="http://schemas.microsoft.com/office/drawing/2014/main" id="{FC924BBD-3496-C46B-DC63-979522A72462}"/>
-              </a:ext>
-            </a:extLst>
-          </p:cNvPr>
-          <p:cNvPicPr>
-            <a:picLocks noGrp="1" noChangeAspect="1"/>
-          </p:cNvPicPr>
-          <p:nvPr>
-            <p:ph idx="1"/>
-          </p:nvPr>
-        </p:nvPicPr>
-        <p:blipFill>
-          <a:blip r:embed="rId2">
-            <a:extLst>
-              <a:ext uri="{28A0092B-C50C-407E-A947-70E740481C1C}">
-                <a14:useLocalDpi xmlns:a14="http://schemas.microsoft.com/office/drawing/2010/main" val="0"/>
-              </a:ext>
-            </a:extLst>
-          </a:blip>
-          <a:stretch>
-            <a:fillRect/>
-          </a:stretch>
-        </p:blipFill>
-        <p:spPr>
-          <a:xfrm>
-            <a:off x="4648257" y="0"/>
-            <a:ext cx="3164457" cy="6858000"/>
-          </a:xfrm>
-        </p:spPr>
-      </p:pic>
       <p:sp>
         <p:nvSpPr>
           <p:cNvPr id="4" name="תיבת טקסט 3">
@@ -19838,7 +18745,7 @@
                   <a:schemeClr val="bg1"/>
                 </a:solidFill>
               </a:rPr>
-              <a:t> screen’s top</a:t>
+              <a:t> screen</a:t>
             </a:r>
             <a:endParaRPr lang="LID4096" sz="3600" dirty="0">
               <a:solidFill>
@@ -19848,6 +18755,65 @@
           </a:p>
         </p:txBody>
       </p:sp>
+      <p:pic>
+        <p:nvPicPr>
+          <p:cNvPr id="11" name="מציין מיקום תוכן 10">
+            <a:extLst>
+              <a:ext uri="{FF2B5EF4-FFF2-40B4-BE49-F238E27FC236}">
+                <a16:creationId xmlns:a16="http://schemas.microsoft.com/office/drawing/2014/main" id="{70DC2AED-7A54-062C-90D0-1B061AC8CF6D}"/>
+              </a:ext>
+            </a:extLst>
+          </p:cNvPr>
+          <p:cNvPicPr>
+            <a:picLocks noGrp="1" noChangeAspect="1"/>
+          </p:cNvPicPr>
+          <p:nvPr>
+            <p:ph idx="1"/>
+          </p:nvPr>
+        </p:nvPicPr>
+        <p:blipFill>
+          <a:blip r:embed="rId2"/>
+          <a:stretch>
+            <a:fillRect/>
+          </a:stretch>
+        </p:blipFill>
+        <p:spPr>
+          <a:xfrm>
+            <a:off x="8421681" y="64324"/>
+            <a:ext cx="3119736" cy="6568361"/>
+          </a:xfrm>
+        </p:spPr>
+      </p:pic>
+      <p:pic>
+        <p:nvPicPr>
+          <p:cNvPr id="9" name="תמונה 8">
+            <a:extLst>
+              <a:ext uri="{FF2B5EF4-FFF2-40B4-BE49-F238E27FC236}">
+                <a16:creationId xmlns:a16="http://schemas.microsoft.com/office/drawing/2014/main" id="{901A22AA-6602-9330-100E-BEDB250B73B3}"/>
+              </a:ext>
+            </a:extLst>
+          </p:cNvPr>
+          <p:cNvPicPr>
+            <a:picLocks noChangeAspect="1"/>
+          </p:cNvPicPr>
+          <p:nvPr/>
+        </p:nvPicPr>
+        <p:blipFill>
+          <a:blip r:embed="rId3"/>
+          <a:stretch>
+            <a:fillRect/>
+          </a:stretch>
+        </p:blipFill>
+        <p:spPr>
+          <a:xfrm>
+            <a:off x="4806424" y="0"/>
+            <a:ext cx="3543795" cy="6697010"/>
+          </a:xfrm>
+          <a:prstGeom prst="rect">
+            <a:avLst/>
+          </a:prstGeom>
+        </p:spPr>
+      </p:pic>
     </p:spTree>
     <p:extLst>
       <p:ext uri="{BB962C8B-B14F-4D97-AF65-F5344CB8AC3E}">
@@ -19861,7 +18827,7 @@
 </p:sld>
 </file>
 
-<file path=ppt/slides/slide18.xml><?xml version="1.0" encoding="utf-8"?>
+<file path=ppt/slides/slide13.xml><?xml version="1.0" encoding="utf-8"?>
 <p:sld xmlns:a="http://schemas.openxmlformats.org/drawingml/2006/main" xmlns:r="http://schemas.openxmlformats.org/officeDocument/2006/relationships" xmlns:p="http://schemas.openxmlformats.org/presentationml/2006/main">
   <p:cSld>
     <p:spTree>
@@ -19880,71 +18846,6 @@
       </p:grpSpPr>
       <p:sp>
         <p:nvSpPr>
-          <p:cNvPr id="2" name="כותרת 1">
-            <a:extLst>
-              <a:ext uri="{FF2B5EF4-FFF2-40B4-BE49-F238E27FC236}">
-                <a16:creationId xmlns:a16="http://schemas.microsoft.com/office/drawing/2014/main" id="{298DED83-0B80-453E-84E9-4AF65B7B7759}"/>
-              </a:ext>
-            </a:extLst>
-          </p:cNvPr>
-          <p:cNvSpPr>
-            <a:spLocks noGrp="1"/>
-          </p:cNvSpPr>
-          <p:nvPr>
-            <p:ph type="title"/>
-          </p:nvPr>
-        </p:nvSpPr>
-        <p:spPr>
-          <a:xfrm flipV="1">
-            <a:off x="5578636" y="-568960"/>
-            <a:ext cx="6034243" cy="1364488"/>
-          </a:xfrm>
-        </p:spPr>
-        <p:txBody>
-          <a:bodyPr/>
-          <a:lstStyle/>
-          <a:p>
-            <a:endParaRPr lang="LID4096" dirty="0"/>
-          </a:p>
-        </p:txBody>
-      </p:sp>
-      <p:pic>
-        <p:nvPicPr>
-          <p:cNvPr id="6" name="מציין מיקום תוכן 5">
-            <a:extLst>
-              <a:ext uri="{FF2B5EF4-FFF2-40B4-BE49-F238E27FC236}">
-                <a16:creationId xmlns:a16="http://schemas.microsoft.com/office/drawing/2014/main" id="{4455BCE7-7F26-8E51-2C8F-B131442D045E}"/>
-              </a:ext>
-            </a:extLst>
-          </p:cNvPr>
-          <p:cNvPicPr>
-            <a:picLocks noGrp="1" noChangeAspect="1"/>
-          </p:cNvPicPr>
-          <p:nvPr>
-            <p:ph idx="1"/>
-          </p:nvPr>
-        </p:nvPicPr>
-        <p:blipFill>
-          <a:blip r:embed="rId2">
-            <a:extLst>
-              <a:ext uri="{28A0092B-C50C-407E-A947-70E740481C1C}">
-                <a14:useLocalDpi xmlns:a14="http://schemas.microsoft.com/office/drawing/2010/main" val="0"/>
-              </a:ext>
-            </a:extLst>
-          </a:blip>
-          <a:stretch>
-            <a:fillRect/>
-          </a:stretch>
-        </p:blipFill>
-        <p:spPr>
-          <a:xfrm>
-            <a:off x="4770444" y="0"/>
-            <a:ext cx="3164457" cy="6858000"/>
-          </a:xfrm>
-        </p:spPr>
-      </p:pic>
-      <p:sp>
-        <p:nvSpPr>
           <p:cNvPr id="4" name="תיבת טקסט 3">
             <a:extLst>
               <a:ext uri="{FF2B5EF4-FFF2-40B4-BE49-F238E27FC236}">
@@ -19958,7 +18859,7 @@
         <p:spPr>
           <a:xfrm>
             <a:off x="454979" y="513972"/>
-            <a:ext cx="6094520" cy="1200329"/>
+            <a:ext cx="6094520" cy="646331"/>
           </a:xfrm>
           <a:prstGeom prst="rect">
             <a:avLst/>
@@ -19977,17 +18878,7 @@
                   <a:schemeClr val="bg1"/>
                 </a:solidFill>
               </a:rPr>
-              <a:t>View request</a:t>
-            </a:r>
-          </a:p>
-          <a:p>
-            <a:r>
-              <a:rPr lang="en-US" sz="3600" dirty="0">
-                <a:solidFill>
-                  <a:schemeClr val="bg1"/>
-                </a:solidFill>
-              </a:rPr>
-              <a:t>Screen’s bottom</a:t>
+              <a:t>Notification icon</a:t>
             </a:r>
             <a:endParaRPr lang="LID4096" sz="3600" dirty="0">
               <a:solidFill>
@@ -19997,15 +18888,1462 @@
           </a:p>
         </p:txBody>
       </p:sp>
+      <p:sp>
+        <p:nvSpPr>
+          <p:cNvPr id="5" name="מציין מיקום תוכן 4">
+            <a:extLst>
+              <a:ext uri="{FF2B5EF4-FFF2-40B4-BE49-F238E27FC236}">
+                <a16:creationId xmlns:a16="http://schemas.microsoft.com/office/drawing/2014/main" id="{615DF8B3-3D25-CB75-4EA3-B730B091AA9D}"/>
+              </a:ext>
+            </a:extLst>
+          </p:cNvPr>
+          <p:cNvSpPr>
+            <a:spLocks noGrp="1"/>
+          </p:cNvSpPr>
+          <p:nvPr>
+            <p:ph idx="1"/>
+          </p:nvPr>
+        </p:nvSpPr>
+        <p:spPr/>
+        <p:txBody>
+          <a:bodyPr/>
+          <a:lstStyle/>
+          <a:p>
+            <a:endParaRPr lang="LID4096"/>
+          </a:p>
+        </p:txBody>
+      </p:sp>
+      <p:grpSp>
+        <p:nvGrpSpPr>
+          <p:cNvPr id="10" name="קבוצה 9">
+            <a:extLst>
+              <a:ext uri="{FF2B5EF4-FFF2-40B4-BE49-F238E27FC236}">
+                <a16:creationId xmlns:a16="http://schemas.microsoft.com/office/drawing/2014/main" id="{DC6675C0-05C0-3594-3649-7D066F8C3E9A}"/>
+              </a:ext>
+            </a:extLst>
+          </p:cNvPr>
+          <p:cNvGrpSpPr/>
+          <p:nvPr/>
+        </p:nvGrpSpPr>
+        <p:grpSpPr>
+          <a:xfrm>
+            <a:off x="7176396" y="48133"/>
+            <a:ext cx="388440" cy="224280"/>
+            <a:chOff x="7176396" y="48133"/>
+            <a:chExt cx="388440" cy="224280"/>
+          </a:xfrm>
+        </p:grpSpPr>
+        <mc:AlternateContent xmlns:mc="http://schemas.openxmlformats.org/markup-compatibility/2006" xmlns:p14="http://schemas.microsoft.com/office/powerpoint/2010/main">
+          <mc:Choice Requires="p14">
+            <p:contentPart p14:bwMode="auto" r:id="rId2">
+              <p14:nvContentPartPr>
+                <p14:cNvPr id="8" name="דיו 7">
+                  <a:extLst>
+                    <a:ext uri="{FF2B5EF4-FFF2-40B4-BE49-F238E27FC236}">
+                      <a16:creationId xmlns:a16="http://schemas.microsoft.com/office/drawing/2014/main" id="{1174EB30-DDC0-DD92-66FF-1B7BE6E15133}"/>
+                    </a:ext>
+                  </a:extLst>
+                </p14:cNvPr>
+                <p14:cNvContentPartPr/>
+                <p14:nvPr/>
+              </p14:nvContentPartPr>
+              <p14:xfrm>
+                <a:off x="7290156" y="162973"/>
+                <a:ext cx="274680" cy="109440"/>
+              </p14:xfrm>
+            </p:contentPart>
+          </mc:Choice>
+          <mc:Fallback xmlns="">
+            <p:pic>
+              <p:nvPicPr>
+                <p:cNvPr id="8" name="דיו 7">
+                  <a:extLst>
+                    <a:ext uri="{FF2B5EF4-FFF2-40B4-BE49-F238E27FC236}">
+                      <a16:creationId xmlns:a16="http://schemas.microsoft.com/office/drawing/2014/main" id="{1174EB30-DDC0-DD92-66FF-1B7BE6E15133}"/>
+                    </a:ext>
+                  </a:extLst>
+                </p:cNvPr>
+                <p:cNvPicPr/>
+                <p:nvPr/>
+              </p:nvPicPr>
+              <p:blipFill>
+                <a:blip r:embed="rId4"/>
+                <a:stretch>
+                  <a:fillRect/>
+                </a:stretch>
+              </p:blipFill>
+              <p:spPr>
+                <a:xfrm>
+                  <a:off x="7281156" y="154333"/>
+                  <a:ext cx="292320" cy="127080"/>
+                </a:xfrm>
+                <a:prstGeom prst="rect">
+                  <a:avLst/>
+                </a:prstGeom>
+              </p:spPr>
+            </p:pic>
+          </mc:Fallback>
+        </mc:AlternateContent>
+        <mc:AlternateContent xmlns:mc="http://schemas.openxmlformats.org/markup-compatibility/2006" xmlns:p14="http://schemas.microsoft.com/office/powerpoint/2010/main">
+          <mc:Choice Requires="p14">
+            <p:contentPart p14:bwMode="auto" r:id="rId5">
+              <p14:nvContentPartPr>
+                <p14:cNvPr id="9" name="דיו 8">
+                  <a:extLst>
+                    <a:ext uri="{FF2B5EF4-FFF2-40B4-BE49-F238E27FC236}">
+                      <a16:creationId xmlns:a16="http://schemas.microsoft.com/office/drawing/2014/main" id="{F0256D80-F4B6-9325-1ED0-7D4FE2CB9198}"/>
+                    </a:ext>
+                  </a:extLst>
+                </p14:cNvPr>
+                <p14:cNvContentPartPr/>
+                <p14:nvPr/>
+              </p14:nvContentPartPr>
+              <p14:xfrm>
+                <a:off x="7176396" y="48133"/>
+                <a:ext cx="385920" cy="133200"/>
+              </p14:xfrm>
+            </p:contentPart>
+          </mc:Choice>
+          <mc:Fallback xmlns="">
+            <p:pic>
+              <p:nvPicPr>
+                <p:cNvPr id="9" name="דיו 8">
+                  <a:extLst>
+                    <a:ext uri="{FF2B5EF4-FFF2-40B4-BE49-F238E27FC236}">
+                      <a16:creationId xmlns:a16="http://schemas.microsoft.com/office/drawing/2014/main" id="{F0256D80-F4B6-9325-1ED0-7D4FE2CB9198}"/>
+                    </a:ext>
+                  </a:extLst>
+                </p:cNvPr>
+                <p:cNvPicPr/>
+                <p:nvPr/>
+              </p:nvPicPr>
+              <p:blipFill>
+                <a:blip r:embed="rId6"/>
+                <a:stretch>
+                  <a:fillRect/>
+                </a:stretch>
+              </p:blipFill>
+              <p:spPr>
+                <a:xfrm>
+                  <a:off x="7167756" y="39133"/>
+                  <a:ext cx="403560" cy="150840"/>
+                </a:xfrm>
+                <a:prstGeom prst="rect">
+                  <a:avLst/>
+                </a:prstGeom>
+              </p:spPr>
+            </p:pic>
+          </mc:Fallback>
+        </mc:AlternateContent>
+      </p:grpSp>
+      <p:pic>
+        <p:nvPicPr>
+          <p:cNvPr id="6" name="תמונה 5">
+            <a:extLst>
+              <a:ext uri="{FF2B5EF4-FFF2-40B4-BE49-F238E27FC236}">
+                <a16:creationId xmlns:a16="http://schemas.microsoft.com/office/drawing/2014/main" id="{1E5851F0-3EE9-0255-8E40-F18E5F0686DB}"/>
+              </a:ext>
+            </a:extLst>
+          </p:cNvPr>
+          <p:cNvPicPr>
+            <a:picLocks noChangeAspect="1"/>
+          </p:cNvPicPr>
+          <p:nvPr/>
+        </p:nvPicPr>
+        <p:blipFill>
+          <a:blip r:embed="rId7"/>
+          <a:stretch>
+            <a:fillRect/>
+          </a:stretch>
+        </p:blipFill>
+        <p:spPr>
+          <a:xfrm>
+            <a:off x="3680446" y="2603500"/>
+            <a:ext cx="5738105" cy="1356986"/>
+          </a:xfrm>
+          <a:prstGeom prst="rect">
+            <a:avLst/>
+          </a:prstGeom>
+        </p:spPr>
+      </p:pic>
     </p:spTree>
     <p:extLst>
       <p:ext uri="{BB962C8B-B14F-4D97-AF65-F5344CB8AC3E}">
-        <p14:creationId xmlns:p14="http://schemas.microsoft.com/office/powerpoint/2010/main" val="1040280705"/>
+        <p14:creationId xmlns:p14="http://schemas.microsoft.com/office/powerpoint/2010/main" val="3020106907"/>
       </p:ext>
     </p:extLst>
   </p:cSld>
   <p:clrMapOvr>
     <a:masterClrMapping/>
+  </p:clrMapOvr>
+</p:sld>
+</file>
+
+<file path=ppt/slides/slide14.xml><?xml version="1.0" encoding="utf-8"?>
+<p:sld xmlns:a="http://schemas.openxmlformats.org/drawingml/2006/main" xmlns:r="http://schemas.openxmlformats.org/officeDocument/2006/relationships" xmlns:p="http://schemas.openxmlformats.org/presentationml/2006/main">
+  <p:cSld>
+    <p:bg>
+      <p:bgPr>
+        <a:solidFill>
+          <a:schemeClr val="bg1"/>
+        </a:solidFill>
+        <a:effectLst/>
+      </p:bgPr>
+    </p:bg>
+    <p:spTree>
+      <p:nvGrpSpPr>
+        <p:cNvPr id="1" name=""/>
+        <p:cNvGrpSpPr/>
+        <p:nvPr/>
+      </p:nvGrpSpPr>
+      <p:grpSpPr>
+        <a:xfrm>
+          <a:off x="0" y="0"/>
+          <a:ext cx="0" cy="0"/>
+          <a:chOff x="0" y="0"/>
+          <a:chExt cx="0" cy="0"/>
+        </a:xfrm>
+      </p:grpSpPr>
+      <p:sp>
+        <p:nvSpPr>
+          <p:cNvPr id="38" name="Rectangle 37">
+            <a:extLst>
+              <a:ext uri="{FF2B5EF4-FFF2-40B4-BE49-F238E27FC236}">
+                <a16:creationId xmlns:a16="http://schemas.microsoft.com/office/drawing/2014/main" id="{643780CE-2BE5-46F6-97B2-60DF30217ED3}"/>
+              </a:ext>
+              <a:ext uri="{C183D7F6-B498-43B3-948B-1728B52AA6E4}">
+                <adec:decorative xmlns:adec="http://schemas.microsoft.com/office/drawing/2017/decorative" val="1"/>
+              </a:ext>
+            </a:extLst>
+          </p:cNvPr>
+          <p:cNvSpPr>
+            <a:spLocks noGrp="1" noRot="1" noChangeAspect="1" noMove="1" noResize="1" noEditPoints="1" noAdjustHandles="1" noChangeArrowheads="1" noChangeShapeType="1" noTextEdit="1"/>
+          </p:cNvSpPr>
+          <p:nvPr>
+            <p:extLst>
+              <p:ext uri="{386F3935-93C4-4BCD-93E2-E3B085C9AB24}">
+                <p16:designElem xmlns:p16="http://schemas.microsoft.com/office/powerpoint/2015/main" val="1"/>
+              </p:ext>
+            </p:extLst>
+          </p:nvPr>
+        </p:nvSpPr>
+        <p:spPr>
+          <a:xfrm>
+            <a:off x="0" y="0"/>
+            <a:ext cx="12192000" cy="6858000"/>
+          </a:xfrm>
+          <a:prstGeom prst="rect">
+            <a:avLst/>
+          </a:prstGeom>
+          <a:ln>
+            <a:noFill/>
+          </a:ln>
+        </p:spPr>
+        <p:style>
+          <a:lnRef idx="2">
+            <a:schemeClr val="accent1">
+              <a:shade val="50000"/>
+            </a:schemeClr>
+          </a:lnRef>
+          <a:fillRef idx="1003">
+            <a:schemeClr val="dk2"/>
+          </a:fillRef>
+          <a:effectRef idx="0">
+            <a:schemeClr val="accent1"/>
+          </a:effectRef>
+          <a:fontRef idx="minor">
+            <a:schemeClr val="lt1"/>
+          </a:fontRef>
+        </p:style>
+      </p:sp>
+      <p:sp>
+        <p:nvSpPr>
+          <p:cNvPr id="40" name="Freeform: Shape 39">
+            <a:extLst>
+              <a:ext uri="{FF2B5EF4-FFF2-40B4-BE49-F238E27FC236}">
+                <a16:creationId xmlns:a16="http://schemas.microsoft.com/office/drawing/2014/main" id="{61A87A49-68E6-459E-A5A6-46229FF42125}"/>
+              </a:ext>
+              <a:ext uri="{C183D7F6-B498-43B3-948B-1728B52AA6E4}">
+                <adec:decorative xmlns:adec="http://schemas.microsoft.com/office/drawing/2017/decorative" val="1"/>
+              </a:ext>
+            </a:extLst>
+          </p:cNvPr>
+          <p:cNvSpPr>
+            <a:spLocks noGrp="1" noRot="1" noChangeAspect="1" noMove="1" noResize="1" noEditPoints="1" noAdjustHandles="1" noChangeArrowheads="1" noChangeShapeType="1" noTextEdit="1"/>
+          </p:cNvSpPr>
+          <p:nvPr>
+            <p:extLst>
+              <p:ext uri="{386F3935-93C4-4BCD-93E2-E3B085C9AB24}">
+                <p16:designElem xmlns:p16="http://schemas.microsoft.com/office/powerpoint/2015/main" val="1"/>
+              </p:ext>
+            </p:extLst>
+          </p:nvPr>
+        </p:nvSpPr>
+        <p:spPr bwMode="gray">
+          <a:xfrm rot="16200000">
+            <a:off x="5171964" y="-140866"/>
+            <a:ext cx="6053670" cy="7139732"/>
+          </a:xfrm>
+          <a:custGeom>
+            <a:avLst/>
+            <a:gdLst>
+              <a:gd name="connsiteX0" fmla="*/ 6053670 w 6053670"/>
+              <a:gd name="connsiteY0" fmla="*/ 1098 h 7139732"/>
+              <a:gd name="connsiteX1" fmla="*/ 6053670 w 6053670"/>
+              <a:gd name="connsiteY1" fmla="*/ 1084479 h 7139732"/>
+              <a:gd name="connsiteX2" fmla="*/ 6053670 w 6053670"/>
+              <a:gd name="connsiteY2" fmla="*/ 1254558 h 7139732"/>
+              <a:gd name="connsiteX3" fmla="*/ 6053670 w 6053670"/>
+              <a:gd name="connsiteY3" fmla="*/ 7139732 h 7139732"/>
+              <a:gd name="connsiteX4" fmla="*/ 0 w 6053670"/>
+              <a:gd name="connsiteY4" fmla="*/ 7139732 h 7139732"/>
+              <a:gd name="connsiteX5" fmla="*/ 0 w 6053670"/>
+              <a:gd name="connsiteY5" fmla="*/ 1249853 h 7139732"/>
+              <a:gd name="connsiteX6" fmla="*/ 0 w 6053670"/>
+              <a:gd name="connsiteY6" fmla="*/ 1084479 h 7139732"/>
+              <a:gd name="connsiteX7" fmla="*/ 0 w 6053670"/>
+              <a:gd name="connsiteY7" fmla="*/ 0 h 7139732"/>
+              <a:gd name="connsiteX8" fmla="*/ 35717 w 6053670"/>
+              <a:gd name="connsiteY8" fmla="*/ 5488 h 7139732"/>
+              <a:gd name="connsiteX9" fmla="*/ 140445 w 6053670"/>
+              <a:gd name="connsiteY9" fmla="*/ 21641 h 7139732"/>
+              <a:gd name="connsiteX10" fmla="*/ 216722 w 6053670"/>
+              <a:gd name="connsiteY10" fmla="*/ 32932 h 7139732"/>
+              <a:gd name="connsiteX11" fmla="*/ 307527 w 6053670"/>
+              <a:gd name="connsiteY11" fmla="*/ 44850 h 7139732"/>
+              <a:gd name="connsiteX12" fmla="*/ 415282 w 6053670"/>
+              <a:gd name="connsiteY12" fmla="*/ 59121 h 7139732"/>
+              <a:gd name="connsiteX13" fmla="*/ 534539 w 6053670"/>
+              <a:gd name="connsiteY13" fmla="*/ 74175 h 7139732"/>
+              <a:gd name="connsiteX14" fmla="*/ 668931 w 6053670"/>
+              <a:gd name="connsiteY14" fmla="*/ 90014 h 7139732"/>
+              <a:gd name="connsiteX15" fmla="*/ 815430 w 6053670"/>
+              <a:gd name="connsiteY15" fmla="*/ 106794 h 7139732"/>
+              <a:gd name="connsiteX16" fmla="*/ 974641 w 6053670"/>
+              <a:gd name="connsiteY16" fmla="*/ 123574 h 7139732"/>
+              <a:gd name="connsiteX17" fmla="*/ 1144144 w 6053670"/>
+              <a:gd name="connsiteY17" fmla="*/ 140667 h 7139732"/>
+              <a:gd name="connsiteX18" fmla="*/ 1326965 w 6053670"/>
+              <a:gd name="connsiteY18" fmla="*/ 156506 h 7139732"/>
+              <a:gd name="connsiteX19" fmla="*/ 1518261 w 6053670"/>
+              <a:gd name="connsiteY19" fmla="*/ 171717 h 7139732"/>
+              <a:gd name="connsiteX20" fmla="*/ 1720453 w 6053670"/>
+              <a:gd name="connsiteY20" fmla="*/ 185518 h 7139732"/>
+              <a:gd name="connsiteX21" fmla="*/ 1931121 w 6053670"/>
+              <a:gd name="connsiteY21" fmla="*/ 198690 h 7139732"/>
+              <a:gd name="connsiteX22" fmla="*/ 2150869 w 6053670"/>
+              <a:gd name="connsiteY22" fmla="*/ 211079 h 7139732"/>
+              <a:gd name="connsiteX23" fmla="*/ 2263467 w 6053670"/>
+              <a:gd name="connsiteY23" fmla="*/ 215470 h 7139732"/>
+              <a:gd name="connsiteX24" fmla="*/ 2378487 w 6053670"/>
+              <a:gd name="connsiteY24" fmla="*/ 220332 h 7139732"/>
+              <a:gd name="connsiteX25" fmla="*/ 2495323 w 6053670"/>
+              <a:gd name="connsiteY25" fmla="*/ 224879 h 7139732"/>
+              <a:gd name="connsiteX26" fmla="*/ 2612764 w 6053670"/>
+              <a:gd name="connsiteY26" fmla="*/ 227859 h 7139732"/>
+              <a:gd name="connsiteX27" fmla="*/ 2732627 w 6053670"/>
+              <a:gd name="connsiteY27" fmla="*/ 230525 h 7139732"/>
+              <a:gd name="connsiteX28" fmla="*/ 2853700 w 6053670"/>
+              <a:gd name="connsiteY28" fmla="*/ 233348 h 7139732"/>
+              <a:gd name="connsiteX29" fmla="*/ 2977195 w 6053670"/>
+              <a:gd name="connsiteY29" fmla="*/ 235229 h 7139732"/>
+              <a:gd name="connsiteX30" fmla="*/ 3101901 w 6053670"/>
+              <a:gd name="connsiteY30" fmla="*/ 235229 h 7139732"/>
+              <a:gd name="connsiteX31" fmla="*/ 3227817 w 6053670"/>
+              <a:gd name="connsiteY31" fmla="*/ 236170 h 7139732"/>
+              <a:gd name="connsiteX32" fmla="*/ 3354944 w 6053670"/>
+              <a:gd name="connsiteY32" fmla="*/ 235229 h 7139732"/>
+              <a:gd name="connsiteX33" fmla="*/ 3483887 w 6053670"/>
+              <a:gd name="connsiteY33" fmla="*/ 233348 h 7139732"/>
+              <a:gd name="connsiteX34" fmla="*/ 3612830 w 6053670"/>
+              <a:gd name="connsiteY34" fmla="*/ 231623 h 7139732"/>
+              <a:gd name="connsiteX35" fmla="*/ 3743590 w 6053670"/>
+              <a:gd name="connsiteY35" fmla="*/ 227859 h 7139732"/>
+              <a:gd name="connsiteX36" fmla="*/ 3875560 w 6053670"/>
+              <a:gd name="connsiteY36" fmla="*/ 223938 h 7139732"/>
+              <a:gd name="connsiteX37" fmla="*/ 4007530 w 6053670"/>
+              <a:gd name="connsiteY37" fmla="*/ 219391 h 7139732"/>
+              <a:gd name="connsiteX38" fmla="*/ 4140710 w 6053670"/>
+              <a:gd name="connsiteY38" fmla="*/ 212961 h 7139732"/>
+              <a:gd name="connsiteX39" fmla="*/ 4275102 w 6053670"/>
+              <a:gd name="connsiteY39" fmla="*/ 205277 h 7139732"/>
+              <a:gd name="connsiteX40" fmla="*/ 4410098 w 6053670"/>
+              <a:gd name="connsiteY40" fmla="*/ 197907 h 7139732"/>
+              <a:gd name="connsiteX41" fmla="*/ 4545096 w 6053670"/>
+              <a:gd name="connsiteY41" fmla="*/ 188498 h 7139732"/>
+              <a:gd name="connsiteX42" fmla="*/ 4681909 w 6053670"/>
+              <a:gd name="connsiteY42" fmla="*/ 177207 h 7139732"/>
+              <a:gd name="connsiteX43" fmla="*/ 4816905 w 6053670"/>
+              <a:gd name="connsiteY43" fmla="*/ 165916 h 7139732"/>
+              <a:gd name="connsiteX44" fmla="*/ 4954323 w 6053670"/>
+              <a:gd name="connsiteY44" fmla="*/ 152899 h 7139732"/>
+              <a:gd name="connsiteX45" fmla="*/ 5092347 w 6053670"/>
+              <a:gd name="connsiteY45" fmla="*/ 138629 h 7139732"/>
+              <a:gd name="connsiteX46" fmla="*/ 5228555 w 6053670"/>
+              <a:gd name="connsiteY46" fmla="*/ 123574 h 7139732"/>
+              <a:gd name="connsiteX47" fmla="*/ 5366578 w 6053670"/>
+              <a:gd name="connsiteY47" fmla="*/ 106010 h 7139732"/>
+              <a:gd name="connsiteX48" fmla="*/ 5503997 w 6053670"/>
+              <a:gd name="connsiteY48" fmla="*/ 87192 h 7139732"/>
+              <a:gd name="connsiteX49" fmla="*/ 5642020 w 6053670"/>
+              <a:gd name="connsiteY49" fmla="*/ 68530 h 7139732"/>
+              <a:gd name="connsiteX50" fmla="*/ 5779438 w 6053670"/>
+              <a:gd name="connsiteY50" fmla="*/ 46733 h 7139732"/>
+              <a:gd name="connsiteX51" fmla="*/ 5916251 w 6053670"/>
+              <a:gd name="connsiteY51" fmla="*/ 24464 h 7139732"/>
+            </a:gdLst>
+            <a:ahLst/>
+            <a:cxnLst>
+              <a:cxn ang="0">
+                <a:pos x="connsiteX0" y="connsiteY0"/>
+              </a:cxn>
+              <a:cxn ang="0">
+                <a:pos x="connsiteX1" y="connsiteY1"/>
+              </a:cxn>
+              <a:cxn ang="0">
+                <a:pos x="connsiteX2" y="connsiteY2"/>
+              </a:cxn>
+              <a:cxn ang="0">
+                <a:pos x="connsiteX3" y="connsiteY3"/>
+              </a:cxn>
+              <a:cxn ang="0">
+                <a:pos x="connsiteX4" y="connsiteY4"/>
+              </a:cxn>
+              <a:cxn ang="0">
+                <a:pos x="connsiteX5" y="connsiteY5"/>
+              </a:cxn>
+              <a:cxn ang="0">
+                <a:pos x="connsiteX6" y="connsiteY6"/>
+              </a:cxn>
+              <a:cxn ang="0">
+                <a:pos x="connsiteX7" y="connsiteY7"/>
+              </a:cxn>
+              <a:cxn ang="0">
+                <a:pos x="connsiteX8" y="connsiteY8"/>
+              </a:cxn>
+              <a:cxn ang="0">
+                <a:pos x="connsiteX9" y="connsiteY9"/>
+              </a:cxn>
+              <a:cxn ang="0">
+                <a:pos x="connsiteX10" y="connsiteY10"/>
+              </a:cxn>
+              <a:cxn ang="0">
+                <a:pos x="connsiteX11" y="connsiteY11"/>
+              </a:cxn>
+              <a:cxn ang="0">
+                <a:pos x="connsiteX12" y="connsiteY12"/>
+              </a:cxn>
+              <a:cxn ang="0">
+                <a:pos x="connsiteX13" y="connsiteY13"/>
+              </a:cxn>
+              <a:cxn ang="0">
+                <a:pos x="connsiteX14" y="connsiteY14"/>
+              </a:cxn>
+              <a:cxn ang="0">
+                <a:pos x="connsiteX15" y="connsiteY15"/>
+              </a:cxn>
+              <a:cxn ang="0">
+                <a:pos x="connsiteX16" y="connsiteY16"/>
+              </a:cxn>
+              <a:cxn ang="0">
+                <a:pos x="connsiteX17" y="connsiteY17"/>
+              </a:cxn>
+              <a:cxn ang="0">
+                <a:pos x="connsiteX18" y="connsiteY18"/>
+              </a:cxn>
+              <a:cxn ang="0">
+                <a:pos x="connsiteX19" y="connsiteY19"/>
+              </a:cxn>
+              <a:cxn ang="0">
+                <a:pos x="connsiteX20" y="connsiteY20"/>
+              </a:cxn>
+              <a:cxn ang="0">
+                <a:pos x="connsiteX21" y="connsiteY21"/>
+              </a:cxn>
+              <a:cxn ang="0">
+                <a:pos x="connsiteX22" y="connsiteY22"/>
+              </a:cxn>
+              <a:cxn ang="0">
+                <a:pos x="connsiteX23" y="connsiteY23"/>
+              </a:cxn>
+              <a:cxn ang="0">
+                <a:pos x="connsiteX24" y="connsiteY24"/>
+              </a:cxn>
+              <a:cxn ang="0">
+                <a:pos x="connsiteX25" y="connsiteY25"/>
+              </a:cxn>
+              <a:cxn ang="0">
+                <a:pos x="connsiteX26" y="connsiteY26"/>
+              </a:cxn>
+              <a:cxn ang="0">
+                <a:pos x="connsiteX27" y="connsiteY27"/>
+              </a:cxn>
+              <a:cxn ang="0">
+                <a:pos x="connsiteX28" y="connsiteY28"/>
+              </a:cxn>
+              <a:cxn ang="0">
+                <a:pos x="connsiteX29" y="connsiteY29"/>
+              </a:cxn>
+              <a:cxn ang="0">
+                <a:pos x="connsiteX30" y="connsiteY30"/>
+              </a:cxn>
+              <a:cxn ang="0">
+                <a:pos x="connsiteX31" y="connsiteY31"/>
+              </a:cxn>
+              <a:cxn ang="0">
+                <a:pos x="connsiteX32" y="connsiteY32"/>
+              </a:cxn>
+              <a:cxn ang="0">
+                <a:pos x="connsiteX33" y="connsiteY33"/>
+              </a:cxn>
+              <a:cxn ang="0">
+                <a:pos x="connsiteX34" y="connsiteY34"/>
+              </a:cxn>
+              <a:cxn ang="0">
+                <a:pos x="connsiteX35" y="connsiteY35"/>
+              </a:cxn>
+              <a:cxn ang="0">
+                <a:pos x="connsiteX36" y="connsiteY36"/>
+              </a:cxn>
+              <a:cxn ang="0">
+                <a:pos x="connsiteX37" y="connsiteY37"/>
+              </a:cxn>
+              <a:cxn ang="0">
+                <a:pos x="connsiteX38" y="connsiteY38"/>
+              </a:cxn>
+              <a:cxn ang="0">
+                <a:pos x="connsiteX39" y="connsiteY39"/>
+              </a:cxn>
+              <a:cxn ang="0">
+                <a:pos x="connsiteX40" y="connsiteY40"/>
+              </a:cxn>
+              <a:cxn ang="0">
+                <a:pos x="connsiteX41" y="connsiteY41"/>
+              </a:cxn>
+              <a:cxn ang="0">
+                <a:pos x="connsiteX42" y="connsiteY42"/>
+              </a:cxn>
+              <a:cxn ang="0">
+                <a:pos x="connsiteX43" y="connsiteY43"/>
+              </a:cxn>
+              <a:cxn ang="0">
+                <a:pos x="connsiteX44" y="connsiteY44"/>
+              </a:cxn>
+              <a:cxn ang="0">
+                <a:pos x="connsiteX45" y="connsiteY45"/>
+              </a:cxn>
+              <a:cxn ang="0">
+                <a:pos x="connsiteX46" y="connsiteY46"/>
+              </a:cxn>
+              <a:cxn ang="0">
+                <a:pos x="connsiteX47" y="connsiteY47"/>
+              </a:cxn>
+              <a:cxn ang="0">
+                <a:pos x="connsiteX48" y="connsiteY48"/>
+              </a:cxn>
+              <a:cxn ang="0">
+                <a:pos x="connsiteX49" y="connsiteY49"/>
+              </a:cxn>
+              <a:cxn ang="0">
+                <a:pos x="connsiteX50" y="connsiteY50"/>
+              </a:cxn>
+              <a:cxn ang="0">
+                <a:pos x="connsiteX51" y="connsiteY51"/>
+              </a:cxn>
+            </a:cxnLst>
+            <a:rect l="l" t="t" r="r" b="b"/>
+            <a:pathLst>
+              <a:path w="6053670" h="7139732">
+                <a:moveTo>
+                  <a:pt x="6053670" y="1098"/>
+                </a:moveTo>
+                <a:lnTo>
+                  <a:pt x="6053670" y="1084479"/>
+                </a:lnTo>
+                <a:lnTo>
+                  <a:pt x="6053670" y="1254558"/>
+                </a:lnTo>
+                <a:lnTo>
+                  <a:pt x="6053670" y="7139732"/>
+                </a:lnTo>
+                <a:lnTo>
+                  <a:pt x="0" y="7139732"/>
+                </a:lnTo>
+                <a:lnTo>
+                  <a:pt x="0" y="1249853"/>
+                </a:lnTo>
+                <a:lnTo>
+                  <a:pt x="0" y="1084479"/>
+                </a:lnTo>
+                <a:lnTo>
+                  <a:pt x="0" y="0"/>
+                </a:lnTo>
+                <a:lnTo>
+                  <a:pt x="35717" y="5488"/>
+                </a:lnTo>
+                <a:lnTo>
+                  <a:pt x="140445" y="21641"/>
+                </a:lnTo>
+                <a:lnTo>
+                  <a:pt x="216722" y="32932"/>
+                </a:lnTo>
+                <a:lnTo>
+                  <a:pt x="307527" y="44850"/>
+                </a:lnTo>
+                <a:lnTo>
+                  <a:pt x="415282" y="59121"/>
+                </a:lnTo>
+                <a:lnTo>
+                  <a:pt x="534539" y="74175"/>
+                </a:lnTo>
+                <a:lnTo>
+                  <a:pt x="668931" y="90014"/>
+                </a:lnTo>
+                <a:lnTo>
+                  <a:pt x="815430" y="106794"/>
+                </a:lnTo>
+                <a:lnTo>
+                  <a:pt x="974641" y="123574"/>
+                </a:lnTo>
+                <a:lnTo>
+                  <a:pt x="1144144" y="140667"/>
+                </a:lnTo>
+                <a:lnTo>
+                  <a:pt x="1326965" y="156506"/>
+                </a:lnTo>
+                <a:lnTo>
+                  <a:pt x="1518261" y="171717"/>
+                </a:lnTo>
+                <a:lnTo>
+                  <a:pt x="1720453" y="185518"/>
+                </a:lnTo>
+                <a:lnTo>
+                  <a:pt x="1931121" y="198690"/>
+                </a:lnTo>
+                <a:lnTo>
+                  <a:pt x="2150869" y="211079"/>
+                </a:lnTo>
+                <a:lnTo>
+                  <a:pt x="2263467" y="215470"/>
+                </a:lnTo>
+                <a:lnTo>
+                  <a:pt x="2378487" y="220332"/>
+                </a:lnTo>
+                <a:lnTo>
+                  <a:pt x="2495323" y="224879"/>
+                </a:lnTo>
+                <a:lnTo>
+                  <a:pt x="2612764" y="227859"/>
+                </a:lnTo>
+                <a:lnTo>
+                  <a:pt x="2732627" y="230525"/>
+                </a:lnTo>
+                <a:lnTo>
+                  <a:pt x="2853700" y="233348"/>
+                </a:lnTo>
+                <a:lnTo>
+                  <a:pt x="2977195" y="235229"/>
+                </a:lnTo>
+                <a:lnTo>
+                  <a:pt x="3101901" y="235229"/>
+                </a:lnTo>
+                <a:lnTo>
+                  <a:pt x="3227817" y="236170"/>
+                </a:lnTo>
+                <a:lnTo>
+                  <a:pt x="3354944" y="235229"/>
+                </a:lnTo>
+                <a:lnTo>
+                  <a:pt x="3483887" y="233348"/>
+                </a:lnTo>
+                <a:lnTo>
+                  <a:pt x="3612830" y="231623"/>
+                </a:lnTo>
+                <a:lnTo>
+                  <a:pt x="3743590" y="227859"/>
+                </a:lnTo>
+                <a:lnTo>
+                  <a:pt x="3875560" y="223938"/>
+                </a:lnTo>
+                <a:lnTo>
+                  <a:pt x="4007530" y="219391"/>
+                </a:lnTo>
+                <a:lnTo>
+                  <a:pt x="4140710" y="212961"/>
+                </a:lnTo>
+                <a:lnTo>
+                  <a:pt x="4275102" y="205277"/>
+                </a:lnTo>
+                <a:lnTo>
+                  <a:pt x="4410098" y="197907"/>
+                </a:lnTo>
+                <a:lnTo>
+                  <a:pt x="4545096" y="188498"/>
+                </a:lnTo>
+                <a:lnTo>
+                  <a:pt x="4681909" y="177207"/>
+                </a:lnTo>
+                <a:lnTo>
+                  <a:pt x="4816905" y="165916"/>
+                </a:lnTo>
+                <a:lnTo>
+                  <a:pt x="4954323" y="152899"/>
+                </a:lnTo>
+                <a:lnTo>
+                  <a:pt x="5092347" y="138629"/>
+                </a:lnTo>
+                <a:lnTo>
+                  <a:pt x="5228555" y="123574"/>
+                </a:lnTo>
+                <a:lnTo>
+                  <a:pt x="5366578" y="106010"/>
+                </a:lnTo>
+                <a:lnTo>
+                  <a:pt x="5503997" y="87192"/>
+                </a:lnTo>
+                <a:lnTo>
+                  <a:pt x="5642020" y="68530"/>
+                </a:lnTo>
+                <a:lnTo>
+                  <a:pt x="5779438" y="46733"/>
+                </a:lnTo>
+                <a:lnTo>
+                  <a:pt x="5916251" y="24464"/>
+                </a:lnTo>
+                <a:close/>
+              </a:path>
+            </a:pathLst>
+          </a:custGeom>
+          <a:solidFill>
+            <a:schemeClr val="tx1"/>
+          </a:solidFill>
+          <a:ln>
+            <a:noFill/>
+          </a:ln>
+        </p:spPr>
+      </p:sp>
+      <p:sp>
+        <p:nvSpPr>
+          <p:cNvPr id="42" name="Freeform 5">
+            <a:extLst>
+              <a:ext uri="{FF2B5EF4-FFF2-40B4-BE49-F238E27FC236}">
+                <a16:creationId xmlns:a16="http://schemas.microsoft.com/office/drawing/2014/main" id="{F6ACD5FC-CAFE-48EB-B765-60EED2E052F0}"/>
+              </a:ext>
+              <a:ext uri="{C183D7F6-B498-43B3-948B-1728B52AA6E4}">
+                <adec:decorative xmlns:adec="http://schemas.microsoft.com/office/drawing/2017/decorative" val="1"/>
+              </a:ext>
+            </a:extLst>
+          </p:cNvPr>
+          <p:cNvSpPr>
+            <a:spLocks noGrp="1" noRot="1" noChangeAspect="1" noMove="1" noResize="1" noEditPoints="1" noAdjustHandles="1" noChangeArrowheads="1" noChangeShapeType="1" noTextEdit="1"/>
+          </p:cNvSpPr>
+          <p:nvPr>
+            <p:extLst>
+              <p:ext uri="{386F3935-93C4-4BCD-93E2-E3B085C9AB24}">
+                <p16:designElem xmlns:p16="http://schemas.microsoft.com/office/powerpoint/2015/main" val="1"/>
+              </p:ext>
+            </p:extLst>
+          </p:nvPr>
+        </p:nvSpPr>
+        <p:spPr bwMode="gray">
+          <a:xfrm>
+            <a:off x="0" y="1587"/>
+            <a:ext cx="12192000" cy="6856413"/>
+          </a:xfrm>
+          <a:custGeom>
+            <a:avLst/>
+            <a:gdLst/>
+            <a:ahLst/>
+            <a:cxnLst/>
+            <a:rect l="0" t="0" r="r" b="b"/>
+            <a:pathLst>
+              <a:path w="15356" h="8638">
+                <a:moveTo>
+                  <a:pt x="0" y="0"/>
+                </a:moveTo>
+                <a:lnTo>
+                  <a:pt x="0" y="8638"/>
+                </a:lnTo>
+                <a:lnTo>
+                  <a:pt x="15356" y="8638"/>
+                </a:lnTo>
+                <a:lnTo>
+                  <a:pt x="15356" y="0"/>
+                </a:lnTo>
+                <a:lnTo>
+                  <a:pt x="0" y="0"/>
+                </a:lnTo>
+                <a:close/>
+                <a:moveTo>
+                  <a:pt x="14748" y="8038"/>
+                </a:moveTo>
+                <a:lnTo>
+                  <a:pt x="600" y="8038"/>
+                </a:lnTo>
+                <a:lnTo>
+                  <a:pt x="600" y="592"/>
+                </a:lnTo>
+                <a:lnTo>
+                  <a:pt x="14748" y="592"/>
+                </a:lnTo>
+                <a:lnTo>
+                  <a:pt x="14748" y="8038"/>
+                </a:lnTo>
+                <a:close/>
+              </a:path>
+            </a:pathLst>
+          </a:custGeom>
+          <a:solidFill>
+            <a:schemeClr val="tx1"/>
+          </a:solidFill>
+          <a:ln>
+            <a:noFill/>
+          </a:ln>
+        </p:spPr>
+      </p:sp>
+      <p:sp>
+        <p:nvSpPr>
+          <p:cNvPr id="2" name="כותרת 1">
+            <a:extLst>
+              <a:ext uri="{FF2B5EF4-FFF2-40B4-BE49-F238E27FC236}">
+                <a16:creationId xmlns:a16="http://schemas.microsoft.com/office/drawing/2014/main" id="{298DED83-0B80-453E-84E9-4AF65B7B7759}"/>
+              </a:ext>
+            </a:extLst>
+          </p:cNvPr>
+          <p:cNvSpPr>
+            <a:spLocks noGrp="1"/>
+          </p:cNvSpPr>
+          <p:nvPr>
+            <p:ph type="title"/>
+          </p:nvPr>
+        </p:nvSpPr>
+        <p:spPr>
+          <a:xfrm>
+            <a:off x="1154955" y="973668"/>
+            <a:ext cx="2942210" cy="1020232"/>
+          </a:xfrm>
+        </p:spPr>
+        <p:txBody>
+          <a:bodyPr>
+            <a:normAutofit/>
+          </a:bodyPr>
+          <a:lstStyle/>
+          <a:p>
+            <a:r>
+              <a:rPr lang="en-US">
+                <a:solidFill>
+                  <a:srgbClr val="EBEBEB"/>
+                </a:solidFill>
+              </a:rPr>
+              <a:t>Notification </a:t>
+            </a:r>
+            <a:endParaRPr lang="LID4096">
+              <a:solidFill>
+                <a:srgbClr val="EBEBEB"/>
+              </a:solidFill>
+            </a:endParaRPr>
+          </a:p>
+        </p:txBody>
+      </p:sp>
+      <p:pic>
+        <p:nvPicPr>
+          <p:cNvPr id="31" name="מציין מיקום תוכן 30" descr="תמונה שמכילה טקסט&#10;&#10;התיאור נוצר באופן אוטומטי">
+            <a:extLst>
+              <a:ext uri="{FF2B5EF4-FFF2-40B4-BE49-F238E27FC236}">
+                <a16:creationId xmlns:a16="http://schemas.microsoft.com/office/drawing/2014/main" id="{C4D2534B-7B18-625A-182E-8DB98D745CA1}"/>
+              </a:ext>
+            </a:extLst>
+          </p:cNvPr>
+          <p:cNvPicPr>
+            <a:picLocks noChangeAspect="1"/>
+          </p:cNvPicPr>
+          <p:nvPr/>
+        </p:nvPicPr>
+        <p:blipFill>
+          <a:blip r:embed="rId2">
+            <a:extLst>
+              <a:ext uri="{28A0092B-C50C-407E-A947-70E740481C1C}">
+                <a14:useLocalDpi xmlns:a14="http://schemas.microsoft.com/office/drawing/2010/main" val="0"/>
+              </a:ext>
+            </a:extLst>
+          </a:blip>
+          <a:stretch>
+            <a:fillRect/>
+          </a:stretch>
+        </p:blipFill>
+        <p:spPr>
+          <a:xfrm>
+            <a:off x="7176196" y="803751"/>
+            <a:ext cx="2428355" cy="5250498"/>
+          </a:xfrm>
+          <a:prstGeom prst="rect">
+            <a:avLst/>
+          </a:prstGeom>
+        </p:spPr>
+      </p:pic>
+      <p:sp>
+        <p:nvSpPr>
+          <p:cNvPr id="44" name="Rectangle 43">
+            <a:extLst>
+              <a:ext uri="{FF2B5EF4-FFF2-40B4-BE49-F238E27FC236}">
+                <a16:creationId xmlns:a16="http://schemas.microsoft.com/office/drawing/2014/main" id="{9F33B405-D785-4738-B1C0-6A0AA5E98286}"/>
+              </a:ext>
+              <a:ext uri="{C183D7F6-B498-43B3-948B-1728B52AA6E4}">
+                <adec:decorative xmlns:adec="http://schemas.microsoft.com/office/drawing/2017/decorative" val="1"/>
+              </a:ext>
+            </a:extLst>
+          </p:cNvPr>
+          <p:cNvSpPr>
+            <a:spLocks noGrp="1" noRot="1" noChangeAspect="1" noMove="1" noResize="1" noEditPoints="1" noAdjustHandles="1" noChangeArrowheads="1" noChangeShapeType="1" noTextEdit="1"/>
+          </p:cNvSpPr>
+          <p:nvPr>
+            <p:extLst>
+              <p:ext uri="{386F3935-93C4-4BCD-93E2-E3B085C9AB24}">
+                <p16:designElem xmlns:p16="http://schemas.microsoft.com/office/powerpoint/2015/main" val="1"/>
+              </p:ext>
+            </p:extLst>
+          </p:nvPr>
+        </p:nvSpPr>
+        <p:spPr>
+          <a:xfrm>
+            <a:off x="10437812" y="0"/>
+            <a:ext cx="685800" cy="1143000"/>
+          </a:xfrm>
+          <a:prstGeom prst="rect">
+            <a:avLst/>
+          </a:prstGeom>
+          <a:solidFill>
+            <a:schemeClr val="accent1"/>
+          </a:solidFill>
+          <a:ln>
+            <a:noFill/>
+          </a:ln>
+        </p:spPr>
+        <p:style>
+          <a:lnRef idx="1">
+            <a:schemeClr val="accent1"/>
+          </a:lnRef>
+          <a:fillRef idx="3">
+            <a:schemeClr val="accent1"/>
+          </a:fillRef>
+          <a:effectRef idx="2">
+            <a:schemeClr val="accent1"/>
+          </a:effectRef>
+          <a:fontRef idx="minor">
+            <a:schemeClr val="lt1"/>
+          </a:fontRef>
+        </p:style>
+      </p:sp>
+      <p:sp>
+        <p:nvSpPr>
+          <p:cNvPr id="46" name="Oval 45">
+            <a:extLst>
+              <a:ext uri="{FF2B5EF4-FFF2-40B4-BE49-F238E27FC236}">
+                <a16:creationId xmlns:a16="http://schemas.microsoft.com/office/drawing/2014/main" id="{4233DC0E-DE6C-4FB6-A529-51B162641AB8}"/>
+              </a:ext>
+              <a:ext uri="{C183D7F6-B498-43B3-948B-1728B52AA6E4}">
+                <adec:decorative xmlns:adec="http://schemas.microsoft.com/office/drawing/2017/decorative" val="1"/>
+              </a:ext>
+            </a:extLst>
+          </p:cNvPr>
+          <p:cNvSpPr>
+            <a:spLocks noGrp="1" noRot="1" noChangeAspect="1" noMove="1" noResize="1" noEditPoints="1" noAdjustHandles="1" noChangeArrowheads="1" noChangeShapeType="1" noTextEdit="1"/>
+          </p:cNvSpPr>
+          <p:nvPr>
+            <p:extLst>
+              <p:ext uri="{386F3935-93C4-4BCD-93E2-E3B085C9AB24}">
+                <p16:designElem xmlns:p16="http://schemas.microsoft.com/office/powerpoint/2015/main" val="1"/>
+              </p:ext>
+            </p:extLst>
+          </p:nvPr>
+        </p:nvSpPr>
+        <p:spPr>
+          <a:xfrm>
+            <a:off x="0" y="2667000"/>
+            <a:ext cx="4191000" cy="4191000"/>
+          </a:xfrm>
+          <a:prstGeom prst="ellipse">
+            <a:avLst/>
+          </a:prstGeom>
+          <a:gradFill flip="none" rotWithShape="1">
+            <a:gsLst>
+              <a:gs pos="0">
+                <a:schemeClr val="accent5">
+                  <a:alpha val="11000"/>
+                </a:schemeClr>
+              </a:gs>
+              <a:gs pos="75000">
+                <a:schemeClr val="accent5">
+                  <a:alpha val="0"/>
+                </a:schemeClr>
+              </a:gs>
+              <a:gs pos="36000">
+                <a:schemeClr val="accent5">
+                  <a:alpha val="10000"/>
+                </a:schemeClr>
+              </a:gs>
+            </a:gsLst>
+            <a:path path="circle">
+              <a:fillToRect l="50000" t="50000" r="50000" b="50000"/>
+            </a:path>
+            <a:tileRect/>
+          </a:gradFill>
+          <a:ln>
+            <a:noFill/>
+          </a:ln>
+          <a:effectLst/>
+        </p:spPr>
+        <p:style>
+          <a:lnRef idx="1">
+            <a:schemeClr val="accent1"/>
+          </a:lnRef>
+          <a:fillRef idx="3">
+            <a:schemeClr val="accent1"/>
+          </a:fillRef>
+          <a:effectRef idx="2">
+            <a:schemeClr val="accent1"/>
+          </a:effectRef>
+          <a:fontRef idx="minor">
+            <a:schemeClr val="lt1"/>
+          </a:fontRef>
+        </p:style>
+      </p:sp>
+      <p:sp>
+        <p:nvSpPr>
+          <p:cNvPr id="48" name="Oval 47">
+            <a:extLst>
+              <a:ext uri="{FF2B5EF4-FFF2-40B4-BE49-F238E27FC236}">
+                <a16:creationId xmlns:a16="http://schemas.microsoft.com/office/drawing/2014/main" id="{3870477F-E451-4BC3-863F-0E2FC572884B}"/>
+              </a:ext>
+              <a:ext uri="{C183D7F6-B498-43B3-948B-1728B52AA6E4}">
+                <adec:decorative xmlns:adec="http://schemas.microsoft.com/office/drawing/2017/decorative" val="1"/>
+              </a:ext>
+            </a:extLst>
+          </p:cNvPr>
+          <p:cNvSpPr>
+            <a:spLocks noGrp="1" noRot="1" noChangeAspect="1" noMove="1" noResize="1" noEditPoints="1" noAdjustHandles="1" noChangeArrowheads="1" noChangeShapeType="1" noTextEdit="1"/>
+          </p:cNvSpPr>
+          <p:nvPr>
+            <p:extLst>
+              <p:ext uri="{386F3935-93C4-4BCD-93E2-E3B085C9AB24}">
+                <p16:designElem xmlns:p16="http://schemas.microsoft.com/office/powerpoint/2015/main" val="1"/>
+              </p:ext>
+            </p:extLst>
+          </p:nvPr>
+        </p:nvSpPr>
+        <p:spPr>
+          <a:xfrm>
+            <a:off x="0" y="2895600"/>
+            <a:ext cx="2362200" cy="2362200"/>
+          </a:xfrm>
+          <a:prstGeom prst="ellipse">
+            <a:avLst/>
+          </a:prstGeom>
+          <a:gradFill flip="none" rotWithShape="1">
+            <a:gsLst>
+              <a:gs pos="0">
+                <a:schemeClr val="accent5">
+                  <a:alpha val="8000"/>
+                </a:schemeClr>
+              </a:gs>
+              <a:gs pos="72000">
+                <a:schemeClr val="accent5">
+                  <a:alpha val="0"/>
+                </a:schemeClr>
+              </a:gs>
+              <a:gs pos="36000">
+                <a:schemeClr val="accent5">
+                  <a:alpha val="8000"/>
+                </a:schemeClr>
+              </a:gs>
+            </a:gsLst>
+            <a:path path="circle">
+              <a:fillToRect l="50000" t="50000" r="50000" b="50000"/>
+            </a:path>
+            <a:tileRect/>
+          </a:gradFill>
+          <a:ln>
+            <a:noFill/>
+          </a:ln>
+          <a:effectLst/>
+        </p:spPr>
+        <p:style>
+          <a:lnRef idx="1">
+            <a:schemeClr val="accent1"/>
+          </a:lnRef>
+          <a:fillRef idx="3">
+            <a:schemeClr val="accent1"/>
+          </a:fillRef>
+          <a:effectRef idx="2">
+            <a:schemeClr val="accent1"/>
+          </a:effectRef>
+          <a:fontRef idx="minor">
+            <a:schemeClr val="lt1"/>
+          </a:fontRef>
+        </p:style>
+      </p:sp>
+      <p:sp>
+        <p:nvSpPr>
+          <p:cNvPr id="35" name="Content Placeholder 34">
+            <a:extLst>
+              <a:ext uri="{FF2B5EF4-FFF2-40B4-BE49-F238E27FC236}">
+                <a16:creationId xmlns:a16="http://schemas.microsoft.com/office/drawing/2014/main" id="{CDF0A6E9-1EC4-FCF4-8254-CF463C1025B0}"/>
+              </a:ext>
+            </a:extLst>
+          </p:cNvPr>
+          <p:cNvSpPr>
+            <a:spLocks noGrp="1"/>
+          </p:cNvSpPr>
+          <p:nvPr>
+            <p:ph idx="1"/>
+          </p:nvPr>
+        </p:nvSpPr>
+        <p:spPr>
+          <a:xfrm>
+            <a:off x="1154955" y="2120900"/>
+            <a:ext cx="3133726" cy="3898900"/>
+          </a:xfrm>
+        </p:spPr>
+        <p:txBody>
+          <a:bodyPr>
+            <a:normAutofit/>
+          </a:bodyPr>
+          <a:lstStyle/>
+          <a:p>
+            <a:endParaRPr lang="en-US">
+              <a:solidFill>
+                <a:srgbClr val="FFFFFF"/>
+              </a:solidFill>
+            </a:endParaRPr>
+          </a:p>
+        </p:txBody>
+      </p:sp>
+      <p:sp>
+        <p:nvSpPr>
+          <p:cNvPr id="50" name="Freeform 5">
+            <a:extLst>
+              <a:ext uri="{FF2B5EF4-FFF2-40B4-BE49-F238E27FC236}">
+                <a16:creationId xmlns:a16="http://schemas.microsoft.com/office/drawing/2014/main" id="{B4A81DE1-E2BC-4A31-99EE-71350421B0EA}"/>
+              </a:ext>
+              <a:ext uri="{C183D7F6-B498-43B3-948B-1728B52AA6E4}">
+                <adec:decorative xmlns:adec="http://schemas.microsoft.com/office/drawing/2017/decorative" val="1"/>
+              </a:ext>
+            </a:extLst>
+          </p:cNvPr>
+          <p:cNvSpPr>
+            <a:spLocks noGrp="1" noRot="1" noChangeAspect="1" noMove="1" noResize="1" noEditPoints="1" noAdjustHandles="1" noChangeArrowheads="1" noChangeShapeType="1" noTextEdit="1"/>
+          </p:cNvSpPr>
+          <p:nvPr>
+            <p:extLst>
+              <p:ext uri="{386F3935-93C4-4BCD-93E2-E3B085C9AB24}">
+                <p16:designElem xmlns:p16="http://schemas.microsoft.com/office/powerpoint/2015/main" val="1"/>
+              </p:ext>
+            </p:extLst>
+          </p:nvPr>
+        </p:nvSpPr>
+        <p:spPr bwMode="gray">
+          <a:xfrm rot="15922489">
+            <a:off x="3140485" y="1826078"/>
+            <a:ext cx="3299407" cy="440924"/>
+          </a:xfrm>
+          <a:custGeom>
+            <a:avLst/>
+            <a:gdLst/>
+            <a:ahLst/>
+            <a:cxnLst/>
+            <a:rect l="l" t="t" r="r" b="b"/>
+            <a:pathLst>
+              <a:path w="10000" h="5291">
+                <a:moveTo>
+                  <a:pt x="85" y="2532"/>
+                </a:moveTo>
+                <a:cubicBezTo>
+                  <a:pt x="1736" y="3911"/>
+                  <a:pt x="7524" y="5298"/>
+                  <a:pt x="9958" y="5291"/>
+                </a:cubicBezTo>
+                <a:cubicBezTo>
+                  <a:pt x="9989" y="1958"/>
+                  <a:pt x="9969" y="3333"/>
+                  <a:pt x="10000" y="0"/>
+                </a:cubicBezTo>
+                <a:lnTo>
+                  <a:pt x="10000" y="0"/>
+                </a:lnTo>
+                <a:lnTo>
+                  <a:pt x="9667" y="204"/>
+                </a:lnTo>
+                <a:lnTo>
+                  <a:pt x="9334" y="400"/>
+                </a:lnTo>
+                <a:lnTo>
+                  <a:pt x="9001" y="590"/>
+                </a:lnTo>
+                <a:lnTo>
+                  <a:pt x="8667" y="753"/>
+                </a:lnTo>
+                <a:lnTo>
+                  <a:pt x="8333" y="917"/>
+                </a:lnTo>
+                <a:lnTo>
+                  <a:pt x="7999" y="1071"/>
+                </a:lnTo>
+                <a:lnTo>
+                  <a:pt x="7669" y="1202"/>
+                </a:lnTo>
+                <a:lnTo>
+                  <a:pt x="7333" y="1325"/>
+                </a:lnTo>
+                <a:lnTo>
+                  <a:pt x="7000" y="1440"/>
+                </a:lnTo>
+                <a:lnTo>
+                  <a:pt x="6673" y="1538"/>
+                </a:lnTo>
+                <a:lnTo>
+                  <a:pt x="6340" y="1636"/>
+                </a:lnTo>
+                <a:lnTo>
+                  <a:pt x="6013" y="1719"/>
+                </a:lnTo>
+                <a:lnTo>
+                  <a:pt x="5686" y="1784"/>
+                </a:lnTo>
+                <a:lnTo>
+                  <a:pt x="5359" y="1850"/>
+                </a:lnTo>
+                <a:lnTo>
+                  <a:pt x="5036" y="1906"/>
+                </a:lnTo>
+                <a:lnTo>
+                  <a:pt x="4717" y="1948"/>
+                </a:lnTo>
+                <a:lnTo>
+                  <a:pt x="4396" y="1980"/>
+                </a:lnTo>
+                <a:lnTo>
+                  <a:pt x="4079" y="2013"/>
+                </a:lnTo>
+                <a:lnTo>
+                  <a:pt x="3766" y="2029"/>
+                </a:lnTo>
+                <a:lnTo>
+                  <a:pt x="3454" y="2046"/>
+                </a:lnTo>
+                <a:lnTo>
+                  <a:pt x="3145" y="2053"/>
+                </a:lnTo>
+                <a:lnTo>
+                  <a:pt x="2839" y="2046"/>
+                </a:lnTo>
+                <a:lnTo>
+                  <a:pt x="2537" y="2046"/>
+                </a:lnTo>
+                <a:lnTo>
+                  <a:pt x="2238" y="2029"/>
+                </a:lnTo>
+                <a:lnTo>
+                  <a:pt x="1943" y="2004"/>
+                </a:lnTo>
+                <a:lnTo>
+                  <a:pt x="1653" y="1980"/>
+                </a:lnTo>
+                <a:lnTo>
+                  <a:pt x="1368" y="1955"/>
+                </a:lnTo>
+                <a:lnTo>
+                  <a:pt x="1085" y="1915"/>
+                </a:lnTo>
+                <a:lnTo>
+                  <a:pt x="806" y="1873"/>
+                </a:lnTo>
+                <a:lnTo>
+                  <a:pt x="533" y="1833"/>
+                </a:lnTo>
+                <a:lnTo>
+                  <a:pt x="0" y="1726"/>
+                </a:lnTo>
+                <a:cubicBezTo>
+                  <a:pt x="28" y="1995"/>
+                  <a:pt x="57" y="2263"/>
+                  <a:pt x="85" y="2532"/>
+                </a:cubicBezTo>
+                <a:close/>
+              </a:path>
+            </a:pathLst>
+          </a:custGeom>
+          <a:solidFill>
+            <a:schemeClr val="tx1">
+              <a:alpha val="20000"/>
+            </a:schemeClr>
+          </a:solidFill>
+          <a:ln>
+            <a:noFill/>
+          </a:ln>
+        </p:spPr>
+      </p:sp>
+      <mc:AlternateContent xmlns:mc="http://schemas.openxmlformats.org/markup-compatibility/2006" xmlns:p14="http://schemas.microsoft.com/office/powerpoint/2010/main">
+        <mc:Choice Requires="p14">
+          <p:contentPart p14:bwMode="auto" r:id="rId3">
+            <p14:nvContentPartPr>
+              <p14:cNvPr id="28" name="דיו 27">
+                <a:extLst>
+                  <a:ext uri="{FF2B5EF4-FFF2-40B4-BE49-F238E27FC236}">
+                    <a16:creationId xmlns:a16="http://schemas.microsoft.com/office/drawing/2014/main" id="{AD86B35A-6DA1-55C4-4676-1D3A8B4187E8}"/>
+                  </a:ext>
+                </a:extLst>
+              </p14:cNvPr>
+              <p14:cNvContentPartPr/>
+              <p14:nvPr/>
+            </p14:nvContentPartPr>
+            <p14:xfrm>
+              <a:off x="7085991" y="7384902"/>
+              <a:ext cx="360" cy="360"/>
+            </p14:xfrm>
+          </p:contentPart>
+        </mc:Choice>
+        <mc:Fallback xmlns="">
+          <p:pic>
+            <p:nvPicPr>
+              <p:cNvPr id="28" name="דיו 27">
+                <a:extLst>
+                  <a:ext uri="{FF2B5EF4-FFF2-40B4-BE49-F238E27FC236}">
+                    <a16:creationId xmlns:a16="http://schemas.microsoft.com/office/drawing/2014/main" id="{AD86B35A-6DA1-55C4-4676-1D3A8B4187E8}"/>
+                  </a:ext>
+                </a:extLst>
+              </p:cNvPr>
+              <p:cNvPicPr/>
+              <p:nvPr/>
+            </p:nvPicPr>
+            <p:blipFill>
+              <a:blip r:embed="rId4"/>
+              <a:stretch>
+                <a:fillRect/>
+              </a:stretch>
+            </p:blipFill>
+            <p:spPr>
+              <a:xfrm>
+                <a:off x="7076991" y="7375902"/>
+                <a:ext cx="18000" cy="18000"/>
+              </a:xfrm>
+              <a:prstGeom prst="rect">
+                <a:avLst/>
+              </a:prstGeom>
+            </p:spPr>
+          </p:pic>
+        </mc:Fallback>
+      </mc:AlternateContent>
+      <mc:AlternateContent xmlns:mc="http://schemas.openxmlformats.org/markup-compatibility/2006" xmlns:p14="http://schemas.microsoft.com/office/powerpoint/2010/main">
+        <mc:Choice Requires="p14">
+          <p:contentPart p14:bwMode="auto" r:id="rId5">
+            <p14:nvContentPartPr>
+              <p14:cNvPr id="29" name="דיו 28">
+                <a:extLst>
+                  <a:ext uri="{FF2B5EF4-FFF2-40B4-BE49-F238E27FC236}">
+                    <a16:creationId xmlns:a16="http://schemas.microsoft.com/office/drawing/2014/main" id="{0F06201C-485C-5996-EDFF-14B71519C012}"/>
+                  </a:ext>
+                </a:extLst>
+              </p14:cNvPr>
+              <p14:cNvContentPartPr/>
+              <p14:nvPr/>
+            </p14:nvContentPartPr>
+            <p14:xfrm>
+              <a:off x="4764711" y="8457342"/>
+              <a:ext cx="360" cy="360"/>
+            </p14:xfrm>
+          </p:contentPart>
+        </mc:Choice>
+        <mc:Fallback xmlns="">
+          <p:pic>
+            <p:nvPicPr>
+              <p:cNvPr id="29" name="דיו 28">
+                <a:extLst>
+                  <a:ext uri="{FF2B5EF4-FFF2-40B4-BE49-F238E27FC236}">
+                    <a16:creationId xmlns:a16="http://schemas.microsoft.com/office/drawing/2014/main" id="{0F06201C-485C-5996-EDFF-14B71519C012}"/>
+                  </a:ext>
+                </a:extLst>
+              </p:cNvPr>
+              <p:cNvPicPr/>
+              <p:nvPr/>
+            </p:nvPicPr>
+            <p:blipFill>
+              <a:blip r:embed="rId4"/>
+              <a:stretch>
+                <a:fillRect/>
+              </a:stretch>
+            </p:blipFill>
+            <p:spPr>
+              <a:xfrm>
+                <a:off x="4755711" y="8448342"/>
+                <a:ext cx="18000" cy="18000"/>
+              </a:xfrm>
+              <a:prstGeom prst="rect">
+                <a:avLst/>
+              </a:prstGeom>
+            </p:spPr>
+          </p:pic>
+        </mc:Fallback>
+      </mc:AlternateContent>
+      <mc:AlternateContent xmlns:mc="http://schemas.openxmlformats.org/markup-compatibility/2006" xmlns:p14="http://schemas.microsoft.com/office/powerpoint/2010/main">
+        <mc:Choice Requires="p14">
+          <p:contentPart p14:bwMode="auto" r:id="rId6">
+            <p14:nvContentPartPr>
+              <p14:cNvPr id="34" name="דיו 33">
+                <a:extLst>
+                  <a:ext uri="{FF2B5EF4-FFF2-40B4-BE49-F238E27FC236}">
+                    <a16:creationId xmlns:a16="http://schemas.microsoft.com/office/drawing/2014/main" id="{963C9696-8216-7ECB-F395-3354D2943DA6}"/>
+                  </a:ext>
+                </a:extLst>
+              </p14:cNvPr>
+              <p14:cNvContentPartPr/>
+              <p14:nvPr/>
+            </p14:nvContentPartPr>
+            <p14:xfrm>
+              <a:off x="7033431" y="9460302"/>
+              <a:ext cx="360" cy="360"/>
+            </p14:xfrm>
+          </p:contentPart>
+        </mc:Choice>
+        <mc:Fallback xmlns="">
+          <p:pic>
+            <p:nvPicPr>
+              <p:cNvPr id="34" name="דיו 33">
+                <a:extLst>
+                  <a:ext uri="{FF2B5EF4-FFF2-40B4-BE49-F238E27FC236}">
+                    <a16:creationId xmlns:a16="http://schemas.microsoft.com/office/drawing/2014/main" id="{963C9696-8216-7ECB-F395-3354D2943DA6}"/>
+                  </a:ext>
+                </a:extLst>
+              </p:cNvPr>
+              <p:cNvPicPr/>
+              <p:nvPr/>
+            </p:nvPicPr>
+            <p:blipFill>
+              <a:blip r:embed="rId4"/>
+              <a:stretch>
+                <a:fillRect/>
+              </a:stretch>
+            </p:blipFill>
+            <p:spPr>
+              <a:xfrm>
+                <a:off x="7024791" y="9451302"/>
+                <a:ext cx="18000" cy="18000"/>
+              </a:xfrm>
+              <a:prstGeom prst="rect">
+                <a:avLst/>
+              </a:prstGeom>
+            </p:spPr>
+          </p:pic>
+        </mc:Fallback>
+      </mc:AlternateContent>
+    </p:spTree>
+    <p:extLst>
+      <p:ext uri="{BB962C8B-B14F-4D97-AF65-F5344CB8AC3E}">
+        <p14:creationId xmlns:p14="http://schemas.microsoft.com/office/powerpoint/2010/main" val="163449790"/>
+      </p:ext>
+    </p:extLst>
+  </p:cSld>
+  <p:clrMapOvr>
+    <a:overrideClrMapping bg1="dk1" tx1="lt1" bg2="dk2" tx2="lt2" accent1="accent1" accent2="accent2" accent3="accent3" accent4="accent4" accent5="accent5" accent6="accent6" hlink="hlink" folHlink="folHlink"/>
   </p:clrMapOvr>
 </p:sld>
 </file>
@@ -23752,379 +24090,6 @@
           <a:chExt cx="0" cy="0"/>
         </a:xfrm>
       </p:grpSpPr>
-      <p:sp>
-        <p:nvSpPr>
-          <p:cNvPr id="2" name="כותרת 1">
-            <a:extLst>
-              <a:ext uri="{FF2B5EF4-FFF2-40B4-BE49-F238E27FC236}">
-                <a16:creationId xmlns:a16="http://schemas.microsoft.com/office/drawing/2014/main" id="{1D127698-B73A-951C-5BA0-3F71ABF5052F}"/>
-              </a:ext>
-            </a:extLst>
-          </p:cNvPr>
-          <p:cNvSpPr>
-            <a:spLocks noGrp="1"/>
-          </p:cNvSpPr>
-          <p:nvPr>
-            <p:ph type="title"/>
-          </p:nvPr>
-        </p:nvSpPr>
-        <p:spPr>
-          <a:xfrm>
-            <a:off x="235974" y="111607"/>
-            <a:ext cx="10241280" cy="1234440"/>
-          </a:xfrm>
-        </p:spPr>
-        <p:txBody>
-          <a:bodyPr/>
-          <a:lstStyle/>
-          <a:p>
-            <a:br>
-              <a:rPr lang="he-IL" sz="3600" dirty="0">
-                <a:effectLst/>
-                <a:latin typeface="Arial" panose="020B0604020202020204" pitchFamily="34" charset="0"/>
-                <a:ea typeface="Arial" panose="020B0604020202020204" pitchFamily="34" charset="0"/>
-                <a:cs typeface="Arial" panose="020B0604020202020204" pitchFamily="34" charset="0"/>
-              </a:rPr>
-            </a:br>
-            <a:r>
-              <a:rPr lang="he-IL" sz="3600" dirty="0">
-                <a:effectLst/>
-                <a:latin typeface="Arial" panose="020B0604020202020204" pitchFamily="34" charset="0"/>
-                <a:ea typeface="Arial" panose="020B0604020202020204" pitchFamily="34" charset="0"/>
-                <a:cs typeface="Arial" panose="020B0604020202020204" pitchFamily="34" charset="0"/>
-              </a:rPr>
-              <a:t>   </a:t>
-            </a:r>
-            <a:r>
-              <a:rPr lang="en-US" sz="3600" dirty="0">
-                <a:effectLst/>
-                <a:latin typeface="Arial" panose="020B0604020202020204" pitchFamily="34" charset="0"/>
-                <a:ea typeface="Arial" panose="020B0604020202020204" pitchFamily="34" charset="0"/>
-                <a:cs typeface="Arial" panose="020B0604020202020204" pitchFamily="34" charset="0"/>
-              </a:rPr>
-              <a:t>Sequence diagram</a:t>
-            </a:r>
-            <a:br>
-              <a:rPr lang="en-US" sz="3600" dirty="0">
-                <a:effectLst/>
-                <a:latin typeface="Arial" panose="020B0604020202020204" pitchFamily="34" charset="0"/>
-                <a:ea typeface="Arial" panose="020B0604020202020204" pitchFamily="34" charset="0"/>
-                <a:cs typeface="Arial" panose="020B0604020202020204" pitchFamily="34" charset="0"/>
-              </a:rPr>
-            </a:br>
-            <a:endParaRPr lang="LID4096" sz="3600" dirty="0"/>
-          </a:p>
-        </p:txBody>
-      </p:sp>
-      <p:pic>
-        <p:nvPicPr>
-          <p:cNvPr id="4" name="מציין מיקום תוכן 3">
-            <a:extLst>
-              <a:ext uri="{FF2B5EF4-FFF2-40B4-BE49-F238E27FC236}">
-                <a16:creationId xmlns:a16="http://schemas.microsoft.com/office/drawing/2014/main" id="{3D640C22-E547-FF8C-3324-C7A1CFCE1FCB}"/>
-              </a:ext>
-            </a:extLst>
-          </p:cNvPr>
-          <p:cNvPicPr>
-            <a:picLocks noGrp="1" noChangeAspect="1"/>
-          </p:cNvPicPr>
-          <p:nvPr>
-            <p:ph idx="1"/>
-          </p:nvPr>
-        </p:nvPicPr>
-        <p:blipFill>
-          <a:blip r:embed="rId2"/>
-          <a:stretch>
-            <a:fillRect/>
-          </a:stretch>
-        </p:blipFill>
-        <p:spPr>
-          <a:xfrm>
-            <a:off x="92270" y="1226557"/>
-            <a:ext cx="12007460" cy="5631443"/>
-          </a:xfrm>
-          <a:prstGeom prst="rect">
-            <a:avLst/>
-          </a:prstGeom>
-        </p:spPr>
-      </p:pic>
-    </p:spTree>
-    <p:extLst>
-      <p:ext uri="{BB962C8B-B14F-4D97-AF65-F5344CB8AC3E}">
-        <p14:creationId xmlns:p14="http://schemas.microsoft.com/office/powerpoint/2010/main" val="2662024231"/>
-      </p:ext>
-    </p:extLst>
-  </p:cSld>
-  <p:clrMapOvr>
-    <a:masterClrMapping/>
-  </p:clrMapOvr>
-</p:sld>
-</file>
-
-<file path=ppt/slides/slide6.xml><?xml version="1.0" encoding="utf-8"?>
-<p:sld xmlns:a="http://schemas.openxmlformats.org/drawingml/2006/main" xmlns:r="http://schemas.openxmlformats.org/officeDocument/2006/relationships" xmlns:p="http://schemas.openxmlformats.org/presentationml/2006/main">
-  <p:cSld>
-    <p:spTree>
-      <p:nvGrpSpPr>
-        <p:cNvPr id="1" name=""/>
-        <p:cNvGrpSpPr/>
-        <p:nvPr/>
-      </p:nvGrpSpPr>
-      <p:grpSpPr>
-        <a:xfrm>
-          <a:off x="0" y="0"/>
-          <a:ext cx="0" cy="0"/>
-          <a:chOff x="0" y="0"/>
-          <a:chExt cx="0" cy="0"/>
-        </a:xfrm>
-      </p:grpSpPr>
-      <p:sp>
-        <p:nvSpPr>
-          <p:cNvPr id="2" name="כותרת 1">
-            <a:extLst>
-              <a:ext uri="{FF2B5EF4-FFF2-40B4-BE49-F238E27FC236}">
-                <a16:creationId xmlns:a16="http://schemas.microsoft.com/office/drawing/2014/main" id="{BB0AEBC2-F917-FED1-41EC-F04ACEE918B3}"/>
-              </a:ext>
-            </a:extLst>
-          </p:cNvPr>
-          <p:cNvSpPr>
-            <a:spLocks noGrp="1"/>
-          </p:cNvSpPr>
-          <p:nvPr>
-            <p:ph type="title"/>
-          </p:nvPr>
-        </p:nvSpPr>
-        <p:spPr>
-          <a:xfrm>
-            <a:off x="212245" y="0"/>
-            <a:ext cx="10241280" cy="1234440"/>
-          </a:xfrm>
-        </p:spPr>
-        <p:txBody>
-          <a:bodyPr>
-            <a:normAutofit fontScale="90000"/>
-          </a:bodyPr>
-          <a:lstStyle/>
-          <a:p>
-            <a:br>
-              <a:rPr lang="he-IL" sz="3600" dirty="0">
-                <a:effectLst/>
-                <a:latin typeface="Arial" panose="020B0604020202020204" pitchFamily="34" charset="0"/>
-                <a:ea typeface="Arial" panose="020B0604020202020204" pitchFamily="34" charset="0"/>
-                <a:cs typeface="Arial" panose="020B0604020202020204" pitchFamily="34" charset="0"/>
-              </a:rPr>
-            </a:br>
-            <a:br>
-              <a:rPr lang="he-IL" sz="3600" dirty="0">
-                <a:effectLst/>
-                <a:latin typeface="Arial" panose="020B0604020202020204" pitchFamily="34" charset="0"/>
-                <a:ea typeface="Arial" panose="020B0604020202020204" pitchFamily="34" charset="0"/>
-                <a:cs typeface="Arial" panose="020B0604020202020204" pitchFamily="34" charset="0"/>
-              </a:rPr>
-            </a:br>
-            <a:r>
-              <a:rPr lang="he-IL" sz="3600" dirty="0">
-                <a:effectLst/>
-                <a:latin typeface="Arial" panose="020B0604020202020204" pitchFamily="34" charset="0"/>
-                <a:ea typeface="Arial" panose="020B0604020202020204" pitchFamily="34" charset="0"/>
-                <a:cs typeface="Arial" panose="020B0604020202020204" pitchFamily="34" charset="0"/>
-              </a:rPr>
-              <a:t>   </a:t>
-            </a:r>
-            <a:r>
-              <a:rPr lang="en-US" sz="3600" dirty="0">
-                <a:effectLst/>
-                <a:latin typeface="Arial" panose="020B0604020202020204" pitchFamily="34" charset="0"/>
-                <a:ea typeface="Arial" panose="020B0604020202020204" pitchFamily="34" charset="0"/>
-                <a:cs typeface="Arial" panose="020B0604020202020204" pitchFamily="34" charset="0"/>
-              </a:rPr>
-              <a:t>Activity diagram</a:t>
-            </a:r>
-            <a:br>
-              <a:rPr lang="en-US" sz="3600" dirty="0">
-                <a:effectLst/>
-                <a:latin typeface="Arial" panose="020B0604020202020204" pitchFamily="34" charset="0"/>
-                <a:ea typeface="Arial" panose="020B0604020202020204" pitchFamily="34" charset="0"/>
-                <a:cs typeface="Arial" panose="020B0604020202020204" pitchFamily="34" charset="0"/>
-              </a:rPr>
-            </a:br>
-            <a:endParaRPr lang="LID4096" sz="6600" dirty="0"/>
-          </a:p>
-        </p:txBody>
-      </p:sp>
-      <p:pic>
-        <p:nvPicPr>
-          <p:cNvPr id="4" name="מציין מיקום תוכן 3">
-            <a:extLst>
-              <a:ext uri="{FF2B5EF4-FFF2-40B4-BE49-F238E27FC236}">
-                <a16:creationId xmlns:a16="http://schemas.microsoft.com/office/drawing/2014/main" id="{22445C27-CB38-7E02-686C-A5ECFB82334C}"/>
-              </a:ext>
-            </a:extLst>
-          </p:cNvPr>
-          <p:cNvPicPr>
-            <a:picLocks noGrp="1" noChangeAspect="1"/>
-          </p:cNvPicPr>
-          <p:nvPr>
-            <p:ph idx="1"/>
-          </p:nvPr>
-        </p:nvPicPr>
-        <p:blipFill>
-          <a:blip r:embed="rId2"/>
-          <a:stretch>
-            <a:fillRect/>
-          </a:stretch>
-        </p:blipFill>
-        <p:spPr>
-          <a:xfrm>
-            <a:off x="1667806" y="1121319"/>
-            <a:ext cx="9229580" cy="5862961"/>
-          </a:xfrm>
-          <a:prstGeom prst="rect">
-            <a:avLst/>
-          </a:prstGeom>
-        </p:spPr>
-      </p:pic>
-    </p:spTree>
-    <p:extLst>
-      <p:ext uri="{BB962C8B-B14F-4D97-AF65-F5344CB8AC3E}">
-        <p14:creationId xmlns:p14="http://schemas.microsoft.com/office/powerpoint/2010/main" val="3270190860"/>
-      </p:ext>
-    </p:extLst>
-  </p:cSld>
-  <p:clrMapOvr>
-    <a:masterClrMapping/>
-  </p:clrMapOvr>
-</p:sld>
-</file>
-
-<file path=ppt/slides/slide7.xml><?xml version="1.0" encoding="utf-8"?>
-<p:sld xmlns:a="http://schemas.openxmlformats.org/drawingml/2006/main" xmlns:r="http://schemas.openxmlformats.org/officeDocument/2006/relationships" xmlns:p="http://schemas.openxmlformats.org/presentationml/2006/main">
-  <p:cSld>
-    <p:spTree>
-      <p:nvGrpSpPr>
-        <p:cNvPr id="1" name=""/>
-        <p:cNvGrpSpPr/>
-        <p:nvPr/>
-      </p:nvGrpSpPr>
-      <p:grpSpPr>
-        <a:xfrm>
-          <a:off x="0" y="0"/>
-          <a:ext cx="0" cy="0"/>
-          <a:chOff x="0" y="0"/>
-          <a:chExt cx="0" cy="0"/>
-        </a:xfrm>
-      </p:grpSpPr>
-      <p:sp>
-        <p:nvSpPr>
-          <p:cNvPr id="2" name="כותרת 1">
-            <a:extLst>
-              <a:ext uri="{FF2B5EF4-FFF2-40B4-BE49-F238E27FC236}">
-                <a16:creationId xmlns:a16="http://schemas.microsoft.com/office/drawing/2014/main" id="{76FB12F3-9332-82ED-75B5-BD749408CF53}"/>
-              </a:ext>
-            </a:extLst>
-          </p:cNvPr>
-          <p:cNvSpPr>
-            <a:spLocks noGrp="1"/>
-          </p:cNvSpPr>
-          <p:nvPr>
-            <p:ph type="title"/>
-          </p:nvPr>
-        </p:nvSpPr>
-        <p:spPr>
-          <a:xfrm>
-            <a:off x="811161" y="662792"/>
-            <a:ext cx="10241280" cy="1234440"/>
-          </a:xfrm>
-        </p:spPr>
-        <p:txBody>
-          <a:bodyPr>
-            <a:normAutofit fontScale="90000"/>
-          </a:bodyPr>
-          <a:lstStyle/>
-          <a:p>
-            <a:r>
-              <a:rPr lang="en-US" sz="3600" dirty="0">
-                <a:effectLst/>
-                <a:latin typeface="Arial" panose="020B0604020202020204" pitchFamily="34" charset="0"/>
-                <a:ea typeface="Arial" panose="020B0604020202020204" pitchFamily="34" charset="0"/>
-                <a:cs typeface="Arial" panose="020B0604020202020204" pitchFamily="34" charset="0"/>
-              </a:rPr>
-              <a:t>Use Case diagram</a:t>
-            </a:r>
-            <a:br>
-              <a:rPr lang="en-US" sz="3600" dirty="0">
-                <a:effectLst/>
-                <a:latin typeface="Arial" panose="020B0604020202020204" pitchFamily="34" charset="0"/>
-                <a:ea typeface="Arial" panose="020B0604020202020204" pitchFamily="34" charset="0"/>
-                <a:cs typeface="Arial" panose="020B0604020202020204" pitchFamily="34" charset="0"/>
-              </a:rPr>
-            </a:br>
-            <a:endParaRPr lang="LID4096" sz="6600" dirty="0"/>
-          </a:p>
-        </p:txBody>
-      </p:sp>
-      <p:pic>
-        <p:nvPicPr>
-          <p:cNvPr id="4" name="מציין מיקום תוכן 3">
-            <a:extLst>
-              <a:ext uri="{FF2B5EF4-FFF2-40B4-BE49-F238E27FC236}">
-                <a16:creationId xmlns:a16="http://schemas.microsoft.com/office/drawing/2014/main" id="{AFB4A5C7-12A6-EFC1-1BF2-3DCC3881A67E}"/>
-              </a:ext>
-            </a:extLst>
-          </p:cNvPr>
-          <p:cNvPicPr>
-            <a:picLocks noGrp="1" noChangeAspect="1"/>
-          </p:cNvPicPr>
-          <p:nvPr>
-            <p:ph idx="1"/>
-          </p:nvPr>
-        </p:nvPicPr>
-        <p:blipFill>
-          <a:blip r:embed="rId2"/>
-          <a:stretch>
-            <a:fillRect/>
-          </a:stretch>
-        </p:blipFill>
-        <p:spPr>
-          <a:xfrm>
-            <a:off x="0" y="1131216"/>
-            <a:ext cx="12188858" cy="5726784"/>
-          </a:xfrm>
-          <a:prstGeom prst="rect">
-            <a:avLst/>
-          </a:prstGeom>
-        </p:spPr>
-      </p:pic>
-    </p:spTree>
-    <p:extLst>
-      <p:ext uri="{BB962C8B-B14F-4D97-AF65-F5344CB8AC3E}">
-        <p14:creationId xmlns:p14="http://schemas.microsoft.com/office/powerpoint/2010/main" val="1005433558"/>
-      </p:ext>
-    </p:extLst>
-  </p:cSld>
-  <p:clrMapOvr>
-    <a:masterClrMapping/>
-  </p:clrMapOvr>
-</p:sld>
-</file>
-
-<file path=ppt/slides/slide8.xml><?xml version="1.0" encoding="utf-8"?>
-<p:sld xmlns:a="http://schemas.openxmlformats.org/drawingml/2006/main" xmlns:r="http://schemas.openxmlformats.org/officeDocument/2006/relationships" xmlns:p="http://schemas.openxmlformats.org/presentationml/2006/main">
-  <p:cSld>
-    <p:spTree>
-      <p:nvGrpSpPr>
-        <p:cNvPr id="1" name=""/>
-        <p:cNvGrpSpPr/>
-        <p:nvPr/>
-      </p:nvGrpSpPr>
-      <p:grpSpPr>
-        <a:xfrm>
-          <a:off x="0" y="0"/>
-          <a:ext cx="0" cy="0"/>
-          <a:chOff x="0" y="0"/>
-          <a:chExt cx="0" cy="0"/>
-        </a:xfrm>
-      </p:grpSpPr>
       <p:pic>
         <p:nvPicPr>
           <p:cNvPr id="1026" name="Picture 2" descr="Three-tier architecture overview - AWS Serverless Multi-Tier Architectures  with Amazon API Gateway and AWS Lambda">
@@ -24677,17 +24642,9 @@
 </p:sld>
 </file>
 
-<file path=ppt/slides/slide9.xml><?xml version="1.0" encoding="utf-8"?>
+<file path=ppt/slides/slide6.xml><?xml version="1.0" encoding="utf-8"?>
 <p:sld xmlns:a="http://schemas.openxmlformats.org/drawingml/2006/main" xmlns:r="http://schemas.openxmlformats.org/officeDocument/2006/relationships" xmlns:p="http://schemas.openxmlformats.org/presentationml/2006/main">
   <p:cSld>
-    <p:bg>
-      <p:bgPr>
-        <a:solidFill>
-          <a:schemeClr val="bg1"/>
-        </a:solidFill>
-        <a:effectLst/>
-      </p:bgPr>
-    </p:bg>
     <p:spTree>
       <p:nvGrpSpPr>
         <p:cNvPr id="1" name=""/>
@@ -24704,10 +24661,44 @@
       </p:grpSpPr>
       <p:sp>
         <p:nvSpPr>
+          <p:cNvPr id="2" name="כותרת 1">
+            <a:extLst>
+              <a:ext uri="{FF2B5EF4-FFF2-40B4-BE49-F238E27FC236}">
+                <a16:creationId xmlns:a16="http://schemas.microsoft.com/office/drawing/2014/main" id="{298DED83-0B80-453E-84E9-4AF65B7B7759}"/>
+              </a:ext>
+            </a:extLst>
+          </p:cNvPr>
+          <p:cNvSpPr>
+            <a:spLocks noGrp="1"/>
+          </p:cNvSpPr>
+          <p:nvPr>
+            <p:ph type="title"/>
+          </p:nvPr>
+        </p:nvSpPr>
+        <p:spPr>
+          <a:xfrm rot="10800000" flipV="1">
+            <a:off x="917859" y="558505"/>
+            <a:ext cx="6034243" cy="1364488"/>
+          </a:xfrm>
+        </p:spPr>
+        <p:txBody>
+          <a:bodyPr/>
+          <a:lstStyle/>
+          <a:p>
+            <a:r>
+              <a:rPr lang="en-US" dirty="0"/>
+              <a:t>Login screen</a:t>
+            </a:r>
+            <a:endParaRPr lang="LID4096" dirty="0"/>
+          </a:p>
+        </p:txBody>
+      </p:sp>
+      <p:sp>
+        <p:nvSpPr>
           <p:cNvPr id="4" name="מציין מיקום תוכן 3">
             <a:extLst>
               <a:ext uri="{FF2B5EF4-FFF2-40B4-BE49-F238E27FC236}">
-                <a16:creationId xmlns:a16="http://schemas.microsoft.com/office/drawing/2014/main" id="{D7A3A5A3-0CD0-2A78-1B7E-4CB8A0D2F675}"/>
+                <a16:creationId xmlns:a16="http://schemas.microsoft.com/office/drawing/2014/main" id="{2424BE5C-4172-90E5-2031-6A12FFAE2E9C}"/>
               </a:ext>
             </a:extLst>
           </p:cNvPr>
@@ -24718,22 +24709,480 @@
             <p:ph idx="1"/>
           </p:nvPr>
         </p:nvSpPr>
+        <p:spPr/>
+        <p:txBody>
+          <a:bodyPr/>
+          <a:lstStyle/>
+          <a:p>
+            <a:endParaRPr lang="LID4096"/>
+          </a:p>
+        </p:txBody>
+      </p:sp>
+      <p:pic>
+        <p:nvPicPr>
+          <p:cNvPr id="5" name="תמונה 4">
+            <a:extLst>
+              <a:ext uri="{FF2B5EF4-FFF2-40B4-BE49-F238E27FC236}">
+                <a16:creationId xmlns:a16="http://schemas.microsoft.com/office/drawing/2014/main" id="{C3A6CFAE-A840-40D3-5CCB-FC2C083EE141}"/>
+              </a:ext>
+            </a:extLst>
+          </p:cNvPr>
+          <p:cNvPicPr>
+            <a:picLocks noChangeAspect="1"/>
+          </p:cNvPicPr>
+          <p:nvPr/>
+        </p:nvPicPr>
+        <p:blipFill>
+          <a:blip r:embed="rId2"/>
+          <a:stretch>
+            <a:fillRect/>
+          </a:stretch>
+        </p:blipFill>
         <p:spPr>
           <a:xfrm>
-            <a:off x="1154955" y="4044098"/>
-            <a:ext cx="2069012" cy="1975701"/>
+            <a:off x="5778047" y="99548"/>
+            <a:ext cx="3248478" cy="6658904"/>
+          </a:xfrm>
+          <a:prstGeom prst="rect">
+            <a:avLst/>
+          </a:prstGeom>
+        </p:spPr>
+      </p:pic>
+    </p:spTree>
+    <p:extLst>
+      <p:ext uri="{BB962C8B-B14F-4D97-AF65-F5344CB8AC3E}">
+        <p14:creationId xmlns:p14="http://schemas.microsoft.com/office/powerpoint/2010/main" val="3232732212"/>
+      </p:ext>
+    </p:extLst>
+  </p:cSld>
+  <p:clrMapOvr>
+    <a:masterClrMapping/>
+  </p:clrMapOvr>
+</p:sld>
+</file>
+
+<file path=ppt/slides/slide7.xml><?xml version="1.0" encoding="utf-8"?>
+<p:sld xmlns:a="http://schemas.openxmlformats.org/drawingml/2006/main" xmlns:r="http://schemas.openxmlformats.org/officeDocument/2006/relationships" xmlns:p="http://schemas.openxmlformats.org/presentationml/2006/main">
+  <p:cSld>
+    <p:spTree>
+      <p:nvGrpSpPr>
+        <p:cNvPr id="1" name=""/>
+        <p:cNvGrpSpPr/>
+        <p:nvPr/>
+      </p:nvGrpSpPr>
+      <p:grpSpPr>
+        <a:xfrm>
+          <a:off x="0" y="0"/>
+          <a:ext cx="0" cy="0"/>
+          <a:chOff x="0" y="0"/>
+          <a:chExt cx="0" cy="0"/>
+        </a:xfrm>
+      </p:grpSpPr>
+      <p:sp>
+        <p:nvSpPr>
+          <p:cNvPr id="2" name="כותרת 1">
+            <a:extLst>
+              <a:ext uri="{FF2B5EF4-FFF2-40B4-BE49-F238E27FC236}">
+                <a16:creationId xmlns:a16="http://schemas.microsoft.com/office/drawing/2014/main" id="{298DED83-0B80-453E-84E9-4AF65B7B7759}"/>
+              </a:ext>
+            </a:extLst>
+          </p:cNvPr>
+          <p:cNvSpPr>
+            <a:spLocks noGrp="1"/>
+          </p:cNvSpPr>
+          <p:nvPr>
+            <p:ph type="title"/>
+          </p:nvPr>
+        </p:nvSpPr>
+        <p:spPr>
+          <a:xfrm flipV="1">
+            <a:off x="5578636" y="-568960"/>
+            <a:ext cx="6034243" cy="1364488"/>
           </a:xfrm>
         </p:spPr>
         <p:txBody>
-          <a:bodyPr anchor="ctr">
-            <a:normAutofit/>
+          <a:bodyPr/>
+          <a:lstStyle/>
+          <a:p>
+            <a:endParaRPr lang="LID4096" dirty="0"/>
+          </a:p>
+        </p:txBody>
+      </p:sp>
+      <p:sp>
+        <p:nvSpPr>
+          <p:cNvPr id="3" name="כותרת 1">
+            <a:extLst>
+              <a:ext uri="{FF2B5EF4-FFF2-40B4-BE49-F238E27FC236}">
+                <a16:creationId xmlns:a16="http://schemas.microsoft.com/office/drawing/2014/main" id="{3D4EF4C5-F712-8329-1316-8BE59641C761}"/>
+              </a:ext>
+            </a:extLst>
+          </p:cNvPr>
+          <p:cNvSpPr txBox="1">
+            <a:spLocks/>
+          </p:cNvSpPr>
+          <p:nvPr/>
+        </p:nvSpPr>
+        <p:spPr bwMode="gray">
+          <a:xfrm rot="10800000" flipV="1">
+            <a:off x="579121" y="514116"/>
+            <a:ext cx="6034243" cy="1364488"/>
+          </a:xfrm>
+          <a:prstGeom prst="rect">
+            <a:avLst/>
+          </a:prstGeom>
+        </p:spPr>
+        <p:txBody>
+          <a:bodyPr vert="horz" lIns="91440" tIns="45720" rIns="91440" bIns="45720" rtlCol="0" anchor="ctr">
+            <a:noAutofit/>
+          </a:bodyPr>
+          <a:lstStyle>
+            <a:lvl1pPr algn="l" defTabSz="457200" rtl="0" eaLnBrk="1" latinLnBrk="0" hangingPunct="1">
+              <a:spcBef>
+                <a:spcPct val="0"/>
+              </a:spcBef>
+              <a:buNone/>
+              <a:defRPr sz="3600" b="0" i="0" kern="1200">
+                <a:solidFill>
+                  <a:schemeClr val="bg2"/>
+                </a:solidFill>
+                <a:latin typeface="+mj-lt"/>
+                <a:ea typeface="+mj-ea"/>
+                <a:cs typeface="+mj-cs"/>
+              </a:defRPr>
+            </a:lvl1pPr>
+            <a:lvl2pPr eaLnBrk="1" hangingPunct="1">
+              <a:defRPr>
+                <a:solidFill>
+                  <a:schemeClr val="tx2"/>
+                </a:solidFill>
+              </a:defRPr>
+            </a:lvl2pPr>
+            <a:lvl3pPr eaLnBrk="1" hangingPunct="1">
+              <a:defRPr>
+                <a:solidFill>
+                  <a:schemeClr val="tx2"/>
+                </a:solidFill>
+              </a:defRPr>
+            </a:lvl3pPr>
+            <a:lvl4pPr eaLnBrk="1" hangingPunct="1">
+              <a:defRPr>
+                <a:solidFill>
+                  <a:schemeClr val="tx2"/>
+                </a:solidFill>
+              </a:defRPr>
+            </a:lvl4pPr>
+            <a:lvl5pPr eaLnBrk="1" hangingPunct="1">
+              <a:defRPr>
+                <a:solidFill>
+                  <a:schemeClr val="tx2"/>
+                </a:solidFill>
+              </a:defRPr>
+            </a:lvl5pPr>
+            <a:lvl6pPr eaLnBrk="1" hangingPunct="1">
+              <a:defRPr>
+                <a:solidFill>
+                  <a:schemeClr val="tx2"/>
+                </a:solidFill>
+              </a:defRPr>
+            </a:lvl6pPr>
+            <a:lvl7pPr eaLnBrk="1" hangingPunct="1">
+              <a:defRPr>
+                <a:solidFill>
+                  <a:schemeClr val="tx2"/>
+                </a:solidFill>
+              </a:defRPr>
+            </a:lvl7pPr>
+            <a:lvl8pPr eaLnBrk="1" hangingPunct="1">
+              <a:defRPr>
+                <a:solidFill>
+                  <a:schemeClr val="tx2"/>
+                </a:solidFill>
+              </a:defRPr>
+            </a:lvl8pPr>
+            <a:lvl9pPr eaLnBrk="1" hangingPunct="1">
+              <a:defRPr>
+                <a:solidFill>
+                  <a:schemeClr val="tx2"/>
+                </a:solidFill>
+              </a:defRPr>
+            </a:lvl9pPr>
+          </a:lstStyle>
+          <a:p>
+            <a:r>
+              <a:rPr lang="en-US" dirty="0"/>
+              <a:t>Map screen- </a:t>
+            </a:r>
+          </a:p>
+          <a:p>
+            <a:r>
+              <a:rPr lang="en-US" dirty="0"/>
+              <a:t>Standard user</a:t>
+            </a:r>
+            <a:endParaRPr lang="LID4096" dirty="0"/>
+          </a:p>
+        </p:txBody>
+      </p:sp>
+      <p:sp>
+        <p:nvSpPr>
+          <p:cNvPr id="5" name="מציין מיקום תוכן 4">
+            <a:extLst>
+              <a:ext uri="{FF2B5EF4-FFF2-40B4-BE49-F238E27FC236}">
+                <a16:creationId xmlns:a16="http://schemas.microsoft.com/office/drawing/2014/main" id="{2F583077-9C5D-FF51-C13E-CB0F8BDC31D7}"/>
+              </a:ext>
+            </a:extLst>
+          </p:cNvPr>
+          <p:cNvSpPr>
+            <a:spLocks noGrp="1"/>
+          </p:cNvSpPr>
+          <p:nvPr>
+            <p:ph idx="1"/>
+          </p:nvPr>
+        </p:nvSpPr>
+        <p:spPr/>
+        <p:txBody>
+          <a:bodyPr/>
+          <a:lstStyle/>
+          <a:p>
+            <a:endParaRPr lang="LID4096"/>
+          </a:p>
+        </p:txBody>
+      </p:sp>
+      <p:pic>
+        <p:nvPicPr>
+          <p:cNvPr id="6" name="תמונה 5">
+            <a:extLst>
+              <a:ext uri="{FF2B5EF4-FFF2-40B4-BE49-F238E27FC236}">
+                <a16:creationId xmlns:a16="http://schemas.microsoft.com/office/drawing/2014/main" id="{82DEBEBC-1302-296F-2473-E921E456B1DA}"/>
+              </a:ext>
+            </a:extLst>
+          </p:cNvPr>
+          <p:cNvPicPr>
+            <a:picLocks noChangeAspect="1"/>
+          </p:cNvPicPr>
+          <p:nvPr/>
+        </p:nvPicPr>
+        <p:blipFill>
+          <a:blip r:embed="rId2"/>
+          <a:stretch>
+            <a:fillRect/>
+          </a:stretch>
+        </p:blipFill>
+        <p:spPr>
+          <a:xfrm>
+            <a:off x="5578636" y="-118617"/>
+            <a:ext cx="3409016" cy="7038615"/>
+          </a:xfrm>
+          <a:prstGeom prst="rect">
+            <a:avLst/>
+          </a:prstGeom>
+        </p:spPr>
+      </p:pic>
+    </p:spTree>
+    <p:extLst>
+      <p:ext uri="{BB962C8B-B14F-4D97-AF65-F5344CB8AC3E}">
+        <p14:creationId xmlns:p14="http://schemas.microsoft.com/office/powerpoint/2010/main" val="3321520549"/>
+      </p:ext>
+    </p:extLst>
+  </p:cSld>
+  <p:clrMapOvr>
+    <a:masterClrMapping/>
+  </p:clrMapOvr>
+</p:sld>
+</file>
+
+<file path=ppt/slides/slide8.xml><?xml version="1.0" encoding="utf-8"?>
+<p:sld xmlns:a="http://schemas.openxmlformats.org/drawingml/2006/main" xmlns:r="http://schemas.openxmlformats.org/officeDocument/2006/relationships" xmlns:p="http://schemas.openxmlformats.org/presentationml/2006/main">
+  <p:cSld>
+    <p:spTree>
+      <p:nvGrpSpPr>
+        <p:cNvPr id="1" name=""/>
+        <p:cNvGrpSpPr/>
+        <p:nvPr/>
+      </p:nvGrpSpPr>
+      <p:grpSpPr>
+        <a:xfrm>
+          <a:off x="0" y="0"/>
+          <a:ext cx="0" cy="0"/>
+          <a:chOff x="0" y="0"/>
+          <a:chExt cx="0" cy="0"/>
+        </a:xfrm>
+      </p:grpSpPr>
+      <p:sp>
+        <p:nvSpPr>
+          <p:cNvPr id="2" name="כותרת 1">
+            <a:extLst>
+              <a:ext uri="{FF2B5EF4-FFF2-40B4-BE49-F238E27FC236}">
+                <a16:creationId xmlns:a16="http://schemas.microsoft.com/office/drawing/2014/main" id="{298DED83-0B80-453E-84E9-4AF65B7B7759}"/>
+              </a:ext>
+            </a:extLst>
+          </p:cNvPr>
+          <p:cNvSpPr>
+            <a:spLocks noGrp="1"/>
+          </p:cNvSpPr>
+          <p:nvPr>
+            <p:ph type="title"/>
+          </p:nvPr>
+        </p:nvSpPr>
+        <p:spPr>
+          <a:xfrm flipV="1">
+            <a:off x="5578636" y="-568960"/>
+            <a:ext cx="6034243" cy="1364488"/>
+          </a:xfrm>
+        </p:spPr>
+        <p:txBody>
+          <a:bodyPr/>
+          <a:lstStyle/>
+          <a:p>
+            <a:endParaRPr lang="LID4096" dirty="0"/>
+          </a:p>
+        </p:txBody>
+      </p:sp>
+      <p:sp>
+        <p:nvSpPr>
+          <p:cNvPr id="12" name="תיבת טקסט 11">
+            <a:extLst>
+              <a:ext uri="{FF2B5EF4-FFF2-40B4-BE49-F238E27FC236}">
+                <a16:creationId xmlns:a16="http://schemas.microsoft.com/office/drawing/2014/main" id="{92A3B002-A6CE-0505-5B23-63F94F121AFC}"/>
+              </a:ext>
+            </a:extLst>
+          </p:cNvPr>
+          <p:cNvSpPr txBox="1"/>
+          <p:nvPr/>
+        </p:nvSpPr>
+        <p:spPr>
+          <a:xfrm>
+            <a:off x="839476" y="593742"/>
+            <a:ext cx="6094520" cy="1200329"/>
+          </a:xfrm>
+          <a:prstGeom prst="rect">
+            <a:avLst/>
+          </a:prstGeom>
+          <a:noFill/>
+        </p:spPr>
+        <p:txBody>
+          <a:bodyPr wrap="square">
+            <a:spAutoFit/>
           </a:bodyPr>
           <a:lstStyle/>
           <a:p>
-            <a:pPr marL="0" indent="0">
+            <a:pPr marL="0" marR="0" lvl="0" indent="0" algn="l" defTabSz="457200" rtl="0" eaLnBrk="1" fontAlgn="auto" latinLnBrk="0" hangingPunct="1">
+              <a:lnSpc>
+                <a:spcPct val="100000"/>
+              </a:lnSpc>
+              <a:spcBef>
+                <a:spcPts val="0"/>
+              </a:spcBef>
+              <a:spcAft>
+                <a:spcPts val="0"/>
+              </a:spcAft>
+              <a:buClrTx/>
+              <a:buSzTx/>
+              <a:buFontTx/>
               <a:buNone/>
+              <a:tabLst/>
+              <a:defRPr/>
             </a:pPr>
-            <a:endParaRPr lang="LID4096" sz="1600" dirty="0"/>
+            <a:r>
+              <a:rPr kumimoji="0" lang="en-US" sz="3600" b="0" i="0" u="none" strike="noStrike" kern="1200" cap="none" spc="0" normalizeH="0" baseline="0" noProof="0" dirty="0">
+                <a:ln>
+                  <a:noFill/>
+                </a:ln>
+                <a:solidFill>
+                  <a:schemeClr val="bg1"/>
+                </a:solidFill>
+                <a:effectLst/>
+                <a:uLnTx/>
+                <a:uFillTx/>
+                <a:latin typeface="Century Gothic" panose="020B0502020202020204"/>
+                <a:ea typeface="+mn-ea"/>
+                <a:cs typeface="+mn-cs"/>
+              </a:rPr>
+              <a:t>Map screen- </a:t>
+            </a:r>
+          </a:p>
+          <a:p>
+            <a:pPr marL="0" marR="0" lvl="0" indent="0" algn="l" defTabSz="457200" rtl="0" eaLnBrk="1" fontAlgn="auto" latinLnBrk="0" hangingPunct="1">
+              <a:lnSpc>
+                <a:spcPct val="100000"/>
+              </a:lnSpc>
+              <a:spcBef>
+                <a:spcPts val="0"/>
+              </a:spcBef>
+              <a:spcAft>
+                <a:spcPts val="0"/>
+              </a:spcAft>
+              <a:buClrTx/>
+              <a:buSzTx/>
+              <a:buFontTx/>
+              <a:buNone/>
+              <a:tabLst/>
+              <a:defRPr/>
+            </a:pPr>
+            <a:r>
+              <a:rPr lang="en-US" sz="3600" dirty="0">
+                <a:solidFill>
+                  <a:schemeClr val="bg1"/>
+                </a:solidFill>
+                <a:latin typeface="Century Gothic" panose="020B0502020202020204"/>
+              </a:rPr>
+              <a:t>Admin</a:t>
+            </a:r>
+            <a:r>
+              <a:rPr kumimoji="0" lang="en-US" sz="3600" b="0" i="0" u="none" strike="noStrike" kern="1200" cap="none" spc="0" normalizeH="0" baseline="0" noProof="0" dirty="0">
+                <a:ln>
+                  <a:noFill/>
+                </a:ln>
+                <a:solidFill>
+                  <a:schemeClr val="bg1"/>
+                </a:solidFill>
+                <a:effectLst/>
+                <a:uLnTx/>
+                <a:uFillTx/>
+                <a:latin typeface="Century Gothic" panose="020B0502020202020204"/>
+                <a:ea typeface="+mn-ea"/>
+                <a:cs typeface="+mn-cs"/>
+              </a:rPr>
+              <a:t> user</a:t>
+            </a:r>
+            <a:endParaRPr kumimoji="0" lang="LID4096" sz="3600" b="0" i="0" u="none" strike="noStrike" kern="1200" cap="none" spc="0" normalizeH="0" baseline="0" noProof="0" dirty="0">
+              <a:ln>
+                <a:noFill/>
+              </a:ln>
+              <a:solidFill>
+                <a:schemeClr val="bg1"/>
+              </a:solidFill>
+              <a:effectLst/>
+              <a:uLnTx/>
+              <a:uFillTx/>
+              <a:latin typeface="Century Gothic" panose="020B0502020202020204"/>
+              <a:ea typeface="+mn-ea"/>
+              <a:cs typeface="+mn-cs"/>
+            </a:endParaRPr>
+          </a:p>
+        </p:txBody>
+      </p:sp>
+      <p:sp>
+        <p:nvSpPr>
+          <p:cNvPr id="4" name="מציין מיקום תוכן 3">
+            <a:extLst>
+              <a:ext uri="{FF2B5EF4-FFF2-40B4-BE49-F238E27FC236}">
+                <a16:creationId xmlns:a16="http://schemas.microsoft.com/office/drawing/2014/main" id="{14C815A9-DD6C-4A75-BA1E-8BCB5535987B}"/>
+              </a:ext>
+            </a:extLst>
+          </p:cNvPr>
+          <p:cNvSpPr>
+            <a:spLocks noGrp="1"/>
+          </p:cNvSpPr>
+          <p:nvPr>
+            <p:ph idx="1"/>
+          </p:nvPr>
+        </p:nvSpPr>
+        <p:spPr/>
+        <p:txBody>
+          <a:bodyPr/>
+          <a:lstStyle/>
+          <a:p>
+            <a:endParaRPr lang="LID4096"/>
           </a:p>
         </p:txBody>
       </p:sp>
@@ -24742,7 +25191,7 @@
           <p:cNvPr id="7" name="תמונה 6">
             <a:extLst>
               <a:ext uri="{FF2B5EF4-FFF2-40B4-BE49-F238E27FC236}">
-                <a16:creationId xmlns:a16="http://schemas.microsoft.com/office/drawing/2014/main" id="{245F2D6B-375E-AE15-54EA-3027B4775871}"/>
+                <a16:creationId xmlns:a16="http://schemas.microsoft.com/office/drawing/2014/main" id="{169389EE-45CD-AF02-2AAC-96509FDA3161}"/>
               </a:ext>
             </a:extLst>
           </p:cNvPr>
@@ -24751,36 +25200,88 @@
           </p:cNvPicPr>
           <p:nvPr/>
         </p:nvPicPr>
-        <p:blipFill rotWithShape="1">
+        <p:blipFill>
           <a:blip r:embed="rId2"/>
-          <a:srcRect t="9095" b="6496"/>
-          <a:stretch/>
+          <a:stretch>
+            <a:fillRect/>
+          </a:stretch>
         </p:blipFill>
         <p:spPr>
           <a:xfrm>
-            <a:off x="1065228" y="1736688"/>
-            <a:ext cx="10283491" cy="5121312"/>
+            <a:off x="5864092" y="93270"/>
+            <a:ext cx="3409345" cy="6750111"/>
           </a:xfrm>
-          <a:prstGeom prst="roundRect">
-            <a:avLst>
-              <a:gd name="adj" fmla="val 1858"/>
-            </a:avLst>
+          <a:prstGeom prst="rect">
+            <a:avLst/>
           </a:prstGeom>
-          <a:effectLst>
-            <a:outerShdw blurRad="50800" dist="50800" dir="5400000" algn="tl" rotWithShape="0">
-              <a:srgbClr val="000000">
-                <a:alpha val="43000"/>
-              </a:srgbClr>
-            </a:outerShdw>
-          </a:effectLst>
         </p:spPr>
       </p:pic>
+    </p:spTree>
+    <p:extLst>
+      <p:ext uri="{BB962C8B-B14F-4D97-AF65-F5344CB8AC3E}">
+        <p14:creationId xmlns:p14="http://schemas.microsoft.com/office/powerpoint/2010/main" val="2601404238"/>
+      </p:ext>
+    </p:extLst>
+  </p:cSld>
+  <p:clrMapOvr>
+    <a:masterClrMapping/>
+  </p:clrMapOvr>
+</p:sld>
+</file>
+
+<file path=ppt/slides/slide9.xml><?xml version="1.0" encoding="utf-8"?>
+<p:sld xmlns:a="http://schemas.openxmlformats.org/drawingml/2006/main" xmlns:r="http://schemas.openxmlformats.org/officeDocument/2006/relationships" xmlns:p="http://schemas.openxmlformats.org/presentationml/2006/main">
+  <p:cSld>
+    <p:spTree>
+      <p:nvGrpSpPr>
+        <p:cNvPr id="1" name=""/>
+        <p:cNvGrpSpPr/>
+        <p:nvPr/>
+      </p:nvGrpSpPr>
+      <p:grpSpPr>
+        <a:xfrm>
+          <a:off x="0" y="0"/>
+          <a:ext cx="0" cy="0"/>
+          <a:chOff x="0" y="0"/>
+          <a:chExt cx="0" cy="0"/>
+        </a:xfrm>
+      </p:grpSpPr>
       <p:sp>
         <p:nvSpPr>
-          <p:cNvPr id="2" name="תיבת טקסט 1">
+          <p:cNvPr id="2" name="כותרת 1">
             <a:extLst>
               <a:ext uri="{FF2B5EF4-FFF2-40B4-BE49-F238E27FC236}">
-                <a16:creationId xmlns:a16="http://schemas.microsoft.com/office/drawing/2014/main" id="{334E6104-1E73-688F-F8D4-ECD256E45C80}"/>
+                <a16:creationId xmlns:a16="http://schemas.microsoft.com/office/drawing/2014/main" id="{298DED83-0B80-453E-84E9-4AF65B7B7759}"/>
+              </a:ext>
+            </a:extLst>
+          </p:cNvPr>
+          <p:cNvSpPr>
+            <a:spLocks noGrp="1"/>
+          </p:cNvSpPr>
+          <p:nvPr>
+            <p:ph type="title"/>
+          </p:nvPr>
+        </p:nvSpPr>
+        <p:spPr>
+          <a:xfrm flipV="1">
+            <a:off x="5578636" y="-568960"/>
+            <a:ext cx="6034243" cy="1364488"/>
+          </a:xfrm>
+        </p:spPr>
+        <p:txBody>
+          <a:bodyPr/>
+          <a:lstStyle/>
+          <a:p>
+            <a:endParaRPr lang="LID4096" dirty="0"/>
+          </a:p>
+        </p:txBody>
+      </p:sp>
+      <p:sp>
+        <p:nvSpPr>
+          <p:cNvPr id="4" name="תיבת טקסט 3">
+            <a:extLst>
+              <a:ext uri="{FF2B5EF4-FFF2-40B4-BE49-F238E27FC236}">
+                <a16:creationId xmlns:a16="http://schemas.microsoft.com/office/drawing/2014/main" id="{C91369F9-3B16-24F3-875C-D087B33E53DA}"/>
               </a:ext>
             </a:extLst>
           </p:cNvPr>
@@ -24789,8 +25290,8 @@
         </p:nvSpPr>
         <p:spPr>
           <a:xfrm>
-            <a:off x="1272618" y="838201"/>
-            <a:ext cx="3157979" cy="584775"/>
+            <a:off x="538985" y="688062"/>
+            <a:ext cx="6094520" cy="1200329"/>
           </a:xfrm>
           <a:prstGeom prst="rect">
             <a:avLst/>
@@ -24798,20 +25299,30 @@
           <a:noFill/>
         </p:spPr>
         <p:txBody>
-          <a:bodyPr wrap="square" rtlCol="0">
+          <a:bodyPr wrap="square">
             <a:spAutoFit/>
           </a:bodyPr>
           <a:lstStyle/>
           <a:p>
             <a:r>
-              <a:rPr lang="en-US" sz="3200" dirty="0">
+              <a:rPr lang="en-US" sz="3600" dirty="0">
                 <a:solidFill>
                   <a:schemeClr val="bg1"/>
                 </a:solidFill>
               </a:rPr>
-              <a:t>System’s flow</a:t>
+              <a:t>Create a request</a:t>
             </a:r>
-            <a:endParaRPr lang="LID4096" sz="3200" dirty="0">
+          </a:p>
+          <a:p>
+            <a:r>
+              <a:rPr lang="en-US" sz="3600" dirty="0">
+                <a:solidFill>
+                  <a:schemeClr val="bg1"/>
+                </a:solidFill>
+              </a:rPr>
+              <a:t>screen</a:t>
+            </a:r>
+            <a:endParaRPr lang="LID4096" sz="3600" dirty="0">
               <a:solidFill>
                 <a:schemeClr val="bg1"/>
               </a:solidFill>
@@ -24819,10 +25330,39 @@
           </a:p>
         </p:txBody>
       </p:sp>
+      <p:pic>
+        <p:nvPicPr>
+          <p:cNvPr id="6" name="מציין מיקום תוכן 5">
+            <a:extLst>
+              <a:ext uri="{FF2B5EF4-FFF2-40B4-BE49-F238E27FC236}">
+                <a16:creationId xmlns:a16="http://schemas.microsoft.com/office/drawing/2014/main" id="{A2FE88C8-73F0-03B0-BB91-710B5F1DB75E}"/>
+              </a:ext>
+            </a:extLst>
+          </p:cNvPr>
+          <p:cNvPicPr>
+            <a:picLocks noGrp="1" noChangeAspect="1"/>
+          </p:cNvPicPr>
+          <p:nvPr>
+            <p:ph idx="1"/>
+          </p:nvPr>
+        </p:nvPicPr>
+        <p:blipFill>
+          <a:blip r:embed="rId2"/>
+          <a:stretch>
+            <a:fillRect/>
+          </a:stretch>
+        </p:blipFill>
+        <p:spPr>
+          <a:xfrm>
+            <a:off x="5095821" y="108790"/>
+            <a:ext cx="3320210" cy="6640420"/>
+          </a:xfrm>
+        </p:spPr>
+      </p:pic>
     </p:spTree>
     <p:extLst>
       <p:ext uri="{BB962C8B-B14F-4D97-AF65-F5344CB8AC3E}">
-        <p14:creationId xmlns:p14="http://schemas.microsoft.com/office/powerpoint/2010/main" val="285984332"/>
+        <p14:creationId xmlns:p14="http://schemas.microsoft.com/office/powerpoint/2010/main" val="721525763"/>
       </p:ext>
     </p:extLst>
   </p:cSld>
